--- a/Final Integration Project Documentation.pptx
+++ b/Final Integration Project Documentation.pptx
@@ -113,6 +113,11 @@
       </a:defRPr>
     </a:lvl9pPr>
   </p:defaultTextStyle>
+  <p:extLst>
+    <p:ext uri="{EFAFB233-063F-42B5-8137-9DF3F51BA10A}">
+      <p15:sldGuideLst xmlns:p15="http://schemas.microsoft.com/office/powerpoint/2012/main"/>
+    </p:ext>
+  </p:extLst>
 </p:presentation>
 </file>
 

--- a/Final Integration Project Documentation.pptx
+++ b/Final Integration Project Documentation.pptx
@@ -9581,6 +9581,221 @@
           </a:prstGeom>
         </p:spPr>
       </p:pic>
+      <p:sp>
+        <p:nvSpPr>
+          <p:cNvPr id="4" name="Content Placeholder 2">
+            <a:extLst>
+              <a:ext uri="{FF2B5EF4-FFF2-40B4-BE49-F238E27FC236}">
+                <a16:creationId xmlns:a16="http://schemas.microsoft.com/office/drawing/2014/main" id="{3FB1C5BC-90DD-D7B7-8FB9-CD0B27149432}"/>
+              </a:ext>
+            </a:extLst>
+          </p:cNvPr>
+          <p:cNvSpPr txBox="1">
+            <a:spLocks/>
+          </p:cNvSpPr>
+          <p:nvPr/>
+        </p:nvSpPr>
+        <p:spPr>
+          <a:xfrm>
+            <a:off x="3099581" y="6311900"/>
+            <a:ext cx="5992837" cy="444179"/>
+          </a:xfrm>
+          <a:prstGeom prst="rect">
+            <a:avLst/>
+          </a:prstGeom>
+        </p:spPr>
+        <p:txBody>
+          <a:bodyPr vert="horz" lIns="91440" tIns="45720" rIns="91440" bIns="45720" rtlCol="0">
+            <a:normAutofit lnSpcReduction="10000"/>
+          </a:bodyPr>
+          <a:lstStyle>
+            <a:lvl1pPr marL="228600" indent="-228600" algn="l" defTabSz="914400" rtl="0" eaLnBrk="1" latinLnBrk="0" hangingPunct="1">
+              <a:lnSpc>
+                <a:spcPct val="90000"/>
+              </a:lnSpc>
+              <a:spcBef>
+                <a:spcPts val="1000"/>
+              </a:spcBef>
+              <a:buFont typeface="Arial" panose="020B0604020202020204" pitchFamily="34" charset="0"/>
+              <a:buChar char="•"/>
+              <a:defRPr sz="2800" kern="1200">
+                <a:solidFill>
+                  <a:schemeClr val="tx1"/>
+                </a:solidFill>
+                <a:latin typeface="+mn-lt"/>
+                <a:ea typeface="+mn-ea"/>
+                <a:cs typeface="+mn-cs"/>
+              </a:defRPr>
+            </a:lvl1pPr>
+            <a:lvl2pPr marL="685800" indent="-228600" algn="l" defTabSz="914400" rtl="0" eaLnBrk="1" latinLnBrk="0" hangingPunct="1">
+              <a:lnSpc>
+                <a:spcPct val="90000"/>
+              </a:lnSpc>
+              <a:spcBef>
+                <a:spcPts val="500"/>
+              </a:spcBef>
+              <a:buFont typeface="Arial" panose="020B0604020202020204" pitchFamily="34" charset="0"/>
+              <a:buChar char="•"/>
+              <a:defRPr sz="2400" kern="1200">
+                <a:solidFill>
+                  <a:schemeClr val="tx1"/>
+                </a:solidFill>
+                <a:latin typeface="+mn-lt"/>
+                <a:ea typeface="+mn-ea"/>
+                <a:cs typeface="+mn-cs"/>
+              </a:defRPr>
+            </a:lvl2pPr>
+            <a:lvl3pPr marL="1143000" indent="-228600" algn="l" defTabSz="914400" rtl="0" eaLnBrk="1" latinLnBrk="0" hangingPunct="1">
+              <a:lnSpc>
+                <a:spcPct val="90000"/>
+              </a:lnSpc>
+              <a:spcBef>
+                <a:spcPts val="500"/>
+              </a:spcBef>
+              <a:buFont typeface="Arial" panose="020B0604020202020204" pitchFamily="34" charset="0"/>
+              <a:buChar char="•"/>
+              <a:defRPr sz="2000" kern="1200">
+                <a:solidFill>
+                  <a:schemeClr val="tx1"/>
+                </a:solidFill>
+                <a:latin typeface="+mn-lt"/>
+                <a:ea typeface="+mn-ea"/>
+                <a:cs typeface="+mn-cs"/>
+              </a:defRPr>
+            </a:lvl3pPr>
+            <a:lvl4pPr marL="1600200" indent="-228600" algn="l" defTabSz="914400" rtl="0" eaLnBrk="1" latinLnBrk="0" hangingPunct="1">
+              <a:lnSpc>
+                <a:spcPct val="90000"/>
+              </a:lnSpc>
+              <a:spcBef>
+                <a:spcPts val="500"/>
+              </a:spcBef>
+              <a:buFont typeface="Arial" panose="020B0604020202020204" pitchFamily="34" charset="0"/>
+              <a:buChar char="•"/>
+              <a:defRPr sz="1800" kern="1200">
+                <a:solidFill>
+                  <a:schemeClr val="tx1"/>
+                </a:solidFill>
+                <a:latin typeface="+mn-lt"/>
+                <a:ea typeface="+mn-ea"/>
+                <a:cs typeface="+mn-cs"/>
+              </a:defRPr>
+            </a:lvl4pPr>
+            <a:lvl5pPr marL="2057400" indent="-228600" algn="l" defTabSz="914400" rtl="0" eaLnBrk="1" latinLnBrk="0" hangingPunct="1">
+              <a:lnSpc>
+                <a:spcPct val="90000"/>
+              </a:lnSpc>
+              <a:spcBef>
+                <a:spcPts val="500"/>
+              </a:spcBef>
+              <a:buFont typeface="Arial" panose="020B0604020202020204" pitchFamily="34" charset="0"/>
+              <a:buChar char="•"/>
+              <a:defRPr sz="1800" kern="1200">
+                <a:solidFill>
+                  <a:schemeClr val="tx1"/>
+                </a:solidFill>
+                <a:latin typeface="+mn-lt"/>
+                <a:ea typeface="+mn-ea"/>
+                <a:cs typeface="+mn-cs"/>
+              </a:defRPr>
+            </a:lvl5pPr>
+            <a:lvl6pPr marL="2514600" indent="-228600" algn="l" defTabSz="914400" rtl="0" eaLnBrk="1" latinLnBrk="0" hangingPunct="1">
+              <a:lnSpc>
+                <a:spcPct val="90000"/>
+              </a:lnSpc>
+              <a:spcBef>
+                <a:spcPts val="500"/>
+              </a:spcBef>
+              <a:buFont typeface="Arial" panose="020B0604020202020204" pitchFamily="34" charset="0"/>
+              <a:buChar char="•"/>
+              <a:defRPr sz="1800" kern="1200">
+                <a:solidFill>
+                  <a:schemeClr val="tx1"/>
+                </a:solidFill>
+                <a:latin typeface="+mn-lt"/>
+                <a:ea typeface="+mn-ea"/>
+                <a:cs typeface="+mn-cs"/>
+              </a:defRPr>
+            </a:lvl6pPr>
+            <a:lvl7pPr marL="2971800" indent="-228600" algn="l" defTabSz="914400" rtl="0" eaLnBrk="1" latinLnBrk="0" hangingPunct="1">
+              <a:lnSpc>
+                <a:spcPct val="90000"/>
+              </a:lnSpc>
+              <a:spcBef>
+                <a:spcPts val="500"/>
+              </a:spcBef>
+              <a:buFont typeface="Arial" panose="020B0604020202020204" pitchFamily="34" charset="0"/>
+              <a:buChar char="•"/>
+              <a:defRPr sz="1800" kern="1200">
+                <a:solidFill>
+                  <a:schemeClr val="tx1"/>
+                </a:solidFill>
+                <a:latin typeface="+mn-lt"/>
+                <a:ea typeface="+mn-ea"/>
+                <a:cs typeface="+mn-cs"/>
+              </a:defRPr>
+            </a:lvl7pPr>
+            <a:lvl8pPr marL="3429000" indent="-228600" algn="l" defTabSz="914400" rtl="0" eaLnBrk="1" latinLnBrk="0" hangingPunct="1">
+              <a:lnSpc>
+                <a:spcPct val="90000"/>
+              </a:lnSpc>
+              <a:spcBef>
+                <a:spcPts val="500"/>
+              </a:spcBef>
+              <a:buFont typeface="Arial" panose="020B0604020202020204" pitchFamily="34" charset="0"/>
+              <a:buChar char="•"/>
+              <a:defRPr sz="1800" kern="1200">
+                <a:solidFill>
+                  <a:schemeClr val="tx1"/>
+                </a:solidFill>
+                <a:latin typeface="+mn-lt"/>
+                <a:ea typeface="+mn-ea"/>
+                <a:cs typeface="+mn-cs"/>
+              </a:defRPr>
+            </a:lvl8pPr>
+            <a:lvl9pPr marL="3886200" indent="-228600" algn="l" defTabSz="914400" rtl="0" eaLnBrk="1" latinLnBrk="0" hangingPunct="1">
+              <a:lnSpc>
+                <a:spcPct val="90000"/>
+              </a:lnSpc>
+              <a:spcBef>
+                <a:spcPts val="500"/>
+              </a:spcBef>
+              <a:buFont typeface="Arial" panose="020B0604020202020204" pitchFamily="34" charset="0"/>
+              <a:buChar char="•"/>
+              <a:defRPr sz="1800" kern="1200">
+                <a:solidFill>
+                  <a:schemeClr val="tx1"/>
+                </a:solidFill>
+                <a:latin typeface="+mn-lt"/>
+                <a:ea typeface="+mn-ea"/>
+                <a:cs typeface="+mn-cs"/>
+              </a:defRPr>
+            </a:lvl9pPr>
+          </a:lstStyle>
+          <a:p>
+            <a:r>
+              <a:rPr lang="en-US" dirty="0">
+                <a:solidFill>
+                  <a:srgbClr val="374151"/>
+                </a:solidFill>
+                <a:latin typeface="Söhne"/>
+              </a:rPr>
+              <a:t>Link: </a:t>
+            </a:r>
+            <a:r>
+              <a:rPr lang="en-US" dirty="0">
+                <a:solidFill>
+                  <a:srgbClr val="374151"/>
+                </a:solidFill>
+                <a:latin typeface="Söhne"/>
+                <a:hlinkClick r:id="rId4"/>
+              </a:rPr>
+              <a:t>https://youtu.be/hYR_HB24Qjg</a:t>
+            </a:r>
+            <a:endParaRPr lang="en-US" dirty="0"/>
+          </a:p>
+        </p:txBody>
+      </p:sp>
     </p:spTree>
     <p:extLst>
       <p:ext uri="{BB962C8B-B14F-4D97-AF65-F5344CB8AC3E}">

--- a/Final Integration Project Documentation.pptx
+++ b/Final Integration Project Documentation.pptx
@@ -8436,10 +8436,10 @@
       </p:grpSpPr>
       <p:sp useBgFill="1">
         <p:nvSpPr>
-          <p:cNvPr id="16" name="Rectangle 15">
+          <p:cNvPr id="40" name="Rectangle 31">
             <a:extLst>
               <a:ext uri="{FF2B5EF4-FFF2-40B4-BE49-F238E27FC236}">
-                <a16:creationId xmlns:a16="http://schemas.microsoft.com/office/drawing/2014/main" id="{7C98A213-5994-475E-B327-DC6EC27FBA8B}"/>
+                <a16:creationId xmlns:a16="http://schemas.microsoft.com/office/drawing/2014/main" id="{A182D396-EC2D-4435-A2E7-2BE57CF6A1E0}"/>
               </a:ext>
               <a:ext uri="{C183D7F6-B498-43B3-948B-1728B52AA6E4}">
                 <adec:decorative xmlns:adec="http://schemas.microsoft.com/office/drawing/2017/decorative" val="1"/>
@@ -8460,14 +8460,30 @@
         <p:spPr>
           <a:xfrm>
             <a:off x="0" y="0"/>
-            <a:ext cx="12188952" cy="6858000"/>
+            <a:ext cx="12192000" cy="6858000"/>
           </a:xfrm>
           <a:prstGeom prst="rect">
             <a:avLst/>
           </a:prstGeom>
-          <a:ln>
+          <a:ln w="12700" cap="flat" cmpd="sng" algn="ctr">
             <a:noFill/>
+            <a:prstDash val="solid"/>
+            <a:miter lim="800000"/>
           </a:ln>
+          <a:effectLst/>
+          <a:extLst>
+            <a:ext uri="{91240B29-F687-4F45-9708-019B960494DF}">
+              <a14:hiddenLine xmlns:a14="http://schemas.microsoft.com/office/drawing/2010/main" w="12700" cap="flat" cmpd="sng" algn="ctr">
+                <a:solidFill>
+                  <a:schemeClr val="accent1">
+                    <a:shade val="50000"/>
+                  </a:schemeClr>
+                </a:solidFill>
+                <a:prstDash val="solid"/>
+                <a:miter lim="800000"/>
+              </a14:hiddenLine>
+            </a:ext>
+          </a:extLst>
         </p:spPr>
         <p:style>
           <a:lnRef idx="2">
@@ -8496,48 +8512,10 @@
       </p:sp>
       <p:sp>
         <p:nvSpPr>
-          <p:cNvPr id="2" name="Title 1">
+          <p:cNvPr id="41" name="Freeform: Shape 33">
             <a:extLst>
               <a:ext uri="{FF2B5EF4-FFF2-40B4-BE49-F238E27FC236}">
-                <a16:creationId xmlns:a16="http://schemas.microsoft.com/office/drawing/2014/main" id="{626F29E3-4806-7D83-F4DF-005654D6EDB1}"/>
-              </a:ext>
-            </a:extLst>
-          </p:cNvPr>
-          <p:cNvSpPr>
-            <a:spLocks noGrp="1"/>
-          </p:cNvSpPr>
-          <p:nvPr>
-            <p:ph type="title"/>
-          </p:nvPr>
-        </p:nvSpPr>
-        <p:spPr>
-          <a:xfrm>
-            <a:off x="638881" y="670218"/>
-            <a:ext cx="10909640" cy="1065836"/>
-          </a:xfrm>
-        </p:spPr>
-        <p:txBody>
-          <a:bodyPr vert="horz" lIns="91440" tIns="45720" rIns="91440" bIns="45720" rtlCol="0" anchor="ctr">
-            <a:normAutofit/>
-          </a:bodyPr>
-          <a:lstStyle/>
-          <a:p>
-            <a:pPr algn="ctr"/>
-            <a:r>
-              <a:rPr lang="en-US" sz="6600" b="1" i="0" dirty="0">
-                <a:effectLst/>
-              </a:rPr>
-              <a:t>Game play Images</a:t>
-            </a:r>
-          </a:p>
-        </p:txBody>
-      </p:sp>
-      <p:sp>
-        <p:nvSpPr>
-          <p:cNvPr id="18" name="sketch line">
-            <a:extLst>
-              <a:ext uri="{FF2B5EF4-FFF2-40B4-BE49-F238E27FC236}">
-                <a16:creationId xmlns:a16="http://schemas.microsoft.com/office/drawing/2014/main" id="{4B030A0D-0DAD-4A99-89BB-419527D6A64B}"/>
+                <a16:creationId xmlns:a16="http://schemas.microsoft.com/office/drawing/2014/main" id="{85B6A842-7411-4FE2-A63A-C0643166332F}"/>
               </a:ext>
               <a:ext uri="{C183D7F6-B498-43B3-948B-1728B52AA6E4}">
                 <adec:decorative xmlns:adec="http://schemas.microsoft.com/office/drawing/2017/decorative" val="1"/>
@@ -8557,50 +8535,2738 @@
         </p:nvSpPr>
         <p:spPr>
           <a:xfrm>
-            <a:off x="3389376" y="1800088"/>
-            <a:ext cx="5410200" cy="18288"/>
+            <a:off x="0" y="0"/>
+            <a:ext cx="12192000" cy="3414000"/>
           </a:xfrm>
           <a:custGeom>
             <a:avLst/>
             <a:gdLst>
-              <a:gd name="connsiteX0" fmla="*/ 0 w 5410200"/>
-              <a:gd name="connsiteY0" fmla="*/ 0 h 18288"/>
-              <a:gd name="connsiteX1" fmla="*/ 568071 w 5410200"/>
-              <a:gd name="connsiteY1" fmla="*/ 0 h 18288"/>
-              <a:gd name="connsiteX2" fmla="*/ 1298448 w 5410200"/>
-              <a:gd name="connsiteY2" fmla="*/ 0 h 18288"/>
-              <a:gd name="connsiteX3" fmla="*/ 1920621 w 5410200"/>
-              <a:gd name="connsiteY3" fmla="*/ 0 h 18288"/>
-              <a:gd name="connsiteX4" fmla="*/ 2488692 w 5410200"/>
-              <a:gd name="connsiteY4" fmla="*/ 0 h 18288"/>
-              <a:gd name="connsiteX5" fmla="*/ 3219069 w 5410200"/>
-              <a:gd name="connsiteY5" fmla="*/ 0 h 18288"/>
-              <a:gd name="connsiteX6" fmla="*/ 3895344 w 5410200"/>
-              <a:gd name="connsiteY6" fmla="*/ 0 h 18288"/>
-              <a:gd name="connsiteX7" fmla="*/ 4571619 w 5410200"/>
-              <a:gd name="connsiteY7" fmla="*/ 0 h 18288"/>
-              <a:gd name="connsiteX8" fmla="*/ 5410200 w 5410200"/>
-              <a:gd name="connsiteY8" fmla="*/ 0 h 18288"/>
-              <a:gd name="connsiteX9" fmla="*/ 5410200 w 5410200"/>
-              <a:gd name="connsiteY9" fmla="*/ 18288 h 18288"/>
-              <a:gd name="connsiteX10" fmla="*/ 4842129 w 5410200"/>
-              <a:gd name="connsiteY10" fmla="*/ 18288 h 18288"/>
-              <a:gd name="connsiteX11" fmla="*/ 4328160 w 5410200"/>
-              <a:gd name="connsiteY11" fmla="*/ 18288 h 18288"/>
-              <a:gd name="connsiteX12" fmla="*/ 3597783 w 5410200"/>
-              <a:gd name="connsiteY12" fmla="*/ 18288 h 18288"/>
-              <a:gd name="connsiteX13" fmla="*/ 3029712 w 5410200"/>
-              <a:gd name="connsiteY13" fmla="*/ 18288 h 18288"/>
-              <a:gd name="connsiteX14" fmla="*/ 2299335 w 5410200"/>
-              <a:gd name="connsiteY14" fmla="*/ 18288 h 18288"/>
-              <a:gd name="connsiteX15" fmla="*/ 1514856 w 5410200"/>
-              <a:gd name="connsiteY15" fmla="*/ 18288 h 18288"/>
-              <a:gd name="connsiteX16" fmla="*/ 892683 w 5410200"/>
-              <a:gd name="connsiteY16" fmla="*/ 18288 h 18288"/>
-              <a:gd name="connsiteX17" fmla="*/ 0 w 5410200"/>
-              <a:gd name="connsiteY17" fmla="*/ 18288 h 18288"/>
-              <a:gd name="connsiteX18" fmla="*/ 0 w 5410200"/>
-              <a:gd name="connsiteY18" fmla="*/ 0 h 18288"/>
+              <a:gd name="connsiteX0" fmla="*/ 0 w 12192000"/>
+              <a:gd name="connsiteY0" fmla="*/ 0 h 3414000"/>
+              <a:gd name="connsiteX1" fmla="*/ 12192000 w 12192000"/>
+              <a:gd name="connsiteY1" fmla="*/ 0 h 3414000"/>
+              <a:gd name="connsiteX2" fmla="*/ 12192000 w 12192000"/>
+              <a:gd name="connsiteY2" fmla="*/ 3363677 h 3414000"/>
+              <a:gd name="connsiteX3" fmla="*/ 12174509 w 12192000"/>
+              <a:gd name="connsiteY3" fmla="*/ 3367693 h 3414000"/>
+              <a:gd name="connsiteX4" fmla="*/ 12144429 w 12192000"/>
+              <a:gd name="connsiteY4" fmla="*/ 3375519 h 3414000"/>
+              <a:gd name="connsiteX5" fmla="*/ 12091660 w 12192000"/>
+              <a:gd name="connsiteY5" fmla="*/ 3329430 h 3414000"/>
+              <a:gd name="connsiteX6" fmla="*/ 11929171 w 12192000"/>
+              <a:gd name="connsiteY6" fmla="*/ 3326226 h 3414000"/>
+              <a:gd name="connsiteX7" fmla="*/ 11820782 w 12192000"/>
+              <a:gd name="connsiteY7" fmla="*/ 3289139 h 3414000"/>
+              <a:gd name="connsiteX8" fmla="*/ 11760586 w 12192000"/>
+              <a:gd name="connsiteY8" fmla="*/ 3251827 h 3414000"/>
+              <a:gd name="connsiteX9" fmla="*/ 11687270 w 12192000"/>
+              <a:gd name="connsiteY9" fmla="*/ 3218023 h 3414000"/>
+              <a:gd name="connsiteX10" fmla="*/ 11648792 w 12192000"/>
+              <a:gd name="connsiteY10" fmla="*/ 3216275 h 3414000"/>
+              <a:gd name="connsiteX11" fmla="*/ 11557423 w 12192000"/>
+              <a:gd name="connsiteY11" fmla="*/ 3195513 h 3414000"/>
+              <a:gd name="connsiteX12" fmla="*/ 11336983 w 12192000"/>
+              <a:gd name="connsiteY12" fmla="*/ 3096805 h 3414000"/>
+              <a:gd name="connsiteX13" fmla="*/ 11200090 w 12192000"/>
+              <a:gd name="connsiteY13" fmla="*/ 3066866 h 3414000"/>
+              <a:gd name="connsiteX14" fmla="*/ 10939288 w 12192000"/>
+              <a:gd name="connsiteY14" fmla="*/ 2855023 h 3414000"/>
+              <a:gd name="connsiteX15" fmla="*/ 10563475 w 12192000"/>
+              <a:gd name="connsiteY15" fmla="*/ 2792135 h 3414000"/>
+              <a:gd name="connsiteX16" fmla="*/ 10136739 w 12192000"/>
+              <a:gd name="connsiteY16" fmla="*/ 2801901 h 3414000"/>
+              <a:gd name="connsiteX17" fmla="*/ 9661142 w 12192000"/>
+              <a:gd name="connsiteY17" fmla="*/ 2787165 h 3414000"/>
+              <a:gd name="connsiteX18" fmla="*/ 7709717 w 12192000"/>
+              <a:gd name="connsiteY18" fmla="*/ 2795955 h 3414000"/>
+              <a:gd name="connsiteX19" fmla="*/ 6923165 w 12192000"/>
+              <a:gd name="connsiteY19" fmla="*/ 2920979 h 3414000"/>
+              <a:gd name="connsiteX20" fmla="*/ 3308916 w 12192000"/>
+              <a:gd name="connsiteY20" fmla="*/ 3049911 h 3414000"/>
+              <a:gd name="connsiteX21" fmla="*/ 2046142 w 12192000"/>
+              <a:gd name="connsiteY21" fmla="*/ 3203263 h 3414000"/>
+              <a:gd name="connsiteX22" fmla="*/ 1573012 w 12192000"/>
+              <a:gd name="connsiteY22" fmla="*/ 3250273 h 3414000"/>
+              <a:gd name="connsiteX23" fmla="*/ 1304604 w 12192000"/>
+              <a:gd name="connsiteY23" fmla="*/ 3185587 h 3414000"/>
+              <a:gd name="connsiteX24" fmla="*/ 1160924 w 12192000"/>
+              <a:gd name="connsiteY24" fmla="*/ 3219675 h 3414000"/>
+              <a:gd name="connsiteX25" fmla="*/ 909691 w 12192000"/>
+              <a:gd name="connsiteY25" fmla="*/ 3216917 h 3414000"/>
+              <a:gd name="connsiteX26" fmla="*/ 764022 w 12192000"/>
+              <a:gd name="connsiteY26" fmla="*/ 3235844 h 3414000"/>
+              <a:gd name="connsiteX27" fmla="*/ 701916 w 12192000"/>
+              <a:gd name="connsiteY27" fmla="*/ 3250221 h 3414000"/>
+              <a:gd name="connsiteX28" fmla="*/ 408703 w 12192000"/>
+              <a:gd name="connsiteY28" fmla="*/ 3323459 h 3414000"/>
+              <a:gd name="connsiteX29" fmla="*/ 369867 w 12192000"/>
+              <a:gd name="connsiteY29" fmla="*/ 3339093 h 3414000"/>
+              <a:gd name="connsiteX30" fmla="*/ 318912 w 12192000"/>
+              <a:gd name="connsiteY30" fmla="*/ 3367911 h 3414000"/>
+              <a:gd name="connsiteX31" fmla="*/ 119549 w 12192000"/>
+              <a:gd name="connsiteY31" fmla="*/ 3404650 h 3414000"/>
+              <a:gd name="connsiteX32" fmla="*/ 0 w 12192000"/>
+              <a:gd name="connsiteY32" fmla="*/ 3414000 h 3414000"/>
+              <a:gd name="connsiteX0" fmla="*/ 0 w 12192000"/>
+              <a:gd name="connsiteY0" fmla="*/ 0 h 3414000"/>
+              <a:gd name="connsiteX1" fmla="*/ 12192000 w 12192000"/>
+              <a:gd name="connsiteY1" fmla="*/ 0 h 3414000"/>
+              <a:gd name="connsiteX2" fmla="*/ 12192000 w 12192000"/>
+              <a:gd name="connsiteY2" fmla="*/ 3363677 h 3414000"/>
+              <a:gd name="connsiteX3" fmla="*/ 12174509 w 12192000"/>
+              <a:gd name="connsiteY3" fmla="*/ 3367693 h 3414000"/>
+              <a:gd name="connsiteX4" fmla="*/ 12144429 w 12192000"/>
+              <a:gd name="connsiteY4" fmla="*/ 3375519 h 3414000"/>
+              <a:gd name="connsiteX5" fmla="*/ 12091660 w 12192000"/>
+              <a:gd name="connsiteY5" fmla="*/ 3329430 h 3414000"/>
+              <a:gd name="connsiteX6" fmla="*/ 11929171 w 12192000"/>
+              <a:gd name="connsiteY6" fmla="*/ 3326226 h 3414000"/>
+              <a:gd name="connsiteX7" fmla="*/ 11820782 w 12192000"/>
+              <a:gd name="connsiteY7" fmla="*/ 3289139 h 3414000"/>
+              <a:gd name="connsiteX8" fmla="*/ 11760586 w 12192000"/>
+              <a:gd name="connsiteY8" fmla="*/ 3251827 h 3414000"/>
+              <a:gd name="connsiteX9" fmla="*/ 11687270 w 12192000"/>
+              <a:gd name="connsiteY9" fmla="*/ 3218023 h 3414000"/>
+              <a:gd name="connsiteX10" fmla="*/ 11648792 w 12192000"/>
+              <a:gd name="connsiteY10" fmla="*/ 3216275 h 3414000"/>
+              <a:gd name="connsiteX11" fmla="*/ 11557423 w 12192000"/>
+              <a:gd name="connsiteY11" fmla="*/ 3195513 h 3414000"/>
+              <a:gd name="connsiteX12" fmla="*/ 11336983 w 12192000"/>
+              <a:gd name="connsiteY12" fmla="*/ 3096805 h 3414000"/>
+              <a:gd name="connsiteX13" fmla="*/ 11200090 w 12192000"/>
+              <a:gd name="connsiteY13" fmla="*/ 3066866 h 3414000"/>
+              <a:gd name="connsiteX14" fmla="*/ 10939288 w 12192000"/>
+              <a:gd name="connsiteY14" fmla="*/ 2855023 h 3414000"/>
+              <a:gd name="connsiteX15" fmla="*/ 10782550 w 12192000"/>
+              <a:gd name="connsiteY15" fmla="*/ 2820710 h 3414000"/>
+              <a:gd name="connsiteX16" fmla="*/ 10136739 w 12192000"/>
+              <a:gd name="connsiteY16" fmla="*/ 2801901 h 3414000"/>
+              <a:gd name="connsiteX17" fmla="*/ 9661142 w 12192000"/>
+              <a:gd name="connsiteY17" fmla="*/ 2787165 h 3414000"/>
+              <a:gd name="connsiteX18" fmla="*/ 7709717 w 12192000"/>
+              <a:gd name="connsiteY18" fmla="*/ 2795955 h 3414000"/>
+              <a:gd name="connsiteX19" fmla="*/ 6923165 w 12192000"/>
+              <a:gd name="connsiteY19" fmla="*/ 2920979 h 3414000"/>
+              <a:gd name="connsiteX20" fmla="*/ 3308916 w 12192000"/>
+              <a:gd name="connsiteY20" fmla="*/ 3049911 h 3414000"/>
+              <a:gd name="connsiteX21" fmla="*/ 2046142 w 12192000"/>
+              <a:gd name="connsiteY21" fmla="*/ 3203263 h 3414000"/>
+              <a:gd name="connsiteX22" fmla="*/ 1573012 w 12192000"/>
+              <a:gd name="connsiteY22" fmla="*/ 3250273 h 3414000"/>
+              <a:gd name="connsiteX23" fmla="*/ 1304604 w 12192000"/>
+              <a:gd name="connsiteY23" fmla="*/ 3185587 h 3414000"/>
+              <a:gd name="connsiteX24" fmla="*/ 1160924 w 12192000"/>
+              <a:gd name="connsiteY24" fmla="*/ 3219675 h 3414000"/>
+              <a:gd name="connsiteX25" fmla="*/ 909691 w 12192000"/>
+              <a:gd name="connsiteY25" fmla="*/ 3216917 h 3414000"/>
+              <a:gd name="connsiteX26" fmla="*/ 764022 w 12192000"/>
+              <a:gd name="connsiteY26" fmla="*/ 3235844 h 3414000"/>
+              <a:gd name="connsiteX27" fmla="*/ 701916 w 12192000"/>
+              <a:gd name="connsiteY27" fmla="*/ 3250221 h 3414000"/>
+              <a:gd name="connsiteX28" fmla="*/ 408703 w 12192000"/>
+              <a:gd name="connsiteY28" fmla="*/ 3323459 h 3414000"/>
+              <a:gd name="connsiteX29" fmla="*/ 369867 w 12192000"/>
+              <a:gd name="connsiteY29" fmla="*/ 3339093 h 3414000"/>
+              <a:gd name="connsiteX30" fmla="*/ 318912 w 12192000"/>
+              <a:gd name="connsiteY30" fmla="*/ 3367911 h 3414000"/>
+              <a:gd name="connsiteX31" fmla="*/ 119549 w 12192000"/>
+              <a:gd name="connsiteY31" fmla="*/ 3404650 h 3414000"/>
+              <a:gd name="connsiteX32" fmla="*/ 0 w 12192000"/>
+              <a:gd name="connsiteY32" fmla="*/ 3414000 h 3414000"/>
+              <a:gd name="connsiteX33" fmla="*/ 0 w 12192000"/>
+              <a:gd name="connsiteY33" fmla="*/ 0 h 3414000"/>
+              <a:gd name="connsiteX0" fmla="*/ 0 w 12192000"/>
+              <a:gd name="connsiteY0" fmla="*/ 0 h 3414000"/>
+              <a:gd name="connsiteX1" fmla="*/ 12192000 w 12192000"/>
+              <a:gd name="connsiteY1" fmla="*/ 0 h 3414000"/>
+              <a:gd name="connsiteX2" fmla="*/ 12192000 w 12192000"/>
+              <a:gd name="connsiteY2" fmla="*/ 3363677 h 3414000"/>
+              <a:gd name="connsiteX3" fmla="*/ 12174509 w 12192000"/>
+              <a:gd name="connsiteY3" fmla="*/ 3367693 h 3414000"/>
+              <a:gd name="connsiteX4" fmla="*/ 12144429 w 12192000"/>
+              <a:gd name="connsiteY4" fmla="*/ 3375519 h 3414000"/>
+              <a:gd name="connsiteX5" fmla="*/ 12091660 w 12192000"/>
+              <a:gd name="connsiteY5" fmla="*/ 3329430 h 3414000"/>
+              <a:gd name="connsiteX6" fmla="*/ 11929171 w 12192000"/>
+              <a:gd name="connsiteY6" fmla="*/ 3326226 h 3414000"/>
+              <a:gd name="connsiteX7" fmla="*/ 11820782 w 12192000"/>
+              <a:gd name="connsiteY7" fmla="*/ 3289139 h 3414000"/>
+              <a:gd name="connsiteX8" fmla="*/ 11760586 w 12192000"/>
+              <a:gd name="connsiteY8" fmla="*/ 3251827 h 3414000"/>
+              <a:gd name="connsiteX9" fmla="*/ 11687270 w 12192000"/>
+              <a:gd name="connsiteY9" fmla="*/ 3218023 h 3414000"/>
+              <a:gd name="connsiteX10" fmla="*/ 11648792 w 12192000"/>
+              <a:gd name="connsiteY10" fmla="*/ 3216275 h 3414000"/>
+              <a:gd name="connsiteX11" fmla="*/ 11557423 w 12192000"/>
+              <a:gd name="connsiteY11" fmla="*/ 3195513 h 3414000"/>
+              <a:gd name="connsiteX12" fmla="*/ 11336983 w 12192000"/>
+              <a:gd name="connsiteY12" fmla="*/ 3096805 h 3414000"/>
+              <a:gd name="connsiteX13" fmla="*/ 11200090 w 12192000"/>
+              <a:gd name="connsiteY13" fmla="*/ 3066866 h 3414000"/>
+              <a:gd name="connsiteX14" fmla="*/ 10939288 w 12192000"/>
+              <a:gd name="connsiteY14" fmla="*/ 2855023 h 3414000"/>
+              <a:gd name="connsiteX15" fmla="*/ 10782550 w 12192000"/>
+              <a:gd name="connsiteY15" fmla="*/ 2820710 h 3414000"/>
+              <a:gd name="connsiteX16" fmla="*/ 10393914 w 12192000"/>
+              <a:gd name="connsiteY16" fmla="*/ 2801901 h 3414000"/>
+              <a:gd name="connsiteX17" fmla="*/ 9661142 w 12192000"/>
+              <a:gd name="connsiteY17" fmla="*/ 2787165 h 3414000"/>
+              <a:gd name="connsiteX18" fmla="*/ 7709717 w 12192000"/>
+              <a:gd name="connsiteY18" fmla="*/ 2795955 h 3414000"/>
+              <a:gd name="connsiteX19" fmla="*/ 6923165 w 12192000"/>
+              <a:gd name="connsiteY19" fmla="*/ 2920979 h 3414000"/>
+              <a:gd name="connsiteX20" fmla="*/ 3308916 w 12192000"/>
+              <a:gd name="connsiteY20" fmla="*/ 3049911 h 3414000"/>
+              <a:gd name="connsiteX21" fmla="*/ 2046142 w 12192000"/>
+              <a:gd name="connsiteY21" fmla="*/ 3203263 h 3414000"/>
+              <a:gd name="connsiteX22" fmla="*/ 1573012 w 12192000"/>
+              <a:gd name="connsiteY22" fmla="*/ 3250273 h 3414000"/>
+              <a:gd name="connsiteX23" fmla="*/ 1304604 w 12192000"/>
+              <a:gd name="connsiteY23" fmla="*/ 3185587 h 3414000"/>
+              <a:gd name="connsiteX24" fmla="*/ 1160924 w 12192000"/>
+              <a:gd name="connsiteY24" fmla="*/ 3219675 h 3414000"/>
+              <a:gd name="connsiteX25" fmla="*/ 909691 w 12192000"/>
+              <a:gd name="connsiteY25" fmla="*/ 3216917 h 3414000"/>
+              <a:gd name="connsiteX26" fmla="*/ 764022 w 12192000"/>
+              <a:gd name="connsiteY26" fmla="*/ 3235844 h 3414000"/>
+              <a:gd name="connsiteX27" fmla="*/ 701916 w 12192000"/>
+              <a:gd name="connsiteY27" fmla="*/ 3250221 h 3414000"/>
+              <a:gd name="connsiteX28" fmla="*/ 408703 w 12192000"/>
+              <a:gd name="connsiteY28" fmla="*/ 3323459 h 3414000"/>
+              <a:gd name="connsiteX29" fmla="*/ 369867 w 12192000"/>
+              <a:gd name="connsiteY29" fmla="*/ 3339093 h 3414000"/>
+              <a:gd name="connsiteX30" fmla="*/ 318912 w 12192000"/>
+              <a:gd name="connsiteY30" fmla="*/ 3367911 h 3414000"/>
+              <a:gd name="connsiteX31" fmla="*/ 119549 w 12192000"/>
+              <a:gd name="connsiteY31" fmla="*/ 3404650 h 3414000"/>
+              <a:gd name="connsiteX32" fmla="*/ 0 w 12192000"/>
+              <a:gd name="connsiteY32" fmla="*/ 3414000 h 3414000"/>
+              <a:gd name="connsiteX33" fmla="*/ 0 w 12192000"/>
+              <a:gd name="connsiteY33" fmla="*/ 0 h 3414000"/>
+              <a:gd name="connsiteX0" fmla="*/ 0 w 12192000"/>
+              <a:gd name="connsiteY0" fmla="*/ 0 h 3414000"/>
+              <a:gd name="connsiteX1" fmla="*/ 12192000 w 12192000"/>
+              <a:gd name="connsiteY1" fmla="*/ 0 h 3414000"/>
+              <a:gd name="connsiteX2" fmla="*/ 12192000 w 12192000"/>
+              <a:gd name="connsiteY2" fmla="*/ 3363677 h 3414000"/>
+              <a:gd name="connsiteX3" fmla="*/ 12174509 w 12192000"/>
+              <a:gd name="connsiteY3" fmla="*/ 3367693 h 3414000"/>
+              <a:gd name="connsiteX4" fmla="*/ 12144429 w 12192000"/>
+              <a:gd name="connsiteY4" fmla="*/ 3375519 h 3414000"/>
+              <a:gd name="connsiteX5" fmla="*/ 12091660 w 12192000"/>
+              <a:gd name="connsiteY5" fmla="*/ 3329430 h 3414000"/>
+              <a:gd name="connsiteX6" fmla="*/ 11929171 w 12192000"/>
+              <a:gd name="connsiteY6" fmla="*/ 3326226 h 3414000"/>
+              <a:gd name="connsiteX7" fmla="*/ 11820782 w 12192000"/>
+              <a:gd name="connsiteY7" fmla="*/ 3289139 h 3414000"/>
+              <a:gd name="connsiteX8" fmla="*/ 11760586 w 12192000"/>
+              <a:gd name="connsiteY8" fmla="*/ 3251827 h 3414000"/>
+              <a:gd name="connsiteX9" fmla="*/ 11687270 w 12192000"/>
+              <a:gd name="connsiteY9" fmla="*/ 3218023 h 3414000"/>
+              <a:gd name="connsiteX10" fmla="*/ 11648792 w 12192000"/>
+              <a:gd name="connsiteY10" fmla="*/ 3216275 h 3414000"/>
+              <a:gd name="connsiteX11" fmla="*/ 11557423 w 12192000"/>
+              <a:gd name="connsiteY11" fmla="*/ 3195513 h 3414000"/>
+              <a:gd name="connsiteX12" fmla="*/ 11336983 w 12192000"/>
+              <a:gd name="connsiteY12" fmla="*/ 3096805 h 3414000"/>
+              <a:gd name="connsiteX13" fmla="*/ 11200090 w 12192000"/>
+              <a:gd name="connsiteY13" fmla="*/ 3066866 h 3414000"/>
+              <a:gd name="connsiteX14" fmla="*/ 10939288 w 12192000"/>
+              <a:gd name="connsiteY14" fmla="*/ 2855023 h 3414000"/>
+              <a:gd name="connsiteX15" fmla="*/ 10782550 w 12192000"/>
+              <a:gd name="connsiteY15" fmla="*/ 2820710 h 3414000"/>
+              <a:gd name="connsiteX16" fmla="*/ 10393914 w 12192000"/>
+              <a:gd name="connsiteY16" fmla="*/ 2801901 h 3414000"/>
+              <a:gd name="connsiteX17" fmla="*/ 9661142 w 12192000"/>
+              <a:gd name="connsiteY17" fmla="*/ 2787165 h 3414000"/>
+              <a:gd name="connsiteX18" fmla="*/ 7709717 w 12192000"/>
+              <a:gd name="connsiteY18" fmla="*/ 2795955 h 3414000"/>
+              <a:gd name="connsiteX19" fmla="*/ 6923165 w 12192000"/>
+              <a:gd name="connsiteY19" fmla="*/ 2920979 h 3414000"/>
+              <a:gd name="connsiteX20" fmla="*/ 3308916 w 12192000"/>
+              <a:gd name="connsiteY20" fmla="*/ 3049911 h 3414000"/>
+              <a:gd name="connsiteX21" fmla="*/ 2046142 w 12192000"/>
+              <a:gd name="connsiteY21" fmla="*/ 3203263 h 3414000"/>
+              <a:gd name="connsiteX22" fmla="*/ 1573012 w 12192000"/>
+              <a:gd name="connsiteY22" fmla="*/ 3250273 h 3414000"/>
+              <a:gd name="connsiteX23" fmla="*/ 1304604 w 12192000"/>
+              <a:gd name="connsiteY23" fmla="*/ 3185587 h 3414000"/>
+              <a:gd name="connsiteX24" fmla="*/ 1160924 w 12192000"/>
+              <a:gd name="connsiteY24" fmla="*/ 3219675 h 3414000"/>
+              <a:gd name="connsiteX25" fmla="*/ 909691 w 12192000"/>
+              <a:gd name="connsiteY25" fmla="*/ 3216917 h 3414000"/>
+              <a:gd name="connsiteX26" fmla="*/ 764022 w 12192000"/>
+              <a:gd name="connsiteY26" fmla="*/ 3235844 h 3414000"/>
+              <a:gd name="connsiteX27" fmla="*/ 701916 w 12192000"/>
+              <a:gd name="connsiteY27" fmla="*/ 3250221 h 3414000"/>
+              <a:gd name="connsiteX28" fmla="*/ 408703 w 12192000"/>
+              <a:gd name="connsiteY28" fmla="*/ 3323459 h 3414000"/>
+              <a:gd name="connsiteX29" fmla="*/ 369867 w 12192000"/>
+              <a:gd name="connsiteY29" fmla="*/ 3339093 h 3414000"/>
+              <a:gd name="connsiteX30" fmla="*/ 318912 w 12192000"/>
+              <a:gd name="connsiteY30" fmla="*/ 3367911 h 3414000"/>
+              <a:gd name="connsiteX31" fmla="*/ 119549 w 12192000"/>
+              <a:gd name="connsiteY31" fmla="*/ 3404650 h 3414000"/>
+              <a:gd name="connsiteX32" fmla="*/ 0 w 12192000"/>
+              <a:gd name="connsiteY32" fmla="*/ 3414000 h 3414000"/>
+              <a:gd name="connsiteX33" fmla="*/ 0 w 12192000"/>
+              <a:gd name="connsiteY33" fmla="*/ 0 h 3414000"/>
+              <a:gd name="connsiteX0" fmla="*/ 0 w 12192000"/>
+              <a:gd name="connsiteY0" fmla="*/ 0 h 3414000"/>
+              <a:gd name="connsiteX1" fmla="*/ 12192000 w 12192000"/>
+              <a:gd name="connsiteY1" fmla="*/ 0 h 3414000"/>
+              <a:gd name="connsiteX2" fmla="*/ 12192000 w 12192000"/>
+              <a:gd name="connsiteY2" fmla="*/ 3363677 h 3414000"/>
+              <a:gd name="connsiteX3" fmla="*/ 12174509 w 12192000"/>
+              <a:gd name="connsiteY3" fmla="*/ 3367693 h 3414000"/>
+              <a:gd name="connsiteX4" fmla="*/ 12144429 w 12192000"/>
+              <a:gd name="connsiteY4" fmla="*/ 3375519 h 3414000"/>
+              <a:gd name="connsiteX5" fmla="*/ 12091660 w 12192000"/>
+              <a:gd name="connsiteY5" fmla="*/ 3329430 h 3414000"/>
+              <a:gd name="connsiteX6" fmla="*/ 11929171 w 12192000"/>
+              <a:gd name="connsiteY6" fmla="*/ 3326226 h 3414000"/>
+              <a:gd name="connsiteX7" fmla="*/ 11820782 w 12192000"/>
+              <a:gd name="connsiteY7" fmla="*/ 3289139 h 3414000"/>
+              <a:gd name="connsiteX8" fmla="*/ 11760586 w 12192000"/>
+              <a:gd name="connsiteY8" fmla="*/ 3251827 h 3414000"/>
+              <a:gd name="connsiteX9" fmla="*/ 11687270 w 12192000"/>
+              <a:gd name="connsiteY9" fmla="*/ 3218023 h 3414000"/>
+              <a:gd name="connsiteX10" fmla="*/ 11648792 w 12192000"/>
+              <a:gd name="connsiteY10" fmla="*/ 3216275 h 3414000"/>
+              <a:gd name="connsiteX11" fmla="*/ 11557423 w 12192000"/>
+              <a:gd name="connsiteY11" fmla="*/ 3195513 h 3414000"/>
+              <a:gd name="connsiteX12" fmla="*/ 11336983 w 12192000"/>
+              <a:gd name="connsiteY12" fmla="*/ 3096805 h 3414000"/>
+              <a:gd name="connsiteX13" fmla="*/ 11200090 w 12192000"/>
+              <a:gd name="connsiteY13" fmla="*/ 3066866 h 3414000"/>
+              <a:gd name="connsiteX14" fmla="*/ 10939288 w 12192000"/>
+              <a:gd name="connsiteY14" fmla="*/ 2855023 h 3414000"/>
+              <a:gd name="connsiteX15" fmla="*/ 10782550 w 12192000"/>
+              <a:gd name="connsiteY15" fmla="*/ 2820710 h 3414000"/>
+              <a:gd name="connsiteX16" fmla="*/ 10393914 w 12192000"/>
+              <a:gd name="connsiteY16" fmla="*/ 2801901 h 3414000"/>
+              <a:gd name="connsiteX17" fmla="*/ 9661142 w 12192000"/>
+              <a:gd name="connsiteY17" fmla="*/ 2787165 h 3414000"/>
+              <a:gd name="connsiteX18" fmla="*/ 7709717 w 12192000"/>
+              <a:gd name="connsiteY18" fmla="*/ 2795955 h 3414000"/>
+              <a:gd name="connsiteX19" fmla="*/ 6923165 w 12192000"/>
+              <a:gd name="connsiteY19" fmla="*/ 2920979 h 3414000"/>
+              <a:gd name="connsiteX20" fmla="*/ 3308916 w 12192000"/>
+              <a:gd name="connsiteY20" fmla="*/ 3049911 h 3414000"/>
+              <a:gd name="connsiteX21" fmla="*/ 2046142 w 12192000"/>
+              <a:gd name="connsiteY21" fmla="*/ 3203263 h 3414000"/>
+              <a:gd name="connsiteX22" fmla="*/ 1573012 w 12192000"/>
+              <a:gd name="connsiteY22" fmla="*/ 3250273 h 3414000"/>
+              <a:gd name="connsiteX23" fmla="*/ 1304604 w 12192000"/>
+              <a:gd name="connsiteY23" fmla="*/ 3185587 h 3414000"/>
+              <a:gd name="connsiteX24" fmla="*/ 1160924 w 12192000"/>
+              <a:gd name="connsiteY24" fmla="*/ 3219675 h 3414000"/>
+              <a:gd name="connsiteX25" fmla="*/ 909691 w 12192000"/>
+              <a:gd name="connsiteY25" fmla="*/ 3216917 h 3414000"/>
+              <a:gd name="connsiteX26" fmla="*/ 764022 w 12192000"/>
+              <a:gd name="connsiteY26" fmla="*/ 3235844 h 3414000"/>
+              <a:gd name="connsiteX27" fmla="*/ 701916 w 12192000"/>
+              <a:gd name="connsiteY27" fmla="*/ 3250221 h 3414000"/>
+              <a:gd name="connsiteX28" fmla="*/ 408703 w 12192000"/>
+              <a:gd name="connsiteY28" fmla="*/ 3323459 h 3414000"/>
+              <a:gd name="connsiteX29" fmla="*/ 369867 w 12192000"/>
+              <a:gd name="connsiteY29" fmla="*/ 3339093 h 3414000"/>
+              <a:gd name="connsiteX30" fmla="*/ 318912 w 12192000"/>
+              <a:gd name="connsiteY30" fmla="*/ 3367911 h 3414000"/>
+              <a:gd name="connsiteX31" fmla="*/ 119549 w 12192000"/>
+              <a:gd name="connsiteY31" fmla="*/ 3404650 h 3414000"/>
+              <a:gd name="connsiteX32" fmla="*/ 0 w 12192000"/>
+              <a:gd name="connsiteY32" fmla="*/ 3414000 h 3414000"/>
+              <a:gd name="connsiteX33" fmla="*/ 0 w 12192000"/>
+              <a:gd name="connsiteY33" fmla="*/ 0 h 3414000"/>
+              <a:gd name="connsiteX0" fmla="*/ 0 w 12192000"/>
+              <a:gd name="connsiteY0" fmla="*/ 0 h 3414000"/>
+              <a:gd name="connsiteX1" fmla="*/ 12192000 w 12192000"/>
+              <a:gd name="connsiteY1" fmla="*/ 0 h 3414000"/>
+              <a:gd name="connsiteX2" fmla="*/ 12192000 w 12192000"/>
+              <a:gd name="connsiteY2" fmla="*/ 3363677 h 3414000"/>
+              <a:gd name="connsiteX3" fmla="*/ 12174509 w 12192000"/>
+              <a:gd name="connsiteY3" fmla="*/ 3367693 h 3414000"/>
+              <a:gd name="connsiteX4" fmla="*/ 12144429 w 12192000"/>
+              <a:gd name="connsiteY4" fmla="*/ 3375519 h 3414000"/>
+              <a:gd name="connsiteX5" fmla="*/ 12091660 w 12192000"/>
+              <a:gd name="connsiteY5" fmla="*/ 3329430 h 3414000"/>
+              <a:gd name="connsiteX6" fmla="*/ 11929171 w 12192000"/>
+              <a:gd name="connsiteY6" fmla="*/ 3326226 h 3414000"/>
+              <a:gd name="connsiteX7" fmla="*/ 11820782 w 12192000"/>
+              <a:gd name="connsiteY7" fmla="*/ 3289139 h 3414000"/>
+              <a:gd name="connsiteX8" fmla="*/ 11760586 w 12192000"/>
+              <a:gd name="connsiteY8" fmla="*/ 3251827 h 3414000"/>
+              <a:gd name="connsiteX9" fmla="*/ 11687270 w 12192000"/>
+              <a:gd name="connsiteY9" fmla="*/ 3218023 h 3414000"/>
+              <a:gd name="connsiteX10" fmla="*/ 11648792 w 12192000"/>
+              <a:gd name="connsiteY10" fmla="*/ 3216275 h 3414000"/>
+              <a:gd name="connsiteX11" fmla="*/ 11557423 w 12192000"/>
+              <a:gd name="connsiteY11" fmla="*/ 3195513 h 3414000"/>
+              <a:gd name="connsiteX12" fmla="*/ 11336983 w 12192000"/>
+              <a:gd name="connsiteY12" fmla="*/ 3096805 h 3414000"/>
+              <a:gd name="connsiteX13" fmla="*/ 11200090 w 12192000"/>
+              <a:gd name="connsiteY13" fmla="*/ 3066866 h 3414000"/>
+              <a:gd name="connsiteX14" fmla="*/ 10939288 w 12192000"/>
+              <a:gd name="connsiteY14" fmla="*/ 2855023 h 3414000"/>
+              <a:gd name="connsiteX15" fmla="*/ 10782550 w 12192000"/>
+              <a:gd name="connsiteY15" fmla="*/ 2820710 h 3414000"/>
+              <a:gd name="connsiteX16" fmla="*/ 10546314 w 12192000"/>
+              <a:gd name="connsiteY16" fmla="*/ 2811426 h 3414000"/>
+              <a:gd name="connsiteX17" fmla="*/ 9661142 w 12192000"/>
+              <a:gd name="connsiteY17" fmla="*/ 2787165 h 3414000"/>
+              <a:gd name="connsiteX18" fmla="*/ 7709717 w 12192000"/>
+              <a:gd name="connsiteY18" fmla="*/ 2795955 h 3414000"/>
+              <a:gd name="connsiteX19" fmla="*/ 6923165 w 12192000"/>
+              <a:gd name="connsiteY19" fmla="*/ 2920979 h 3414000"/>
+              <a:gd name="connsiteX20" fmla="*/ 3308916 w 12192000"/>
+              <a:gd name="connsiteY20" fmla="*/ 3049911 h 3414000"/>
+              <a:gd name="connsiteX21" fmla="*/ 2046142 w 12192000"/>
+              <a:gd name="connsiteY21" fmla="*/ 3203263 h 3414000"/>
+              <a:gd name="connsiteX22" fmla="*/ 1573012 w 12192000"/>
+              <a:gd name="connsiteY22" fmla="*/ 3250273 h 3414000"/>
+              <a:gd name="connsiteX23" fmla="*/ 1304604 w 12192000"/>
+              <a:gd name="connsiteY23" fmla="*/ 3185587 h 3414000"/>
+              <a:gd name="connsiteX24" fmla="*/ 1160924 w 12192000"/>
+              <a:gd name="connsiteY24" fmla="*/ 3219675 h 3414000"/>
+              <a:gd name="connsiteX25" fmla="*/ 909691 w 12192000"/>
+              <a:gd name="connsiteY25" fmla="*/ 3216917 h 3414000"/>
+              <a:gd name="connsiteX26" fmla="*/ 764022 w 12192000"/>
+              <a:gd name="connsiteY26" fmla="*/ 3235844 h 3414000"/>
+              <a:gd name="connsiteX27" fmla="*/ 701916 w 12192000"/>
+              <a:gd name="connsiteY27" fmla="*/ 3250221 h 3414000"/>
+              <a:gd name="connsiteX28" fmla="*/ 408703 w 12192000"/>
+              <a:gd name="connsiteY28" fmla="*/ 3323459 h 3414000"/>
+              <a:gd name="connsiteX29" fmla="*/ 369867 w 12192000"/>
+              <a:gd name="connsiteY29" fmla="*/ 3339093 h 3414000"/>
+              <a:gd name="connsiteX30" fmla="*/ 318912 w 12192000"/>
+              <a:gd name="connsiteY30" fmla="*/ 3367911 h 3414000"/>
+              <a:gd name="connsiteX31" fmla="*/ 119549 w 12192000"/>
+              <a:gd name="connsiteY31" fmla="*/ 3404650 h 3414000"/>
+              <a:gd name="connsiteX32" fmla="*/ 0 w 12192000"/>
+              <a:gd name="connsiteY32" fmla="*/ 3414000 h 3414000"/>
+              <a:gd name="connsiteX33" fmla="*/ 0 w 12192000"/>
+              <a:gd name="connsiteY33" fmla="*/ 0 h 3414000"/>
+              <a:gd name="connsiteX0" fmla="*/ 0 w 12192000"/>
+              <a:gd name="connsiteY0" fmla="*/ 0 h 3414000"/>
+              <a:gd name="connsiteX1" fmla="*/ 12192000 w 12192000"/>
+              <a:gd name="connsiteY1" fmla="*/ 0 h 3414000"/>
+              <a:gd name="connsiteX2" fmla="*/ 12192000 w 12192000"/>
+              <a:gd name="connsiteY2" fmla="*/ 3363677 h 3414000"/>
+              <a:gd name="connsiteX3" fmla="*/ 12174509 w 12192000"/>
+              <a:gd name="connsiteY3" fmla="*/ 3367693 h 3414000"/>
+              <a:gd name="connsiteX4" fmla="*/ 12144429 w 12192000"/>
+              <a:gd name="connsiteY4" fmla="*/ 3375519 h 3414000"/>
+              <a:gd name="connsiteX5" fmla="*/ 12091660 w 12192000"/>
+              <a:gd name="connsiteY5" fmla="*/ 3329430 h 3414000"/>
+              <a:gd name="connsiteX6" fmla="*/ 11929171 w 12192000"/>
+              <a:gd name="connsiteY6" fmla="*/ 3326226 h 3414000"/>
+              <a:gd name="connsiteX7" fmla="*/ 11820782 w 12192000"/>
+              <a:gd name="connsiteY7" fmla="*/ 3289139 h 3414000"/>
+              <a:gd name="connsiteX8" fmla="*/ 11760586 w 12192000"/>
+              <a:gd name="connsiteY8" fmla="*/ 3251827 h 3414000"/>
+              <a:gd name="connsiteX9" fmla="*/ 11687270 w 12192000"/>
+              <a:gd name="connsiteY9" fmla="*/ 3218023 h 3414000"/>
+              <a:gd name="connsiteX10" fmla="*/ 11648792 w 12192000"/>
+              <a:gd name="connsiteY10" fmla="*/ 3216275 h 3414000"/>
+              <a:gd name="connsiteX11" fmla="*/ 11557423 w 12192000"/>
+              <a:gd name="connsiteY11" fmla="*/ 3195513 h 3414000"/>
+              <a:gd name="connsiteX12" fmla="*/ 11336983 w 12192000"/>
+              <a:gd name="connsiteY12" fmla="*/ 3096805 h 3414000"/>
+              <a:gd name="connsiteX13" fmla="*/ 11200090 w 12192000"/>
+              <a:gd name="connsiteY13" fmla="*/ 3038291 h 3414000"/>
+              <a:gd name="connsiteX14" fmla="*/ 10939288 w 12192000"/>
+              <a:gd name="connsiteY14" fmla="*/ 2855023 h 3414000"/>
+              <a:gd name="connsiteX15" fmla="*/ 10782550 w 12192000"/>
+              <a:gd name="connsiteY15" fmla="*/ 2820710 h 3414000"/>
+              <a:gd name="connsiteX16" fmla="*/ 10546314 w 12192000"/>
+              <a:gd name="connsiteY16" fmla="*/ 2811426 h 3414000"/>
+              <a:gd name="connsiteX17" fmla="*/ 9661142 w 12192000"/>
+              <a:gd name="connsiteY17" fmla="*/ 2787165 h 3414000"/>
+              <a:gd name="connsiteX18" fmla="*/ 7709717 w 12192000"/>
+              <a:gd name="connsiteY18" fmla="*/ 2795955 h 3414000"/>
+              <a:gd name="connsiteX19" fmla="*/ 6923165 w 12192000"/>
+              <a:gd name="connsiteY19" fmla="*/ 2920979 h 3414000"/>
+              <a:gd name="connsiteX20" fmla="*/ 3308916 w 12192000"/>
+              <a:gd name="connsiteY20" fmla="*/ 3049911 h 3414000"/>
+              <a:gd name="connsiteX21" fmla="*/ 2046142 w 12192000"/>
+              <a:gd name="connsiteY21" fmla="*/ 3203263 h 3414000"/>
+              <a:gd name="connsiteX22" fmla="*/ 1573012 w 12192000"/>
+              <a:gd name="connsiteY22" fmla="*/ 3250273 h 3414000"/>
+              <a:gd name="connsiteX23" fmla="*/ 1304604 w 12192000"/>
+              <a:gd name="connsiteY23" fmla="*/ 3185587 h 3414000"/>
+              <a:gd name="connsiteX24" fmla="*/ 1160924 w 12192000"/>
+              <a:gd name="connsiteY24" fmla="*/ 3219675 h 3414000"/>
+              <a:gd name="connsiteX25" fmla="*/ 909691 w 12192000"/>
+              <a:gd name="connsiteY25" fmla="*/ 3216917 h 3414000"/>
+              <a:gd name="connsiteX26" fmla="*/ 764022 w 12192000"/>
+              <a:gd name="connsiteY26" fmla="*/ 3235844 h 3414000"/>
+              <a:gd name="connsiteX27" fmla="*/ 701916 w 12192000"/>
+              <a:gd name="connsiteY27" fmla="*/ 3250221 h 3414000"/>
+              <a:gd name="connsiteX28" fmla="*/ 408703 w 12192000"/>
+              <a:gd name="connsiteY28" fmla="*/ 3323459 h 3414000"/>
+              <a:gd name="connsiteX29" fmla="*/ 369867 w 12192000"/>
+              <a:gd name="connsiteY29" fmla="*/ 3339093 h 3414000"/>
+              <a:gd name="connsiteX30" fmla="*/ 318912 w 12192000"/>
+              <a:gd name="connsiteY30" fmla="*/ 3367911 h 3414000"/>
+              <a:gd name="connsiteX31" fmla="*/ 119549 w 12192000"/>
+              <a:gd name="connsiteY31" fmla="*/ 3404650 h 3414000"/>
+              <a:gd name="connsiteX32" fmla="*/ 0 w 12192000"/>
+              <a:gd name="connsiteY32" fmla="*/ 3414000 h 3414000"/>
+              <a:gd name="connsiteX33" fmla="*/ 0 w 12192000"/>
+              <a:gd name="connsiteY33" fmla="*/ 0 h 3414000"/>
+              <a:gd name="connsiteX0" fmla="*/ 0 w 12192000"/>
+              <a:gd name="connsiteY0" fmla="*/ 0 h 3414000"/>
+              <a:gd name="connsiteX1" fmla="*/ 12192000 w 12192000"/>
+              <a:gd name="connsiteY1" fmla="*/ 0 h 3414000"/>
+              <a:gd name="connsiteX2" fmla="*/ 12192000 w 12192000"/>
+              <a:gd name="connsiteY2" fmla="*/ 3363677 h 3414000"/>
+              <a:gd name="connsiteX3" fmla="*/ 12174509 w 12192000"/>
+              <a:gd name="connsiteY3" fmla="*/ 3367693 h 3414000"/>
+              <a:gd name="connsiteX4" fmla="*/ 12144429 w 12192000"/>
+              <a:gd name="connsiteY4" fmla="*/ 3375519 h 3414000"/>
+              <a:gd name="connsiteX5" fmla="*/ 12091660 w 12192000"/>
+              <a:gd name="connsiteY5" fmla="*/ 3329430 h 3414000"/>
+              <a:gd name="connsiteX6" fmla="*/ 11929171 w 12192000"/>
+              <a:gd name="connsiteY6" fmla="*/ 3326226 h 3414000"/>
+              <a:gd name="connsiteX7" fmla="*/ 11820782 w 12192000"/>
+              <a:gd name="connsiteY7" fmla="*/ 3289139 h 3414000"/>
+              <a:gd name="connsiteX8" fmla="*/ 11760586 w 12192000"/>
+              <a:gd name="connsiteY8" fmla="*/ 3251827 h 3414000"/>
+              <a:gd name="connsiteX9" fmla="*/ 11687270 w 12192000"/>
+              <a:gd name="connsiteY9" fmla="*/ 3218023 h 3414000"/>
+              <a:gd name="connsiteX10" fmla="*/ 11648792 w 12192000"/>
+              <a:gd name="connsiteY10" fmla="*/ 3216275 h 3414000"/>
+              <a:gd name="connsiteX11" fmla="*/ 11462173 w 12192000"/>
+              <a:gd name="connsiteY11" fmla="*/ 3157413 h 3414000"/>
+              <a:gd name="connsiteX12" fmla="*/ 11336983 w 12192000"/>
+              <a:gd name="connsiteY12" fmla="*/ 3096805 h 3414000"/>
+              <a:gd name="connsiteX13" fmla="*/ 11200090 w 12192000"/>
+              <a:gd name="connsiteY13" fmla="*/ 3038291 h 3414000"/>
+              <a:gd name="connsiteX14" fmla="*/ 10939288 w 12192000"/>
+              <a:gd name="connsiteY14" fmla="*/ 2855023 h 3414000"/>
+              <a:gd name="connsiteX15" fmla="*/ 10782550 w 12192000"/>
+              <a:gd name="connsiteY15" fmla="*/ 2820710 h 3414000"/>
+              <a:gd name="connsiteX16" fmla="*/ 10546314 w 12192000"/>
+              <a:gd name="connsiteY16" fmla="*/ 2811426 h 3414000"/>
+              <a:gd name="connsiteX17" fmla="*/ 9661142 w 12192000"/>
+              <a:gd name="connsiteY17" fmla="*/ 2787165 h 3414000"/>
+              <a:gd name="connsiteX18" fmla="*/ 7709717 w 12192000"/>
+              <a:gd name="connsiteY18" fmla="*/ 2795955 h 3414000"/>
+              <a:gd name="connsiteX19" fmla="*/ 6923165 w 12192000"/>
+              <a:gd name="connsiteY19" fmla="*/ 2920979 h 3414000"/>
+              <a:gd name="connsiteX20" fmla="*/ 3308916 w 12192000"/>
+              <a:gd name="connsiteY20" fmla="*/ 3049911 h 3414000"/>
+              <a:gd name="connsiteX21" fmla="*/ 2046142 w 12192000"/>
+              <a:gd name="connsiteY21" fmla="*/ 3203263 h 3414000"/>
+              <a:gd name="connsiteX22" fmla="*/ 1573012 w 12192000"/>
+              <a:gd name="connsiteY22" fmla="*/ 3250273 h 3414000"/>
+              <a:gd name="connsiteX23" fmla="*/ 1304604 w 12192000"/>
+              <a:gd name="connsiteY23" fmla="*/ 3185587 h 3414000"/>
+              <a:gd name="connsiteX24" fmla="*/ 1160924 w 12192000"/>
+              <a:gd name="connsiteY24" fmla="*/ 3219675 h 3414000"/>
+              <a:gd name="connsiteX25" fmla="*/ 909691 w 12192000"/>
+              <a:gd name="connsiteY25" fmla="*/ 3216917 h 3414000"/>
+              <a:gd name="connsiteX26" fmla="*/ 764022 w 12192000"/>
+              <a:gd name="connsiteY26" fmla="*/ 3235844 h 3414000"/>
+              <a:gd name="connsiteX27" fmla="*/ 701916 w 12192000"/>
+              <a:gd name="connsiteY27" fmla="*/ 3250221 h 3414000"/>
+              <a:gd name="connsiteX28" fmla="*/ 408703 w 12192000"/>
+              <a:gd name="connsiteY28" fmla="*/ 3323459 h 3414000"/>
+              <a:gd name="connsiteX29" fmla="*/ 369867 w 12192000"/>
+              <a:gd name="connsiteY29" fmla="*/ 3339093 h 3414000"/>
+              <a:gd name="connsiteX30" fmla="*/ 318912 w 12192000"/>
+              <a:gd name="connsiteY30" fmla="*/ 3367911 h 3414000"/>
+              <a:gd name="connsiteX31" fmla="*/ 119549 w 12192000"/>
+              <a:gd name="connsiteY31" fmla="*/ 3404650 h 3414000"/>
+              <a:gd name="connsiteX32" fmla="*/ 0 w 12192000"/>
+              <a:gd name="connsiteY32" fmla="*/ 3414000 h 3414000"/>
+              <a:gd name="connsiteX33" fmla="*/ 0 w 12192000"/>
+              <a:gd name="connsiteY33" fmla="*/ 0 h 3414000"/>
+              <a:gd name="connsiteX0" fmla="*/ 0 w 12192000"/>
+              <a:gd name="connsiteY0" fmla="*/ 0 h 3414000"/>
+              <a:gd name="connsiteX1" fmla="*/ 12192000 w 12192000"/>
+              <a:gd name="connsiteY1" fmla="*/ 0 h 3414000"/>
+              <a:gd name="connsiteX2" fmla="*/ 12192000 w 12192000"/>
+              <a:gd name="connsiteY2" fmla="*/ 3363677 h 3414000"/>
+              <a:gd name="connsiteX3" fmla="*/ 12174509 w 12192000"/>
+              <a:gd name="connsiteY3" fmla="*/ 3367693 h 3414000"/>
+              <a:gd name="connsiteX4" fmla="*/ 12144429 w 12192000"/>
+              <a:gd name="connsiteY4" fmla="*/ 3375519 h 3414000"/>
+              <a:gd name="connsiteX5" fmla="*/ 12091660 w 12192000"/>
+              <a:gd name="connsiteY5" fmla="*/ 3329430 h 3414000"/>
+              <a:gd name="connsiteX6" fmla="*/ 11929171 w 12192000"/>
+              <a:gd name="connsiteY6" fmla="*/ 3326226 h 3414000"/>
+              <a:gd name="connsiteX7" fmla="*/ 11820782 w 12192000"/>
+              <a:gd name="connsiteY7" fmla="*/ 3289139 h 3414000"/>
+              <a:gd name="connsiteX8" fmla="*/ 11760586 w 12192000"/>
+              <a:gd name="connsiteY8" fmla="*/ 3251827 h 3414000"/>
+              <a:gd name="connsiteX9" fmla="*/ 11687270 w 12192000"/>
+              <a:gd name="connsiteY9" fmla="*/ 3218023 h 3414000"/>
+              <a:gd name="connsiteX10" fmla="*/ 11577355 w 12192000"/>
+              <a:gd name="connsiteY10" fmla="*/ 3211512 h 3414000"/>
+              <a:gd name="connsiteX11" fmla="*/ 11462173 w 12192000"/>
+              <a:gd name="connsiteY11" fmla="*/ 3157413 h 3414000"/>
+              <a:gd name="connsiteX12" fmla="*/ 11336983 w 12192000"/>
+              <a:gd name="connsiteY12" fmla="*/ 3096805 h 3414000"/>
+              <a:gd name="connsiteX13" fmla="*/ 11200090 w 12192000"/>
+              <a:gd name="connsiteY13" fmla="*/ 3038291 h 3414000"/>
+              <a:gd name="connsiteX14" fmla="*/ 10939288 w 12192000"/>
+              <a:gd name="connsiteY14" fmla="*/ 2855023 h 3414000"/>
+              <a:gd name="connsiteX15" fmla="*/ 10782550 w 12192000"/>
+              <a:gd name="connsiteY15" fmla="*/ 2820710 h 3414000"/>
+              <a:gd name="connsiteX16" fmla="*/ 10546314 w 12192000"/>
+              <a:gd name="connsiteY16" fmla="*/ 2811426 h 3414000"/>
+              <a:gd name="connsiteX17" fmla="*/ 9661142 w 12192000"/>
+              <a:gd name="connsiteY17" fmla="*/ 2787165 h 3414000"/>
+              <a:gd name="connsiteX18" fmla="*/ 7709717 w 12192000"/>
+              <a:gd name="connsiteY18" fmla="*/ 2795955 h 3414000"/>
+              <a:gd name="connsiteX19" fmla="*/ 6923165 w 12192000"/>
+              <a:gd name="connsiteY19" fmla="*/ 2920979 h 3414000"/>
+              <a:gd name="connsiteX20" fmla="*/ 3308916 w 12192000"/>
+              <a:gd name="connsiteY20" fmla="*/ 3049911 h 3414000"/>
+              <a:gd name="connsiteX21" fmla="*/ 2046142 w 12192000"/>
+              <a:gd name="connsiteY21" fmla="*/ 3203263 h 3414000"/>
+              <a:gd name="connsiteX22" fmla="*/ 1573012 w 12192000"/>
+              <a:gd name="connsiteY22" fmla="*/ 3250273 h 3414000"/>
+              <a:gd name="connsiteX23" fmla="*/ 1304604 w 12192000"/>
+              <a:gd name="connsiteY23" fmla="*/ 3185587 h 3414000"/>
+              <a:gd name="connsiteX24" fmla="*/ 1160924 w 12192000"/>
+              <a:gd name="connsiteY24" fmla="*/ 3219675 h 3414000"/>
+              <a:gd name="connsiteX25" fmla="*/ 909691 w 12192000"/>
+              <a:gd name="connsiteY25" fmla="*/ 3216917 h 3414000"/>
+              <a:gd name="connsiteX26" fmla="*/ 764022 w 12192000"/>
+              <a:gd name="connsiteY26" fmla="*/ 3235844 h 3414000"/>
+              <a:gd name="connsiteX27" fmla="*/ 701916 w 12192000"/>
+              <a:gd name="connsiteY27" fmla="*/ 3250221 h 3414000"/>
+              <a:gd name="connsiteX28" fmla="*/ 408703 w 12192000"/>
+              <a:gd name="connsiteY28" fmla="*/ 3323459 h 3414000"/>
+              <a:gd name="connsiteX29" fmla="*/ 369867 w 12192000"/>
+              <a:gd name="connsiteY29" fmla="*/ 3339093 h 3414000"/>
+              <a:gd name="connsiteX30" fmla="*/ 318912 w 12192000"/>
+              <a:gd name="connsiteY30" fmla="*/ 3367911 h 3414000"/>
+              <a:gd name="connsiteX31" fmla="*/ 119549 w 12192000"/>
+              <a:gd name="connsiteY31" fmla="*/ 3404650 h 3414000"/>
+              <a:gd name="connsiteX32" fmla="*/ 0 w 12192000"/>
+              <a:gd name="connsiteY32" fmla="*/ 3414000 h 3414000"/>
+              <a:gd name="connsiteX33" fmla="*/ 0 w 12192000"/>
+              <a:gd name="connsiteY33" fmla="*/ 0 h 3414000"/>
+              <a:gd name="connsiteX0" fmla="*/ 0 w 12192000"/>
+              <a:gd name="connsiteY0" fmla="*/ 0 h 3414000"/>
+              <a:gd name="connsiteX1" fmla="*/ 12192000 w 12192000"/>
+              <a:gd name="connsiteY1" fmla="*/ 0 h 3414000"/>
+              <a:gd name="connsiteX2" fmla="*/ 12192000 w 12192000"/>
+              <a:gd name="connsiteY2" fmla="*/ 3363677 h 3414000"/>
+              <a:gd name="connsiteX3" fmla="*/ 12174509 w 12192000"/>
+              <a:gd name="connsiteY3" fmla="*/ 3367693 h 3414000"/>
+              <a:gd name="connsiteX4" fmla="*/ 12144429 w 12192000"/>
+              <a:gd name="connsiteY4" fmla="*/ 3375519 h 3414000"/>
+              <a:gd name="connsiteX5" fmla="*/ 12091660 w 12192000"/>
+              <a:gd name="connsiteY5" fmla="*/ 3329430 h 3414000"/>
+              <a:gd name="connsiteX6" fmla="*/ 11929171 w 12192000"/>
+              <a:gd name="connsiteY6" fmla="*/ 3326226 h 3414000"/>
+              <a:gd name="connsiteX7" fmla="*/ 11820782 w 12192000"/>
+              <a:gd name="connsiteY7" fmla="*/ 3289139 h 3414000"/>
+              <a:gd name="connsiteX8" fmla="*/ 11760586 w 12192000"/>
+              <a:gd name="connsiteY8" fmla="*/ 3251827 h 3414000"/>
+              <a:gd name="connsiteX9" fmla="*/ 11653933 w 12192000"/>
+              <a:gd name="connsiteY9" fmla="*/ 3237073 h 3414000"/>
+              <a:gd name="connsiteX10" fmla="*/ 11577355 w 12192000"/>
+              <a:gd name="connsiteY10" fmla="*/ 3211512 h 3414000"/>
+              <a:gd name="connsiteX11" fmla="*/ 11462173 w 12192000"/>
+              <a:gd name="connsiteY11" fmla="*/ 3157413 h 3414000"/>
+              <a:gd name="connsiteX12" fmla="*/ 11336983 w 12192000"/>
+              <a:gd name="connsiteY12" fmla="*/ 3096805 h 3414000"/>
+              <a:gd name="connsiteX13" fmla="*/ 11200090 w 12192000"/>
+              <a:gd name="connsiteY13" fmla="*/ 3038291 h 3414000"/>
+              <a:gd name="connsiteX14" fmla="*/ 10939288 w 12192000"/>
+              <a:gd name="connsiteY14" fmla="*/ 2855023 h 3414000"/>
+              <a:gd name="connsiteX15" fmla="*/ 10782550 w 12192000"/>
+              <a:gd name="connsiteY15" fmla="*/ 2820710 h 3414000"/>
+              <a:gd name="connsiteX16" fmla="*/ 10546314 w 12192000"/>
+              <a:gd name="connsiteY16" fmla="*/ 2811426 h 3414000"/>
+              <a:gd name="connsiteX17" fmla="*/ 9661142 w 12192000"/>
+              <a:gd name="connsiteY17" fmla="*/ 2787165 h 3414000"/>
+              <a:gd name="connsiteX18" fmla="*/ 7709717 w 12192000"/>
+              <a:gd name="connsiteY18" fmla="*/ 2795955 h 3414000"/>
+              <a:gd name="connsiteX19" fmla="*/ 6923165 w 12192000"/>
+              <a:gd name="connsiteY19" fmla="*/ 2920979 h 3414000"/>
+              <a:gd name="connsiteX20" fmla="*/ 3308916 w 12192000"/>
+              <a:gd name="connsiteY20" fmla="*/ 3049911 h 3414000"/>
+              <a:gd name="connsiteX21" fmla="*/ 2046142 w 12192000"/>
+              <a:gd name="connsiteY21" fmla="*/ 3203263 h 3414000"/>
+              <a:gd name="connsiteX22" fmla="*/ 1573012 w 12192000"/>
+              <a:gd name="connsiteY22" fmla="*/ 3250273 h 3414000"/>
+              <a:gd name="connsiteX23" fmla="*/ 1304604 w 12192000"/>
+              <a:gd name="connsiteY23" fmla="*/ 3185587 h 3414000"/>
+              <a:gd name="connsiteX24" fmla="*/ 1160924 w 12192000"/>
+              <a:gd name="connsiteY24" fmla="*/ 3219675 h 3414000"/>
+              <a:gd name="connsiteX25" fmla="*/ 909691 w 12192000"/>
+              <a:gd name="connsiteY25" fmla="*/ 3216917 h 3414000"/>
+              <a:gd name="connsiteX26" fmla="*/ 764022 w 12192000"/>
+              <a:gd name="connsiteY26" fmla="*/ 3235844 h 3414000"/>
+              <a:gd name="connsiteX27" fmla="*/ 701916 w 12192000"/>
+              <a:gd name="connsiteY27" fmla="*/ 3250221 h 3414000"/>
+              <a:gd name="connsiteX28" fmla="*/ 408703 w 12192000"/>
+              <a:gd name="connsiteY28" fmla="*/ 3323459 h 3414000"/>
+              <a:gd name="connsiteX29" fmla="*/ 369867 w 12192000"/>
+              <a:gd name="connsiteY29" fmla="*/ 3339093 h 3414000"/>
+              <a:gd name="connsiteX30" fmla="*/ 318912 w 12192000"/>
+              <a:gd name="connsiteY30" fmla="*/ 3367911 h 3414000"/>
+              <a:gd name="connsiteX31" fmla="*/ 119549 w 12192000"/>
+              <a:gd name="connsiteY31" fmla="*/ 3404650 h 3414000"/>
+              <a:gd name="connsiteX32" fmla="*/ 0 w 12192000"/>
+              <a:gd name="connsiteY32" fmla="*/ 3414000 h 3414000"/>
+              <a:gd name="connsiteX33" fmla="*/ 0 w 12192000"/>
+              <a:gd name="connsiteY33" fmla="*/ 0 h 3414000"/>
+              <a:gd name="connsiteX0" fmla="*/ 0 w 12192000"/>
+              <a:gd name="connsiteY0" fmla="*/ 0 h 3414000"/>
+              <a:gd name="connsiteX1" fmla="*/ 12192000 w 12192000"/>
+              <a:gd name="connsiteY1" fmla="*/ 0 h 3414000"/>
+              <a:gd name="connsiteX2" fmla="*/ 12192000 w 12192000"/>
+              <a:gd name="connsiteY2" fmla="*/ 3363677 h 3414000"/>
+              <a:gd name="connsiteX3" fmla="*/ 12174509 w 12192000"/>
+              <a:gd name="connsiteY3" fmla="*/ 3367693 h 3414000"/>
+              <a:gd name="connsiteX4" fmla="*/ 12144429 w 12192000"/>
+              <a:gd name="connsiteY4" fmla="*/ 3375519 h 3414000"/>
+              <a:gd name="connsiteX5" fmla="*/ 12015460 w 12192000"/>
+              <a:gd name="connsiteY5" fmla="*/ 3343718 h 3414000"/>
+              <a:gd name="connsiteX6" fmla="*/ 11929171 w 12192000"/>
+              <a:gd name="connsiteY6" fmla="*/ 3326226 h 3414000"/>
+              <a:gd name="connsiteX7" fmla="*/ 11820782 w 12192000"/>
+              <a:gd name="connsiteY7" fmla="*/ 3289139 h 3414000"/>
+              <a:gd name="connsiteX8" fmla="*/ 11760586 w 12192000"/>
+              <a:gd name="connsiteY8" fmla="*/ 3251827 h 3414000"/>
+              <a:gd name="connsiteX9" fmla="*/ 11653933 w 12192000"/>
+              <a:gd name="connsiteY9" fmla="*/ 3237073 h 3414000"/>
+              <a:gd name="connsiteX10" fmla="*/ 11577355 w 12192000"/>
+              <a:gd name="connsiteY10" fmla="*/ 3211512 h 3414000"/>
+              <a:gd name="connsiteX11" fmla="*/ 11462173 w 12192000"/>
+              <a:gd name="connsiteY11" fmla="*/ 3157413 h 3414000"/>
+              <a:gd name="connsiteX12" fmla="*/ 11336983 w 12192000"/>
+              <a:gd name="connsiteY12" fmla="*/ 3096805 h 3414000"/>
+              <a:gd name="connsiteX13" fmla="*/ 11200090 w 12192000"/>
+              <a:gd name="connsiteY13" fmla="*/ 3038291 h 3414000"/>
+              <a:gd name="connsiteX14" fmla="*/ 10939288 w 12192000"/>
+              <a:gd name="connsiteY14" fmla="*/ 2855023 h 3414000"/>
+              <a:gd name="connsiteX15" fmla="*/ 10782550 w 12192000"/>
+              <a:gd name="connsiteY15" fmla="*/ 2820710 h 3414000"/>
+              <a:gd name="connsiteX16" fmla="*/ 10546314 w 12192000"/>
+              <a:gd name="connsiteY16" fmla="*/ 2811426 h 3414000"/>
+              <a:gd name="connsiteX17" fmla="*/ 9661142 w 12192000"/>
+              <a:gd name="connsiteY17" fmla="*/ 2787165 h 3414000"/>
+              <a:gd name="connsiteX18" fmla="*/ 7709717 w 12192000"/>
+              <a:gd name="connsiteY18" fmla="*/ 2795955 h 3414000"/>
+              <a:gd name="connsiteX19" fmla="*/ 6923165 w 12192000"/>
+              <a:gd name="connsiteY19" fmla="*/ 2920979 h 3414000"/>
+              <a:gd name="connsiteX20" fmla="*/ 3308916 w 12192000"/>
+              <a:gd name="connsiteY20" fmla="*/ 3049911 h 3414000"/>
+              <a:gd name="connsiteX21" fmla="*/ 2046142 w 12192000"/>
+              <a:gd name="connsiteY21" fmla="*/ 3203263 h 3414000"/>
+              <a:gd name="connsiteX22" fmla="*/ 1573012 w 12192000"/>
+              <a:gd name="connsiteY22" fmla="*/ 3250273 h 3414000"/>
+              <a:gd name="connsiteX23" fmla="*/ 1304604 w 12192000"/>
+              <a:gd name="connsiteY23" fmla="*/ 3185587 h 3414000"/>
+              <a:gd name="connsiteX24" fmla="*/ 1160924 w 12192000"/>
+              <a:gd name="connsiteY24" fmla="*/ 3219675 h 3414000"/>
+              <a:gd name="connsiteX25" fmla="*/ 909691 w 12192000"/>
+              <a:gd name="connsiteY25" fmla="*/ 3216917 h 3414000"/>
+              <a:gd name="connsiteX26" fmla="*/ 764022 w 12192000"/>
+              <a:gd name="connsiteY26" fmla="*/ 3235844 h 3414000"/>
+              <a:gd name="connsiteX27" fmla="*/ 701916 w 12192000"/>
+              <a:gd name="connsiteY27" fmla="*/ 3250221 h 3414000"/>
+              <a:gd name="connsiteX28" fmla="*/ 408703 w 12192000"/>
+              <a:gd name="connsiteY28" fmla="*/ 3323459 h 3414000"/>
+              <a:gd name="connsiteX29" fmla="*/ 369867 w 12192000"/>
+              <a:gd name="connsiteY29" fmla="*/ 3339093 h 3414000"/>
+              <a:gd name="connsiteX30" fmla="*/ 318912 w 12192000"/>
+              <a:gd name="connsiteY30" fmla="*/ 3367911 h 3414000"/>
+              <a:gd name="connsiteX31" fmla="*/ 119549 w 12192000"/>
+              <a:gd name="connsiteY31" fmla="*/ 3404650 h 3414000"/>
+              <a:gd name="connsiteX32" fmla="*/ 0 w 12192000"/>
+              <a:gd name="connsiteY32" fmla="*/ 3414000 h 3414000"/>
+              <a:gd name="connsiteX33" fmla="*/ 0 w 12192000"/>
+              <a:gd name="connsiteY33" fmla="*/ 0 h 3414000"/>
+              <a:gd name="connsiteX0" fmla="*/ 0 w 12192000"/>
+              <a:gd name="connsiteY0" fmla="*/ 0 h 3414000"/>
+              <a:gd name="connsiteX1" fmla="*/ 12192000 w 12192000"/>
+              <a:gd name="connsiteY1" fmla="*/ 0 h 3414000"/>
+              <a:gd name="connsiteX2" fmla="*/ 12192000 w 12192000"/>
+              <a:gd name="connsiteY2" fmla="*/ 3363677 h 3414000"/>
+              <a:gd name="connsiteX3" fmla="*/ 12174509 w 12192000"/>
+              <a:gd name="connsiteY3" fmla="*/ 3367693 h 3414000"/>
+              <a:gd name="connsiteX4" fmla="*/ 12096804 w 12192000"/>
+              <a:gd name="connsiteY4" fmla="*/ 3337419 h 3414000"/>
+              <a:gd name="connsiteX5" fmla="*/ 12015460 w 12192000"/>
+              <a:gd name="connsiteY5" fmla="*/ 3343718 h 3414000"/>
+              <a:gd name="connsiteX6" fmla="*/ 11929171 w 12192000"/>
+              <a:gd name="connsiteY6" fmla="*/ 3326226 h 3414000"/>
+              <a:gd name="connsiteX7" fmla="*/ 11820782 w 12192000"/>
+              <a:gd name="connsiteY7" fmla="*/ 3289139 h 3414000"/>
+              <a:gd name="connsiteX8" fmla="*/ 11760586 w 12192000"/>
+              <a:gd name="connsiteY8" fmla="*/ 3251827 h 3414000"/>
+              <a:gd name="connsiteX9" fmla="*/ 11653933 w 12192000"/>
+              <a:gd name="connsiteY9" fmla="*/ 3237073 h 3414000"/>
+              <a:gd name="connsiteX10" fmla="*/ 11577355 w 12192000"/>
+              <a:gd name="connsiteY10" fmla="*/ 3211512 h 3414000"/>
+              <a:gd name="connsiteX11" fmla="*/ 11462173 w 12192000"/>
+              <a:gd name="connsiteY11" fmla="*/ 3157413 h 3414000"/>
+              <a:gd name="connsiteX12" fmla="*/ 11336983 w 12192000"/>
+              <a:gd name="connsiteY12" fmla="*/ 3096805 h 3414000"/>
+              <a:gd name="connsiteX13" fmla="*/ 11200090 w 12192000"/>
+              <a:gd name="connsiteY13" fmla="*/ 3038291 h 3414000"/>
+              <a:gd name="connsiteX14" fmla="*/ 10939288 w 12192000"/>
+              <a:gd name="connsiteY14" fmla="*/ 2855023 h 3414000"/>
+              <a:gd name="connsiteX15" fmla="*/ 10782550 w 12192000"/>
+              <a:gd name="connsiteY15" fmla="*/ 2820710 h 3414000"/>
+              <a:gd name="connsiteX16" fmla="*/ 10546314 w 12192000"/>
+              <a:gd name="connsiteY16" fmla="*/ 2811426 h 3414000"/>
+              <a:gd name="connsiteX17" fmla="*/ 9661142 w 12192000"/>
+              <a:gd name="connsiteY17" fmla="*/ 2787165 h 3414000"/>
+              <a:gd name="connsiteX18" fmla="*/ 7709717 w 12192000"/>
+              <a:gd name="connsiteY18" fmla="*/ 2795955 h 3414000"/>
+              <a:gd name="connsiteX19" fmla="*/ 6923165 w 12192000"/>
+              <a:gd name="connsiteY19" fmla="*/ 2920979 h 3414000"/>
+              <a:gd name="connsiteX20" fmla="*/ 3308916 w 12192000"/>
+              <a:gd name="connsiteY20" fmla="*/ 3049911 h 3414000"/>
+              <a:gd name="connsiteX21" fmla="*/ 2046142 w 12192000"/>
+              <a:gd name="connsiteY21" fmla="*/ 3203263 h 3414000"/>
+              <a:gd name="connsiteX22" fmla="*/ 1573012 w 12192000"/>
+              <a:gd name="connsiteY22" fmla="*/ 3250273 h 3414000"/>
+              <a:gd name="connsiteX23" fmla="*/ 1304604 w 12192000"/>
+              <a:gd name="connsiteY23" fmla="*/ 3185587 h 3414000"/>
+              <a:gd name="connsiteX24" fmla="*/ 1160924 w 12192000"/>
+              <a:gd name="connsiteY24" fmla="*/ 3219675 h 3414000"/>
+              <a:gd name="connsiteX25" fmla="*/ 909691 w 12192000"/>
+              <a:gd name="connsiteY25" fmla="*/ 3216917 h 3414000"/>
+              <a:gd name="connsiteX26" fmla="*/ 764022 w 12192000"/>
+              <a:gd name="connsiteY26" fmla="*/ 3235844 h 3414000"/>
+              <a:gd name="connsiteX27" fmla="*/ 701916 w 12192000"/>
+              <a:gd name="connsiteY27" fmla="*/ 3250221 h 3414000"/>
+              <a:gd name="connsiteX28" fmla="*/ 408703 w 12192000"/>
+              <a:gd name="connsiteY28" fmla="*/ 3323459 h 3414000"/>
+              <a:gd name="connsiteX29" fmla="*/ 369867 w 12192000"/>
+              <a:gd name="connsiteY29" fmla="*/ 3339093 h 3414000"/>
+              <a:gd name="connsiteX30" fmla="*/ 318912 w 12192000"/>
+              <a:gd name="connsiteY30" fmla="*/ 3367911 h 3414000"/>
+              <a:gd name="connsiteX31" fmla="*/ 119549 w 12192000"/>
+              <a:gd name="connsiteY31" fmla="*/ 3404650 h 3414000"/>
+              <a:gd name="connsiteX32" fmla="*/ 0 w 12192000"/>
+              <a:gd name="connsiteY32" fmla="*/ 3414000 h 3414000"/>
+              <a:gd name="connsiteX33" fmla="*/ 0 w 12192000"/>
+              <a:gd name="connsiteY33" fmla="*/ 0 h 3414000"/>
+              <a:gd name="connsiteX0" fmla="*/ 0 w 12192000"/>
+              <a:gd name="connsiteY0" fmla="*/ 0 h 3414000"/>
+              <a:gd name="connsiteX1" fmla="*/ 12192000 w 12192000"/>
+              <a:gd name="connsiteY1" fmla="*/ 0 h 3414000"/>
+              <a:gd name="connsiteX2" fmla="*/ 12192000 w 12192000"/>
+              <a:gd name="connsiteY2" fmla="*/ 3363677 h 3414000"/>
+              <a:gd name="connsiteX3" fmla="*/ 12174509 w 12192000"/>
+              <a:gd name="connsiteY3" fmla="*/ 3367693 h 3414000"/>
+              <a:gd name="connsiteX4" fmla="*/ 12096804 w 12192000"/>
+              <a:gd name="connsiteY4" fmla="*/ 3337419 h 3414000"/>
+              <a:gd name="connsiteX5" fmla="*/ 12001172 w 12192000"/>
+              <a:gd name="connsiteY5" fmla="*/ 3319906 h 3414000"/>
+              <a:gd name="connsiteX6" fmla="*/ 11929171 w 12192000"/>
+              <a:gd name="connsiteY6" fmla="*/ 3326226 h 3414000"/>
+              <a:gd name="connsiteX7" fmla="*/ 11820782 w 12192000"/>
+              <a:gd name="connsiteY7" fmla="*/ 3289139 h 3414000"/>
+              <a:gd name="connsiteX8" fmla="*/ 11760586 w 12192000"/>
+              <a:gd name="connsiteY8" fmla="*/ 3251827 h 3414000"/>
+              <a:gd name="connsiteX9" fmla="*/ 11653933 w 12192000"/>
+              <a:gd name="connsiteY9" fmla="*/ 3237073 h 3414000"/>
+              <a:gd name="connsiteX10" fmla="*/ 11577355 w 12192000"/>
+              <a:gd name="connsiteY10" fmla="*/ 3211512 h 3414000"/>
+              <a:gd name="connsiteX11" fmla="*/ 11462173 w 12192000"/>
+              <a:gd name="connsiteY11" fmla="*/ 3157413 h 3414000"/>
+              <a:gd name="connsiteX12" fmla="*/ 11336983 w 12192000"/>
+              <a:gd name="connsiteY12" fmla="*/ 3096805 h 3414000"/>
+              <a:gd name="connsiteX13" fmla="*/ 11200090 w 12192000"/>
+              <a:gd name="connsiteY13" fmla="*/ 3038291 h 3414000"/>
+              <a:gd name="connsiteX14" fmla="*/ 10939288 w 12192000"/>
+              <a:gd name="connsiteY14" fmla="*/ 2855023 h 3414000"/>
+              <a:gd name="connsiteX15" fmla="*/ 10782550 w 12192000"/>
+              <a:gd name="connsiteY15" fmla="*/ 2820710 h 3414000"/>
+              <a:gd name="connsiteX16" fmla="*/ 10546314 w 12192000"/>
+              <a:gd name="connsiteY16" fmla="*/ 2811426 h 3414000"/>
+              <a:gd name="connsiteX17" fmla="*/ 9661142 w 12192000"/>
+              <a:gd name="connsiteY17" fmla="*/ 2787165 h 3414000"/>
+              <a:gd name="connsiteX18" fmla="*/ 7709717 w 12192000"/>
+              <a:gd name="connsiteY18" fmla="*/ 2795955 h 3414000"/>
+              <a:gd name="connsiteX19" fmla="*/ 6923165 w 12192000"/>
+              <a:gd name="connsiteY19" fmla="*/ 2920979 h 3414000"/>
+              <a:gd name="connsiteX20" fmla="*/ 3308916 w 12192000"/>
+              <a:gd name="connsiteY20" fmla="*/ 3049911 h 3414000"/>
+              <a:gd name="connsiteX21" fmla="*/ 2046142 w 12192000"/>
+              <a:gd name="connsiteY21" fmla="*/ 3203263 h 3414000"/>
+              <a:gd name="connsiteX22" fmla="*/ 1573012 w 12192000"/>
+              <a:gd name="connsiteY22" fmla="*/ 3250273 h 3414000"/>
+              <a:gd name="connsiteX23" fmla="*/ 1304604 w 12192000"/>
+              <a:gd name="connsiteY23" fmla="*/ 3185587 h 3414000"/>
+              <a:gd name="connsiteX24" fmla="*/ 1160924 w 12192000"/>
+              <a:gd name="connsiteY24" fmla="*/ 3219675 h 3414000"/>
+              <a:gd name="connsiteX25" fmla="*/ 909691 w 12192000"/>
+              <a:gd name="connsiteY25" fmla="*/ 3216917 h 3414000"/>
+              <a:gd name="connsiteX26" fmla="*/ 764022 w 12192000"/>
+              <a:gd name="connsiteY26" fmla="*/ 3235844 h 3414000"/>
+              <a:gd name="connsiteX27" fmla="*/ 701916 w 12192000"/>
+              <a:gd name="connsiteY27" fmla="*/ 3250221 h 3414000"/>
+              <a:gd name="connsiteX28" fmla="*/ 408703 w 12192000"/>
+              <a:gd name="connsiteY28" fmla="*/ 3323459 h 3414000"/>
+              <a:gd name="connsiteX29" fmla="*/ 369867 w 12192000"/>
+              <a:gd name="connsiteY29" fmla="*/ 3339093 h 3414000"/>
+              <a:gd name="connsiteX30" fmla="*/ 318912 w 12192000"/>
+              <a:gd name="connsiteY30" fmla="*/ 3367911 h 3414000"/>
+              <a:gd name="connsiteX31" fmla="*/ 119549 w 12192000"/>
+              <a:gd name="connsiteY31" fmla="*/ 3404650 h 3414000"/>
+              <a:gd name="connsiteX32" fmla="*/ 0 w 12192000"/>
+              <a:gd name="connsiteY32" fmla="*/ 3414000 h 3414000"/>
+              <a:gd name="connsiteX33" fmla="*/ 0 w 12192000"/>
+              <a:gd name="connsiteY33" fmla="*/ 0 h 3414000"/>
+              <a:gd name="connsiteX0" fmla="*/ 0 w 12192000"/>
+              <a:gd name="connsiteY0" fmla="*/ 0 h 3414000"/>
+              <a:gd name="connsiteX1" fmla="*/ 12192000 w 12192000"/>
+              <a:gd name="connsiteY1" fmla="*/ 0 h 3414000"/>
+              <a:gd name="connsiteX2" fmla="*/ 12192000 w 12192000"/>
+              <a:gd name="connsiteY2" fmla="*/ 3363677 h 3414000"/>
+              <a:gd name="connsiteX3" fmla="*/ 12141171 w 12192000"/>
+              <a:gd name="connsiteY3" fmla="*/ 3348643 h 3414000"/>
+              <a:gd name="connsiteX4" fmla="*/ 12096804 w 12192000"/>
+              <a:gd name="connsiteY4" fmla="*/ 3337419 h 3414000"/>
+              <a:gd name="connsiteX5" fmla="*/ 12001172 w 12192000"/>
+              <a:gd name="connsiteY5" fmla="*/ 3319906 h 3414000"/>
+              <a:gd name="connsiteX6" fmla="*/ 11929171 w 12192000"/>
+              <a:gd name="connsiteY6" fmla="*/ 3326226 h 3414000"/>
+              <a:gd name="connsiteX7" fmla="*/ 11820782 w 12192000"/>
+              <a:gd name="connsiteY7" fmla="*/ 3289139 h 3414000"/>
+              <a:gd name="connsiteX8" fmla="*/ 11760586 w 12192000"/>
+              <a:gd name="connsiteY8" fmla="*/ 3251827 h 3414000"/>
+              <a:gd name="connsiteX9" fmla="*/ 11653933 w 12192000"/>
+              <a:gd name="connsiteY9" fmla="*/ 3237073 h 3414000"/>
+              <a:gd name="connsiteX10" fmla="*/ 11577355 w 12192000"/>
+              <a:gd name="connsiteY10" fmla="*/ 3211512 h 3414000"/>
+              <a:gd name="connsiteX11" fmla="*/ 11462173 w 12192000"/>
+              <a:gd name="connsiteY11" fmla="*/ 3157413 h 3414000"/>
+              <a:gd name="connsiteX12" fmla="*/ 11336983 w 12192000"/>
+              <a:gd name="connsiteY12" fmla="*/ 3096805 h 3414000"/>
+              <a:gd name="connsiteX13" fmla="*/ 11200090 w 12192000"/>
+              <a:gd name="connsiteY13" fmla="*/ 3038291 h 3414000"/>
+              <a:gd name="connsiteX14" fmla="*/ 10939288 w 12192000"/>
+              <a:gd name="connsiteY14" fmla="*/ 2855023 h 3414000"/>
+              <a:gd name="connsiteX15" fmla="*/ 10782550 w 12192000"/>
+              <a:gd name="connsiteY15" fmla="*/ 2820710 h 3414000"/>
+              <a:gd name="connsiteX16" fmla="*/ 10546314 w 12192000"/>
+              <a:gd name="connsiteY16" fmla="*/ 2811426 h 3414000"/>
+              <a:gd name="connsiteX17" fmla="*/ 9661142 w 12192000"/>
+              <a:gd name="connsiteY17" fmla="*/ 2787165 h 3414000"/>
+              <a:gd name="connsiteX18" fmla="*/ 7709717 w 12192000"/>
+              <a:gd name="connsiteY18" fmla="*/ 2795955 h 3414000"/>
+              <a:gd name="connsiteX19" fmla="*/ 6923165 w 12192000"/>
+              <a:gd name="connsiteY19" fmla="*/ 2920979 h 3414000"/>
+              <a:gd name="connsiteX20" fmla="*/ 3308916 w 12192000"/>
+              <a:gd name="connsiteY20" fmla="*/ 3049911 h 3414000"/>
+              <a:gd name="connsiteX21" fmla="*/ 2046142 w 12192000"/>
+              <a:gd name="connsiteY21" fmla="*/ 3203263 h 3414000"/>
+              <a:gd name="connsiteX22" fmla="*/ 1573012 w 12192000"/>
+              <a:gd name="connsiteY22" fmla="*/ 3250273 h 3414000"/>
+              <a:gd name="connsiteX23" fmla="*/ 1304604 w 12192000"/>
+              <a:gd name="connsiteY23" fmla="*/ 3185587 h 3414000"/>
+              <a:gd name="connsiteX24" fmla="*/ 1160924 w 12192000"/>
+              <a:gd name="connsiteY24" fmla="*/ 3219675 h 3414000"/>
+              <a:gd name="connsiteX25" fmla="*/ 909691 w 12192000"/>
+              <a:gd name="connsiteY25" fmla="*/ 3216917 h 3414000"/>
+              <a:gd name="connsiteX26" fmla="*/ 764022 w 12192000"/>
+              <a:gd name="connsiteY26" fmla="*/ 3235844 h 3414000"/>
+              <a:gd name="connsiteX27" fmla="*/ 701916 w 12192000"/>
+              <a:gd name="connsiteY27" fmla="*/ 3250221 h 3414000"/>
+              <a:gd name="connsiteX28" fmla="*/ 408703 w 12192000"/>
+              <a:gd name="connsiteY28" fmla="*/ 3323459 h 3414000"/>
+              <a:gd name="connsiteX29" fmla="*/ 369867 w 12192000"/>
+              <a:gd name="connsiteY29" fmla="*/ 3339093 h 3414000"/>
+              <a:gd name="connsiteX30" fmla="*/ 318912 w 12192000"/>
+              <a:gd name="connsiteY30" fmla="*/ 3367911 h 3414000"/>
+              <a:gd name="connsiteX31" fmla="*/ 119549 w 12192000"/>
+              <a:gd name="connsiteY31" fmla="*/ 3404650 h 3414000"/>
+              <a:gd name="connsiteX32" fmla="*/ 0 w 12192000"/>
+              <a:gd name="connsiteY32" fmla="*/ 3414000 h 3414000"/>
+              <a:gd name="connsiteX33" fmla="*/ 0 w 12192000"/>
+              <a:gd name="connsiteY33" fmla="*/ 0 h 3414000"/>
+              <a:gd name="connsiteX0" fmla="*/ 0 w 12192000"/>
+              <a:gd name="connsiteY0" fmla="*/ 0 h 3414000"/>
+              <a:gd name="connsiteX1" fmla="*/ 12192000 w 12192000"/>
+              <a:gd name="connsiteY1" fmla="*/ 0 h 3414000"/>
+              <a:gd name="connsiteX2" fmla="*/ 12192000 w 12192000"/>
+              <a:gd name="connsiteY2" fmla="*/ 3363677 h 3414000"/>
+              <a:gd name="connsiteX3" fmla="*/ 12141171 w 12192000"/>
+              <a:gd name="connsiteY3" fmla="*/ 3348643 h 3414000"/>
+              <a:gd name="connsiteX4" fmla="*/ 12096804 w 12192000"/>
+              <a:gd name="connsiteY4" fmla="*/ 3337419 h 3414000"/>
+              <a:gd name="connsiteX5" fmla="*/ 12001172 w 12192000"/>
+              <a:gd name="connsiteY5" fmla="*/ 3319906 h 3414000"/>
+              <a:gd name="connsiteX6" fmla="*/ 11929171 w 12192000"/>
+              <a:gd name="connsiteY6" fmla="*/ 3326226 h 3414000"/>
+              <a:gd name="connsiteX7" fmla="*/ 11820782 w 12192000"/>
+              <a:gd name="connsiteY7" fmla="*/ 3289139 h 3414000"/>
+              <a:gd name="connsiteX8" fmla="*/ 11760586 w 12192000"/>
+              <a:gd name="connsiteY8" fmla="*/ 3251827 h 3414000"/>
+              <a:gd name="connsiteX9" fmla="*/ 11653933 w 12192000"/>
+              <a:gd name="connsiteY9" fmla="*/ 3237073 h 3414000"/>
+              <a:gd name="connsiteX10" fmla="*/ 11577355 w 12192000"/>
+              <a:gd name="connsiteY10" fmla="*/ 3211512 h 3414000"/>
+              <a:gd name="connsiteX11" fmla="*/ 11462173 w 12192000"/>
+              <a:gd name="connsiteY11" fmla="*/ 3157413 h 3414000"/>
+              <a:gd name="connsiteX12" fmla="*/ 11336983 w 12192000"/>
+              <a:gd name="connsiteY12" fmla="*/ 3096805 h 3414000"/>
+              <a:gd name="connsiteX13" fmla="*/ 11200090 w 12192000"/>
+              <a:gd name="connsiteY13" fmla="*/ 3038291 h 3414000"/>
+              <a:gd name="connsiteX14" fmla="*/ 10939288 w 12192000"/>
+              <a:gd name="connsiteY14" fmla="*/ 2855023 h 3414000"/>
+              <a:gd name="connsiteX15" fmla="*/ 10782550 w 12192000"/>
+              <a:gd name="connsiteY15" fmla="*/ 2820710 h 3414000"/>
+              <a:gd name="connsiteX16" fmla="*/ 10546314 w 12192000"/>
+              <a:gd name="connsiteY16" fmla="*/ 2811426 h 3414000"/>
+              <a:gd name="connsiteX17" fmla="*/ 9661142 w 12192000"/>
+              <a:gd name="connsiteY17" fmla="*/ 2787165 h 3414000"/>
+              <a:gd name="connsiteX18" fmla="*/ 7709717 w 12192000"/>
+              <a:gd name="connsiteY18" fmla="*/ 2795955 h 3414000"/>
+              <a:gd name="connsiteX19" fmla="*/ 6923165 w 12192000"/>
+              <a:gd name="connsiteY19" fmla="*/ 2920979 h 3414000"/>
+              <a:gd name="connsiteX20" fmla="*/ 3308916 w 12192000"/>
+              <a:gd name="connsiteY20" fmla="*/ 3049911 h 3414000"/>
+              <a:gd name="connsiteX21" fmla="*/ 2046142 w 12192000"/>
+              <a:gd name="connsiteY21" fmla="*/ 3203263 h 3414000"/>
+              <a:gd name="connsiteX22" fmla="*/ 1560312 w 12192000"/>
+              <a:gd name="connsiteY22" fmla="*/ 3212173 h 3414000"/>
+              <a:gd name="connsiteX23" fmla="*/ 1304604 w 12192000"/>
+              <a:gd name="connsiteY23" fmla="*/ 3185587 h 3414000"/>
+              <a:gd name="connsiteX24" fmla="*/ 1160924 w 12192000"/>
+              <a:gd name="connsiteY24" fmla="*/ 3219675 h 3414000"/>
+              <a:gd name="connsiteX25" fmla="*/ 909691 w 12192000"/>
+              <a:gd name="connsiteY25" fmla="*/ 3216917 h 3414000"/>
+              <a:gd name="connsiteX26" fmla="*/ 764022 w 12192000"/>
+              <a:gd name="connsiteY26" fmla="*/ 3235844 h 3414000"/>
+              <a:gd name="connsiteX27" fmla="*/ 701916 w 12192000"/>
+              <a:gd name="connsiteY27" fmla="*/ 3250221 h 3414000"/>
+              <a:gd name="connsiteX28" fmla="*/ 408703 w 12192000"/>
+              <a:gd name="connsiteY28" fmla="*/ 3323459 h 3414000"/>
+              <a:gd name="connsiteX29" fmla="*/ 369867 w 12192000"/>
+              <a:gd name="connsiteY29" fmla="*/ 3339093 h 3414000"/>
+              <a:gd name="connsiteX30" fmla="*/ 318912 w 12192000"/>
+              <a:gd name="connsiteY30" fmla="*/ 3367911 h 3414000"/>
+              <a:gd name="connsiteX31" fmla="*/ 119549 w 12192000"/>
+              <a:gd name="connsiteY31" fmla="*/ 3404650 h 3414000"/>
+              <a:gd name="connsiteX32" fmla="*/ 0 w 12192000"/>
+              <a:gd name="connsiteY32" fmla="*/ 3414000 h 3414000"/>
+              <a:gd name="connsiteX33" fmla="*/ 0 w 12192000"/>
+              <a:gd name="connsiteY33" fmla="*/ 0 h 3414000"/>
+              <a:gd name="connsiteX0" fmla="*/ 0 w 12192000"/>
+              <a:gd name="connsiteY0" fmla="*/ 0 h 3414000"/>
+              <a:gd name="connsiteX1" fmla="*/ 12192000 w 12192000"/>
+              <a:gd name="connsiteY1" fmla="*/ 0 h 3414000"/>
+              <a:gd name="connsiteX2" fmla="*/ 12192000 w 12192000"/>
+              <a:gd name="connsiteY2" fmla="*/ 3363677 h 3414000"/>
+              <a:gd name="connsiteX3" fmla="*/ 12141171 w 12192000"/>
+              <a:gd name="connsiteY3" fmla="*/ 3348643 h 3414000"/>
+              <a:gd name="connsiteX4" fmla="*/ 12096804 w 12192000"/>
+              <a:gd name="connsiteY4" fmla="*/ 3337419 h 3414000"/>
+              <a:gd name="connsiteX5" fmla="*/ 12001172 w 12192000"/>
+              <a:gd name="connsiteY5" fmla="*/ 3319906 h 3414000"/>
+              <a:gd name="connsiteX6" fmla="*/ 11929171 w 12192000"/>
+              <a:gd name="connsiteY6" fmla="*/ 3326226 h 3414000"/>
+              <a:gd name="connsiteX7" fmla="*/ 11820782 w 12192000"/>
+              <a:gd name="connsiteY7" fmla="*/ 3289139 h 3414000"/>
+              <a:gd name="connsiteX8" fmla="*/ 11760586 w 12192000"/>
+              <a:gd name="connsiteY8" fmla="*/ 3251827 h 3414000"/>
+              <a:gd name="connsiteX9" fmla="*/ 11653933 w 12192000"/>
+              <a:gd name="connsiteY9" fmla="*/ 3237073 h 3414000"/>
+              <a:gd name="connsiteX10" fmla="*/ 11577355 w 12192000"/>
+              <a:gd name="connsiteY10" fmla="*/ 3211512 h 3414000"/>
+              <a:gd name="connsiteX11" fmla="*/ 11462173 w 12192000"/>
+              <a:gd name="connsiteY11" fmla="*/ 3157413 h 3414000"/>
+              <a:gd name="connsiteX12" fmla="*/ 11336983 w 12192000"/>
+              <a:gd name="connsiteY12" fmla="*/ 3096805 h 3414000"/>
+              <a:gd name="connsiteX13" fmla="*/ 11200090 w 12192000"/>
+              <a:gd name="connsiteY13" fmla="*/ 3038291 h 3414000"/>
+              <a:gd name="connsiteX14" fmla="*/ 10939288 w 12192000"/>
+              <a:gd name="connsiteY14" fmla="*/ 2855023 h 3414000"/>
+              <a:gd name="connsiteX15" fmla="*/ 10782550 w 12192000"/>
+              <a:gd name="connsiteY15" fmla="*/ 2820710 h 3414000"/>
+              <a:gd name="connsiteX16" fmla="*/ 10546314 w 12192000"/>
+              <a:gd name="connsiteY16" fmla="*/ 2811426 h 3414000"/>
+              <a:gd name="connsiteX17" fmla="*/ 9661142 w 12192000"/>
+              <a:gd name="connsiteY17" fmla="*/ 2787165 h 3414000"/>
+              <a:gd name="connsiteX18" fmla="*/ 7709717 w 12192000"/>
+              <a:gd name="connsiteY18" fmla="*/ 2795955 h 3414000"/>
+              <a:gd name="connsiteX19" fmla="*/ 6923165 w 12192000"/>
+              <a:gd name="connsiteY19" fmla="*/ 2920979 h 3414000"/>
+              <a:gd name="connsiteX20" fmla="*/ 3308916 w 12192000"/>
+              <a:gd name="connsiteY20" fmla="*/ 3049911 h 3414000"/>
+              <a:gd name="connsiteX21" fmla="*/ 2305050 w 12192000"/>
+              <a:gd name="connsiteY21" fmla="*/ 3162300 h 3414000"/>
+              <a:gd name="connsiteX22" fmla="*/ 2046142 w 12192000"/>
+              <a:gd name="connsiteY22" fmla="*/ 3203263 h 3414000"/>
+              <a:gd name="connsiteX23" fmla="*/ 1560312 w 12192000"/>
+              <a:gd name="connsiteY23" fmla="*/ 3212173 h 3414000"/>
+              <a:gd name="connsiteX24" fmla="*/ 1304604 w 12192000"/>
+              <a:gd name="connsiteY24" fmla="*/ 3185587 h 3414000"/>
+              <a:gd name="connsiteX25" fmla="*/ 1160924 w 12192000"/>
+              <a:gd name="connsiteY25" fmla="*/ 3219675 h 3414000"/>
+              <a:gd name="connsiteX26" fmla="*/ 909691 w 12192000"/>
+              <a:gd name="connsiteY26" fmla="*/ 3216917 h 3414000"/>
+              <a:gd name="connsiteX27" fmla="*/ 764022 w 12192000"/>
+              <a:gd name="connsiteY27" fmla="*/ 3235844 h 3414000"/>
+              <a:gd name="connsiteX28" fmla="*/ 701916 w 12192000"/>
+              <a:gd name="connsiteY28" fmla="*/ 3250221 h 3414000"/>
+              <a:gd name="connsiteX29" fmla="*/ 408703 w 12192000"/>
+              <a:gd name="connsiteY29" fmla="*/ 3323459 h 3414000"/>
+              <a:gd name="connsiteX30" fmla="*/ 369867 w 12192000"/>
+              <a:gd name="connsiteY30" fmla="*/ 3339093 h 3414000"/>
+              <a:gd name="connsiteX31" fmla="*/ 318912 w 12192000"/>
+              <a:gd name="connsiteY31" fmla="*/ 3367911 h 3414000"/>
+              <a:gd name="connsiteX32" fmla="*/ 119549 w 12192000"/>
+              <a:gd name="connsiteY32" fmla="*/ 3404650 h 3414000"/>
+              <a:gd name="connsiteX33" fmla="*/ 0 w 12192000"/>
+              <a:gd name="connsiteY33" fmla="*/ 3414000 h 3414000"/>
+              <a:gd name="connsiteX34" fmla="*/ 0 w 12192000"/>
+              <a:gd name="connsiteY34" fmla="*/ 0 h 3414000"/>
+              <a:gd name="connsiteX0" fmla="*/ 0 w 12192000"/>
+              <a:gd name="connsiteY0" fmla="*/ 0 h 3414000"/>
+              <a:gd name="connsiteX1" fmla="*/ 12192000 w 12192000"/>
+              <a:gd name="connsiteY1" fmla="*/ 0 h 3414000"/>
+              <a:gd name="connsiteX2" fmla="*/ 12192000 w 12192000"/>
+              <a:gd name="connsiteY2" fmla="*/ 3363677 h 3414000"/>
+              <a:gd name="connsiteX3" fmla="*/ 12141171 w 12192000"/>
+              <a:gd name="connsiteY3" fmla="*/ 3348643 h 3414000"/>
+              <a:gd name="connsiteX4" fmla="*/ 12096804 w 12192000"/>
+              <a:gd name="connsiteY4" fmla="*/ 3337419 h 3414000"/>
+              <a:gd name="connsiteX5" fmla="*/ 12001172 w 12192000"/>
+              <a:gd name="connsiteY5" fmla="*/ 3319906 h 3414000"/>
+              <a:gd name="connsiteX6" fmla="*/ 11929171 w 12192000"/>
+              <a:gd name="connsiteY6" fmla="*/ 3326226 h 3414000"/>
+              <a:gd name="connsiteX7" fmla="*/ 11820782 w 12192000"/>
+              <a:gd name="connsiteY7" fmla="*/ 3289139 h 3414000"/>
+              <a:gd name="connsiteX8" fmla="*/ 11760586 w 12192000"/>
+              <a:gd name="connsiteY8" fmla="*/ 3251827 h 3414000"/>
+              <a:gd name="connsiteX9" fmla="*/ 11653933 w 12192000"/>
+              <a:gd name="connsiteY9" fmla="*/ 3237073 h 3414000"/>
+              <a:gd name="connsiteX10" fmla="*/ 11577355 w 12192000"/>
+              <a:gd name="connsiteY10" fmla="*/ 3211512 h 3414000"/>
+              <a:gd name="connsiteX11" fmla="*/ 11462173 w 12192000"/>
+              <a:gd name="connsiteY11" fmla="*/ 3157413 h 3414000"/>
+              <a:gd name="connsiteX12" fmla="*/ 11336983 w 12192000"/>
+              <a:gd name="connsiteY12" fmla="*/ 3096805 h 3414000"/>
+              <a:gd name="connsiteX13" fmla="*/ 11200090 w 12192000"/>
+              <a:gd name="connsiteY13" fmla="*/ 3038291 h 3414000"/>
+              <a:gd name="connsiteX14" fmla="*/ 10939288 w 12192000"/>
+              <a:gd name="connsiteY14" fmla="*/ 2855023 h 3414000"/>
+              <a:gd name="connsiteX15" fmla="*/ 10782550 w 12192000"/>
+              <a:gd name="connsiteY15" fmla="*/ 2820710 h 3414000"/>
+              <a:gd name="connsiteX16" fmla="*/ 10546314 w 12192000"/>
+              <a:gd name="connsiteY16" fmla="*/ 2811426 h 3414000"/>
+              <a:gd name="connsiteX17" fmla="*/ 9661142 w 12192000"/>
+              <a:gd name="connsiteY17" fmla="*/ 2787165 h 3414000"/>
+              <a:gd name="connsiteX18" fmla="*/ 7709717 w 12192000"/>
+              <a:gd name="connsiteY18" fmla="*/ 2795955 h 3414000"/>
+              <a:gd name="connsiteX19" fmla="*/ 6923165 w 12192000"/>
+              <a:gd name="connsiteY19" fmla="*/ 2920979 h 3414000"/>
+              <a:gd name="connsiteX20" fmla="*/ 3308916 w 12192000"/>
+              <a:gd name="connsiteY20" fmla="*/ 3049911 h 3414000"/>
+              <a:gd name="connsiteX21" fmla="*/ 2279650 w 12192000"/>
+              <a:gd name="connsiteY21" fmla="*/ 3187700 h 3414000"/>
+              <a:gd name="connsiteX22" fmla="*/ 2046142 w 12192000"/>
+              <a:gd name="connsiteY22" fmla="*/ 3203263 h 3414000"/>
+              <a:gd name="connsiteX23" fmla="*/ 1560312 w 12192000"/>
+              <a:gd name="connsiteY23" fmla="*/ 3212173 h 3414000"/>
+              <a:gd name="connsiteX24" fmla="*/ 1304604 w 12192000"/>
+              <a:gd name="connsiteY24" fmla="*/ 3185587 h 3414000"/>
+              <a:gd name="connsiteX25" fmla="*/ 1160924 w 12192000"/>
+              <a:gd name="connsiteY25" fmla="*/ 3219675 h 3414000"/>
+              <a:gd name="connsiteX26" fmla="*/ 909691 w 12192000"/>
+              <a:gd name="connsiteY26" fmla="*/ 3216917 h 3414000"/>
+              <a:gd name="connsiteX27" fmla="*/ 764022 w 12192000"/>
+              <a:gd name="connsiteY27" fmla="*/ 3235844 h 3414000"/>
+              <a:gd name="connsiteX28" fmla="*/ 701916 w 12192000"/>
+              <a:gd name="connsiteY28" fmla="*/ 3250221 h 3414000"/>
+              <a:gd name="connsiteX29" fmla="*/ 408703 w 12192000"/>
+              <a:gd name="connsiteY29" fmla="*/ 3323459 h 3414000"/>
+              <a:gd name="connsiteX30" fmla="*/ 369867 w 12192000"/>
+              <a:gd name="connsiteY30" fmla="*/ 3339093 h 3414000"/>
+              <a:gd name="connsiteX31" fmla="*/ 318912 w 12192000"/>
+              <a:gd name="connsiteY31" fmla="*/ 3367911 h 3414000"/>
+              <a:gd name="connsiteX32" fmla="*/ 119549 w 12192000"/>
+              <a:gd name="connsiteY32" fmla="*/ 3404650 h 3414000"/>
+              <a:gd name="connsiteX33" fmla="*/ 0 w 12192000"/>
+              <a:gd name="connsiteY33" fmla="*/ 3414000 h 3414000"/>
+              <a:gd name="connsiteX34" fmla="*/ 0 w 12192000"/>
+              <a:gd name="connsiteY34" fmla="*/ 0 h 3414000"/>
+              <a:gd name="connsiteX0" fmla="*/ 0 w 12192000"/>
+              <a:gd name="connsiteY0" fmla="*/ 0 h 3414000"/>
+              <a:gd name="connsiteX1" fmla="*/ 12192000 w 12192000"/>
+              <a:gd name="connsiteY1" fmla="*/ 0 h 3414000"/>
+              <a:gd name="connsiteX2" fmla="*/ 12192000 w 12192000"/>
+              <a:gd name="connsiteY2" fmla="*/ 3363677 h 3414000"/>
+              <a:gd name="connsiteX3" fmla="*/ 12141171 w 12192000"/>
+              <a:gd name="connsiteY3" fmla="*/ 3348643 h 3414000"/>
+              <a:gd name="connsiteX4" fmla="*/ 12096804 w 12192000"/>
+              <a:gd name="connsiteY4" fmla="*/ 3337419 h 3414000"/>
+              <a:gd name="connsiteX5" fmla="*/ 12001172 w 12192000"/>
+              <a:gd name="connsiteY5" fmla="*/ 3319906 h 3414000"/>
+              <a:gd name="connsiteX6" fmla="*/ 11929171 w 12192000"/>
+              <a:gd name="connsiteY6" fmla="*/ 3326226 h 3414000"/>
+              <a:gd name="connsiteX7" fmla="*/ 11820782 w 12192000"/>
+              <a:gd name="connsiteY7" fmla="*/ 3289139 h 3414000"/>
+              <a:gd name="connsiteX8" fmla="*/ 11760586 w 12192000"/>
+              <a:gd name="connsiteY8" fmla="*/ 3251827 h 3414000"/>
+              <a:gd name="connsiteX9" fmla="*/ 11653933 w 12192000"/>
+              <a:gd name="connsiteY9" fmla="*/ 3237073 h 3414000"/>
+              <a:gd name="connsiteX10" fmla="*/ 11577355 w 12192000"/>
+              <a:gd name="connsiteY10" fmla="*/ 3211512 h 3414000"/>
+              <a:gd name="connsiteX11" fmla="*/ 11462173 w 12192000"/>
+              <a:gd name="connsiteY11" fmla="*/ 3157413 h 3414000"/>
+              <a:gd name="connsiteX12" fmla="*/ 11336983 w 12192000"/>
+              <a:gd name="connsiteY12" fmla="*/ 3096805 h 3414000"/>
+              <a:gd name="connsiteX13" fmla="*/ 11200090 w 12192000"/>
+              <a:gd name="connsiteY13" fmla="*/ 3038291 h 3414000"/>
+              <a:gd name="connsiteX14" fmla="*/ 10939288 w 12192000"/>
+              <a:gd name="connsiteY14" fmla="*/ 2855023 h 3414000"/>
+              <a:gd name="connsiteX15" fmla="*/ 10782550 w 12192000"/>
+              <a:gd name="connsiteY15" fmla="*/ 2820710 h 3414000"/>
+              <a:gd name="connsiteX16" fmla="*/ 10546314 w 12192000"/>
+              <a:gd name="connsiteY16" fmla="*/ 2811426 h 3414000"/>
+              <a:gd name="connsiteX17" fmla="*/ 9661142 w 12192000"/>
+              <a:gd name="connsiteY17" fmla="*/ 2787165 h 3414000"/>
+              <a:gd name="connsiteX18" fmla="*/ 7709717 w 12192000"/>
+              <a:gd name="connsiteY18" fmla="*/ 2795955 h 3414000"/>
+              <a:gd name="connsiteX19" fmla="*/ 6923165 w 12192000"/>
+              <a:gd name="connsiteY19" fmla="*/ 2920979 h 3414000"/>
+              <a:gd name="connsiteX20" fmla="*/ 3308916 w 12192000"/>
+              <a:gd name="connsiteY20" fmla="*/ 3049911 h 3414000"/>
+              <a:gd name="connsiteX21" fmla="*/ 2279650 w 12192000"/>
+              <a:gd name="connsiteY21" fmla="*/ 3187700 h 3414000"/>
+              <a:gd name="connsiteX22" fmla="*/ 2046142 w 12192000"/>
+              <a:gd name="connsiteY22" fmla="*/ 3203263 h 3414000"/>
+              <a:gd name="connsiteX23" fmla="*/ 1873250 w 12192000"/>
+              <a:gd name="connsiteY23" fmla="*/ 3162300 h 3414000"/>
+              <a:gd name="connsiteX24" fmla="*/ 1560312 w 12192000"/>
+              <a:gd name="connsiteY24" fmla="*/ 3212173 h 3414000"/>
+              <a:gd name="connsiteX25" fmla="*/ 1304604 w 12192000"/>
+              <a:gd name="connsiteY25" fmla="*/ 3185587 h 3414000"/>
+              <a:gd name="connsiteX26" fmla="*/ 1160924 w 12192000"/>
+              <a:gd name="connsiteY26" fmla="*/ 3219675 h 3414000"/>
+              <a:gd name="connsiteX27" fmla="*/ 909691 w 12192000"/>
+              <a:gd name="connsiteY27" fmla="*/ 3216917 h 3414000"/>
+              <a:gd name="connsiteX28" fmla="*/ 764022 w 12192000"/>
+              <a:gd name="connsiteY28" fmla="*/ 3235844 h 3414000"/>
+              <a:gd name="connsiteX29" fmla="*/ 701916 w 12192000"/>
+              <a:gd name="connsiteY29" fmla="*/ 3250221 h 3414000"/>
+              <a:gd name="connsiteX30" fmla="*/ 408703 w 12192000"/>
+              <a:gd name="connsiteY30" fmla="*/ 3323459 h 3414000"/>
+              <a:gd name="connsiteX31" fmla="*/ 369867 w 12192000"/>
+              <a:gd name="connsiteY31" fmla="*/ 3339093 h 3414000"/>
+              <a:gd name="connsiteX32" fmla="*/ 318912 w 12192000"/>
+              <a:gd name="connsiteY32" fmla="*/ 3367911 h 3414000"/>
+              <a:gd name="connsiteX33" fmla="*/ 119549 w 12192000"/>
+              <a:gd name="connsiteY33" fmla="*/ 3404650 h 3414000"/>
+              <a:gd name="connsiteX34" fmla="*/ 0 w 12192000"/>
+              <a:gd name="connsiteY34" fmla="*/ 3414000 h 3414000"/>
+              <a:gd name="connsiteX35" fmla="*/ 0 w 12192000"/>
+              <a:gd name="connsiteY35" fmla="*/ 0 h 3414000"/>
+              <a:gd name="connsiteX0" fmla="*/ 0 w 12192000"/>
+              <a:gd name="connsiteY0" fmla="*/ 0 h 3414000"/>
+              <a:gd name="connsiteX1" fmla="*/ 12192000 w 12192000"/>
+              <a:gd name="connsiteY1" fmla="*/ 0 h 3414000"/>
+              <a:gd name="connsiteX2" fmla="*/ 12192000 w 12192000"/>
+              <a:gd name="connsiteY2" fmla="*/ 3363677 h 3414000"/>
+              <a:gd name="connsiteX3" fmla="*/ 12141171 w 12192000"/>
+              <a:gd name="connsiteY3" fmla="*/ 3348643 h 3414000"/>
+              <a:gd name="connsiteX4" fmla="*/ 12096804 w 12192000"/>
+              <a:gd name="connsiteY4" fmla="*/ 3337419 h 3414000"/>
+              <a:gd name="connsiteX5" fmla="*/ 12001172 w 12192000"/>
+              <a:gd name="connsiteY5" fmla="*/ 3319906 h 3414000"/>
+              <a:gd name="connsiteX6" fmla="*/ 11929171 w 12192000"/>
+              <a:gd name="connsiteY6" fmla="*/ 3326226 h 3414000"/>
+              <a:gd name="connsiteX7" fmla="*/ 11820782 w 12192000"/>
+              <a:gd name="connsiteY7" fmla="*/ 3289139 h 3414000"/>
+              <a:gd name="connsiteX8" fmla="*/ 11760586 w 12192000"/>
+              <a:gd name="connsiteY8" fmla="*/ 3251827 h 3414000"/>
+              <a:gd name="connsiteX9" fmla="*/ 11653933 w 12192000"/>
+              <a:gd name="connsiteY9" fmla="*/ 3237073 h 3414000"/>
+              <a:gd name="connsiteX10" fmla="*/ 11577355 w 12192000"/>
+              <a:gd name="connsiteY10" fmla="*/ 3211512 h 3414000"/>
+              <a:gd name="connsiteX11" fmla="*/ 11462173 w 12192000"/>
+              <a:gd name="connsiteY11" fmla="*/ 3157413 h 3414000"/>
+              <a:gd name="connsiteX12" fmla="*/ 11336983 w 12192000"/>
+              <a:gd name="connsiteY12" fmla="*/ 3096805 h 3414000"/>
+              <a:gd name="connsiteX13" fmla="*/ 11200090 w 12192000"/>
+              <a:gd name="connsiteY13" fmla="*/ 3038291 h 3414000"/>
+              <a:gd name="connsiteX14" fmla="*/ 10939288 w 12192000"/>
+              <a:gd name="connsiteY14" fmla="*/ 2855023 h 3414000"/>
+              <a:gd name="connsiteX15" fmla="*/ 10782550 w 12192000"/>
+              <a:gd name="connsiteY15" fmla="*/ 2820710 h 3414000"/>
+              <a:gd name="connsiteX16" fmla="*/ 10546314 w 12192000"/>
+              <a:gd name="connsiteY16" fmla="*/ 2811426 h 3414000"/>
+              <a:gd name="connsiteX17" fmla="*/ 9661142 w 12192000"/>
+              <a:gd name="connsiteY17" fmla="*/ 2787165 h 3414000"/>
+              <a:gd name="connsiteX18" fmla="*/ 7709717 w 12192000"/>
+              <a:gd name="connsiteY18" fmla="*/ 2795955 h 3414000"/>
+              <a:gd name="connsiteX19" fmla="*/ 6923165 w 12192000"/>
+              <a:gd name="connsiteY19" fmla="*/ 2920979 h 3414000"/>
+              <a:gd name="connsiteX20" fmla="*/ 3308916 w 12192000"/>
+              <a:gd name="connsiteY20" fmla="*/ 3049911 h 3414000"/>
+              <a:gd name="connsiteX21" fmla="*/ 2279650 w 12192000"/>
+              <a:gd name="connsiteY21" fmla="*/ 3187700 h 3414000"/>
+              <a:gd name="connsiteX22" fmla="*/ 2046142 w 12192000"/>
+              <a:gd name="connsiteY22" fmla="*/ 3203263 h 3414000"/>
+              <a:gd name="connsiteX23" fmla="*/ 1835150 w 12192000"/>
+              <a:gd name="connsiteY23" fmla="*/ 3200400 h 3414000"/>
+              <a:gd name="connsiteX24" fmla="*/ 1560312 w 12192000"/>
+              <a:gd name="connsiteY24" fmla="*/ 3212173 h 3414000"/>
+              <a:gd name="connsiteX25" fmla="*/ 1304604 w 12192000"/>
+              <a:gd name="connsiteY25" fmla="*/ 3185587 h 3414000"/>
+              <a:gd name="connsiteX26" fmla="*/ 1160924 w 12192000"/>
+              <a:gd name="connsiteY26" fmla="*/ 3219675 h 3414000"/>
+              <a:gd name="connsiteX27" fmla="*/ 909691 w 12192000"/>
+              <a:gd name="connsiteY27" fmla="*/ 3216917 h 3414000"/>
+              <a:gd name="connsiteX28" fmla="*/ 764022 w 12192000"/>
+              <a:gd name="connsiteY28" fmla="*/ 3235844 h 3414000"/>
+              <a:gd name="connsiteX29" fmla="*/ 701916 w 12192000"/>
+              <a:gd name="connsiteY29" fmla="*/ 3250221 h 3414000"/>
+              <a:gd name="connsiteX30" fmla="*/ 408703 w 12192000"/>
+              <a:gd name="connsiteY30" fmla="*/ 3323459 h 3414000"/>
+              <a:gd name="connsiteX31" fmla="*/ 369867 w 12192000"/>
+              <a:gd name="connsiteY31" fmla="*/ 3339093 h 3414000"/>
+              <a:gd name="connsiteX32" fmla="*/ 318912 w 12192000"/>
+              <a:gd name="connsiteY32" fmla="*/ 3367911 h 3414000"/>
+              <a:gd name="connsiteX33" fmla="*/ 119549 w 12192000"/>
+              <a:gd name="connsiteY33" fmla="*/ 3404650 h 3414000"/>
+              <a:gd name="connsiteX34" fmla="*/ 0 w 12192000"/>
+              <a:gd name="connsiteY34" fmla="*/ 3414000 h 3414000"/>
+              <a:gd name="connsiteX35" fmla="*/ 0 w 12192000"/>
+              <a:gd name="connsiteY35" fmla="*/ 0 h 3414000"/>
+              <a:gd name="connsiteX0" fmla="*/ 0 w 12192000"/>
+              <a:gd name="connsiteY0" fmla="*/ 0 h 3414000"/>
+              <a:gd name="connsiteX1" fmla="*/ 12192000 w 12192000"/>
+              <a:gd name="connsiteY1" fmla="*/ 0 h 3414000"/>
+              <a:gd name="connsiteX2" fmla="*/ 12192000 w 12192000"/>
+              <a:gd name="connsiteY2" fmla="*/ 3363677 h 3414000"/>
+              <a:gd name="connsiteX3" fmla="*/ 12141171 w 12192000"/>
+              <a:gd name="connsiteY3" fmla="*/ 3348643 h 3414000"/>
+              <a:gd name="connsiteX4" fmla="*/ 12096804 w 12192000"/>
+              <a:gd name="connsiteY4" fmla="*/ 3337419 h 3414000"/>
+              <a:gd name="connsiteX5" fmla="*/ 12001172 w 12192000"/>
+              <a:gd name="connsiteY5" fmla="*/ 3319906 h 3414000"/>
+              <a:gd name="connsiteX6" fmla="*/ 11929171 w 12192000"/>
+              <a:gd name="connsiteY6" fmla="*/ 3326226 h 3414000"/>
+              <a:gd name="connsiteX7" fmla="*/ 11820782 w 12192000"/>
+              <a:gd name="connsiteY7" fmla="*/ 3289139 h 3414000"/>
+              <a:gd name="connsiteX8" fmla="*/ 11760586 w 12192000"/>
+              <a:gd name="connsiteY8" fmla="*/ 3251827 h 3414000"/>
+              <a:gd name="connsiteX9" fmla="*/ 11653933 w 12192000"/>
+              <a:gd name="connsiteY9" fmla="*/ 3237073 h 3414000"/>
+              <a:gd name="connsiteX10" fmla="*/ 11577355 w 12192000"/>
+              <a:gd name="connsiteY10" fmla="*/ 3211512 h 3414000"/>
+              <a:gd name="connsiteX11" fmla="*/ 11462173 w 12192000"/>
+              <a:gd name="connsiteY11" fmla="*/ 3157413 h 3414000"/>
+              <a:gd name="connsiteX12" fmla="*/ 11336983 w 12192000"/>
+              <a:gd name="connsiteY12" fmla="*/ 3096805 h 3414000"/>
+              <a:gd name="connsiteX13" fmla="*/ 11200090 w 12192000"/>
+              <a:gd name="connsiteY13" fmla="*/ 3038291 h 3414000"/>
+              <a:gd name="connsiteX14" fmla="*/ 10939288 w 12192000"/>
+              <a:gd name="connsiteY14" fmla="*/ 2855023 h 3414000"/>
+              <a:gd name="connsiteX15" fmla="*/ 10782550 w 12192000"/>
+              <a:gd name="connsiteY15" fmla="*/ 2820710 h 3414000"/>
+              <a:gd name="connsiteX16" fmla="*/ 10546314 w 12192000"/>
+              <a:gd name="connsiteY16" fmla="*/ 2811426 h 3414000"/>
+              <a:gd name="connsiteX17" fmla="*/ 9661142 w 12192000"/>
+              <a:gd name="connsiteY17" fmla="*/ 2787165 h 3414000"/>
+              <a:gd name="connsiteX18" fmla="*/ 7709717 w 12192000"/>
+              <a:gd name="connsiteY18" fmla="*/ 2795955 h 3414000"/>
+              <a:gd name="connsiteX19" fmla="*/ 6923165 w 12192000"/>
+              <a:gd name="connsiteY19" fmla="*/ 2920979 h 3414000"/>
+              <a:gd name="connsiteX20" fmla="*/ 3308916 w 12192000"/>
+              <a:gd name="connsiteY20" fmla="*/ 3049911 h 3414000"/>
+              <a:gd name="connsiteX21" fmla="*/ 2279650 w 12192000"/>
+              <a:gd name="connsiteY21" fmla="*/ 3187700 h 3414000"/>
+              <a:gd name="connsiteX22" fmla="*/ 2046142 w 12192000"/>
+              <a:gd name="connsiteY22" fmla="*/ 3203263 h 3414000"/>
+              <a:gd name="connsiteX23" fmla="*/ 1835150 w 12192000"/>
+              <a:gd name="connsiteY23" fmla="*/ 3200400 h 3414000"/>
+              <a:gd name="connsiteX24" fmla="*/ 1560312 w 12192000"/>
+              <a:gd name="connsiteY24" fmla="*/ 3212173 h 3414000"/>
+              <a:gd name="connsiteX25" fmla="*/ 1304604 w 12192000"/>
+              <a:gd name="connsiteY25" fmla="*/ 3185587 h 3414000"/>
+              <a:gd name="connsiteX26" fmla="*/ 1160924 w 12192000"/>
+              <a:gd name="connsiteY26" fmla="*/ 3219675 h 3414000"/>
+              <a:gd name="connsiteX27" fmla="*/ 909691 w 12192000"/>
+              <a:gd name="connsiteY27" fmla="*/ 3216917 h 3414000"/>
+              <a:gd name="connsiteX28" fmla="*/ 764022 w 12192000"/>
+              <a:gd name="connsiteY28" fmla="*/ 3235844 h 3414000"/>
+              <a:gd name="connsiteX29" fmla="*/ 701916 w 12192000"/>
+              <a:gd name="connsiteY29" fmla="*/ 3250221 h 3414000"/>
+              <a:gd name="connsiteX30" fmla="*/ 408703 w 12192000"/>
+              <a:gd name="connsiteY30" fmla="*/ 3323459 h 3414000"/>
+              <a:gd name="connsiteX31" fmla="*/ 369867 w 12192000"/>
+              <a:gd name="connsiteY31" fmla="*/ 3339093 h 3414000"/>
+              <a:gd name="connsiteX32" fmla="*/ 318912 w 12192000"/>
+              <a:gd name="connsiteY32" fmla="*/ 3367911 h 3414000"/>
+              <a:gd name="connsiteX33" fmla="*/ 119549 w 12192000"/>
+              <a:gd name="connsiteY33" fmla="*/ 3404650 h 3414000"/>
+              <a:gd name="connsiteX34" fmla="*/ 0 w 12192000"/>
+              <a:gd name="connsiteY34" fmla="*/ 3414000 h 3414000"/>
+              <a:gd name="connsiteX35" fmla="*/ 0 w 12192000"/>
+              <a:gd name="connsiteY35" fmla="*/ 0 h 3414000"/>
+              <a:gd name="connsiteX0" fmla="*/ 0 w 12192000"/>
+              <a:gd name="connsiteY0" fmla="*/ 0 h 3414000"/>
+              <a:gd name="connsiteX1" fmla="*/ 12192000 w 12192000"/>
+              <a:gd name="connsiteY1" fmla="*/ 0 h 3414000"/>
+              <a:gd name="connsiteX2" fmla="*/ 12192000 w 12192000"/>
+              <a:gd name="connsiteY2" fmla="*/ 3363677 h 3414000"/>
+              <a:gd name="connsiteX3" fmla="*/ 12141171 w 12192000"/>
+              <a:gd name="connsiteY3" fmla="*/ 3348643 h 3414000"/>
+              <a:gd name="connsiteX4" fmla="*/ 12096804 w 12192000"/>
+              <a:gd name="connsiteY4" fmla="*/ 3337419 h 3414000"/>
+              <a:gd name="connsiteX5" fmla="*/ 12001172 w 12192000"/>
+              <a:gd name="connsiteY5" fmla="*/ 3319906 h 3414000"/>
+              <a:gd name="connsiteX6" fmla="*/ 11929171 w 12192000"/>
+              <a:gd name="connsiteY6" fmla="*/ 3326226 h 3414000"/>
+              <a:gd name="connsiteX7" fmla="*/ 11820782 w 12192000"/>
+              <a:gd name="connsiteY7" fmla="*/ 3289139 h 3414000"/>
+              <a:gd name="connsiteX8" fmla="*/ 11760586 w 12192000"/>
+              <a:gd name="connsiteY8" fmla="*/ 3251827 h 3414000"/>
+              <a:gd name="connsiteX9" fmla="*/ 11653933 w 12192000"/>
+              <a:gd name="connsiteY9" fmla="*/ 3237073 h 3414000"/>
+              <a:gd name="connsiteX10" fmla="*/ 11577355 w 12192000"/>
+              <a:gd name="connsiteY10" fmla="*/ 3211512 h 3414000"/>
+              <a:gd name="connsiteX11" fmla="*/ 11462173 w 12192000"/>
+              <a:gd name="connsiteY11" fmla="*/ 3157413 h 3414000"/>
+              <a:gd name="connsiteX12" fmla="*/ 11336983 w 12192000"/>
+              <a:gd name="connsiteY12" fmla="*/ 3096805 h 3414000"/>
+              <a:gd name="connsiteX13" fmla="*/ 11200090 w 12192000"/>
+              <a:gd name="connsiteY13" fmla="*/ 3038291 h 3414000"/>
+              <a:gd name="connsiteX14" fmla="*/ 10939288 w 12192000"/>
+              <a:gd name="connsiteY14" fmla="*/ 2855023 h 3414000"/>
+              <a:gd name="connsiteX15" fmla="*/ 10782550 w 12192000"/>
+              <a:gd name="connsiteY15" fmla="*/ 2820710 h 3414000"/>
+              <a:gd name="connsiteX16" fmla="*/ 10546314 w 12192000"/>
+              <a:gd name="connsiteY16" fmla="*/ 2811426 h 3414000"/>
+              <a:gd name="connsiteX17" fmla="*/ 9724642 w 12192000"/>
+              <a:gd name="connsiteY17" fmla="*/ 2837965 h 3414000"/>
+              <a:gd name="connsiteX18" fmla="*/ 7709717 w 12192000"/>
+              <a:gd name="connsiteY18" fmla="*/ 2795955 h 3414000"/>
+              <a:gd name="connsiteX19" fmla="*/ 6923165 w 12192000"/>
+              <a:gd name="connsiteY19" fmla="*/ 2920979 h 3414000"/>
+              <a:gd name="connsiteX20" fmla="*/ 3308916 w 12192000"/>
+              <a:gd name="connsiteY20" fmla="*/ 3049911 h 3414000"/>
+              <a:gd name="connsiteX21" fmla="*/ 2279650 w 12192000"/>
+              <a:gd name="connsiteY21" fmla="*/ 3187700 h 3414000"/>
+              <a:gd name="connsiteX22" fmla="*/ 2046142 w 12192000"/>
+              <a:gd name="connsiteY22" fmla="*/ 3203263 h 3414000"/>
+              <a:gd name="connsiteX23" fmla="*/ 1835150 w 12192000"/>
+              <a:gd name="connsiteY23" fmla="*/ 3200400 h 3414000"/>
+              <a:gd name="connsiteX24" fmla="*/ 1560312 w 12192000"/>
+              <a:gd name="connsiteY24" fmla="*/ 3212173 h 3414000"/>
+              <a:gd name="connsiteX25" fmla="*/ 1304604 w 12192000"/>
+              <a:gd name="connsiteY25" fmla="*/ 3185587 h 3414000"/>
+              <a:gd name="connsiteX26" fmla="*/ 1160924 w 12192000"/>
+              <a:gd name="connsiteY26" fmla="*/ 3219675 h 3414000"/>
+              <a:gd name="connsiteX27" fmla="*/ 909691 w 12192000"/>
+              <a:gd name="connsiteY27" fmla="*/ 3216917 h 3414000"/>
+              <a:gd name="connsiteX28" fmla="*/ 764022 w 12192000"/>
+              <a:gd name="connsiteY28" fmla="*/ 3235844 h 3414000"/>
+              <a:gd name="connsiteX29" fmla="*/ 701916 w 12192000"/>
+              <a:gd name="connsiteY29" fmla="*/ 3250221 h 3414000"/>
+              <a:gd name="connsiteX30" fmla="*/ 408703 w 12192000"/>
+              <a:gd name="connsiteY30" fmla="*/ 3323459 h 3414000"/>
+              <a:gd name="connsiteX31" fmla="*/ 369867 w 12192000"/>
+              <a:gd name="connsiteY31" fmla="*/ 3339093 h 3414000"/>
+              <a:gd name="connsiteX32" fmla="*/ 318912 w 12192000"/>
+              <a:gd name="connsiteY32" fmla="*/ 3367911 h 3414000"/>
+              <a:gd name="connsiteX33" fmla="*/ 119549 w 12192000"/>
+              <a:gd name="connsiteY33" fmla="*/ 3404650 h 3414000"/>
+              <a:gd name="connsiteX34" fmla="*/ 0 w 12192000"/>
+              <a:gd name="connsiteY34" fmla="*/ 3414000 h 3414000"/>
+              <a:gd name="connsiteX35" fmla="*/ 0 w 12192000"/>
+              <a:gd name="connsiteY35" fmla="*/ 0 h 3414000"/>
+              <a:gd name="connsiteX0" fmla="*/ 0 w 12192000"/>
+              <a:gd name="connsiteY0" fmla="*/ 0 h 3414000"/>
+              <a:gd name="connsiteX1" fmla="*/ 12192000 w 12192000"/>
+              <a:gd name="connsiteY1" fmla="*/ 0 h 3414000"/>
+              <a:gd name="connsiteX2" fmla="*/ 12192000 w 12192000"/>
+              <a:gd name="connsiteY2" fmla="*/ 3363677 h 3414000"/>
+              <a:gd name="connsiteX3" fmla="*/ 12141171 w 12192000"/>
+              <a:gd name="connsiteY3" fmla="*/ 3348643 h 3414000"/>
+              <a:gd name="connsiteX4" fmla="*/ 12096804 w 12192000"/>
+              <a:gd name="connsiteY4" fmla="*/ 3337419 h 3414000"/>
+              <a:gd name="connsiteX5" fmla="*/ 12001172 w 12192000"/>
+              <a:gd name="connsiteY5" fmla="*/ 3319906 h 3414000"/>
+              <a:gd name="connsiteX6" fmla="*/ 11929171 w 12192000"/>
+              <a:gd name="connsiteY6" fmla="*/ 3326226 h 3414000"/>
+              <a:gd name="connsiteX7" fmla="*/ 11820782 w 12192000"/>
+              <a:gd name="connsiteY7" fmla="*/ 3289139 h 3414000"/>
+              <a:gd name="connsiteX8" fmla="*/ 11760586 w 12192000"/>
+              <a:gd name="connsiteY8" fmla="*/ 3251827 h 3414000"/>
+              <a:gd name="connsiteX9" fmla="*/ 11653933 w 12192000"/>
+              <a:gd name="connsiteY9" fmla="*/ 3237073 h 3414000"/>
+              <a:gd name="connsiteX10" fmla="*/ 11577355 w 12192000"/>
+              <a:gd name="connsiteY10" fmla="*/ 3211512 h 3414000"/>
+              <a:gd name="connsiteX11" fmla="*/ 11462173 w 12192000"/>
+              <a:gd name="connsiteY11" fmla="*/ 3157413 h 3414000"/>
+              <a:gd name="connsiteX12" fmla="*/ 11336983 w 12192000"/>
+              <a:gd name="connsiteY12" fmla="*/ 3096805 h 3414000"/>
+              <a:gd name="connsiteX13" fmla="*/ 11200090 w 12192000"/>
+              <a:gd name="connsiteY13" fmla="*/ 3038291 h 3414000"/>
+              <a:gd name="connsiteX14" fmla="*/ 10939288 w 12192000"/>
+              <a:gd name="connsiteY14" fmla="*/ 2855023 h 3414000"/>
+              <a:gd name="connsiteX15" fmla="*/ 10782550 w 12192000"/>
+              <a:gd name="connsiteY15" fmla="*/ 2820710 h 3414000"/>
+              <a:gd name="connsiteX16" fmla="*/ 10546314 w 12192000"/>
+              <a:gd name="connsiteY16" fmla="*/ 2811426 h 3414000"/>
+              <a:gd name="connsiteX17" fmla="*/ 9724642 w 12192000"/>
+              <a:gd name="connsiteY17" fmla="*/ 2837965 h 3414000"/>
+              <a:gd name="connsiteX18" fmla="*/ 7709717 w 12192000"/>
+              <a:gd name="connsiteY18" fmla="*/ 2795955 h 3414000"/>
+              <a:gd name="connsiteX19" fmla="*/ 6923165 w 12192000"/>
+              <a:gd name="connsiteY19" fmla="*/ 2920979 h 3414000"/>
+              <a:gd name="connsiteX20" fmla="*/ 3308916 w 12192000"/>
+              <a:gd name="connsiteY20" fmla="*/ 3049911 h 3414000"/>
+              <a:gd name="connsiteX21" fmla="*/ 2279650 w 12192000"/>
+              <a:gd name="connsiteY21" fmla="*/ 3187700 h 3414000"/>
+              <a:gd name="connsiteX22" fmla="*/ 2046142 w 12192000"/>
+              <a:gd name="connsiteY22" fmla="*/ 3203263 h 3414000"/>
+              <a:gd name="connsiteX23" fmla="*/ 1835150 w 12192000"/>
+              <a:gd name="connsiteY23" fmla="*/ 3200400 h 3414000"/>
+              <a:gd name="connsiteX24" fmla="*/ 1560312 w 12192000"/>
+              <a:gd name="connsiteY24" fmla="*/ 3212173 h 3414000"/>
+              <a:gd name="connsiteX25" fmla="*/ 1304604 w 12192000"/>
+              <a:gd name="connsiteY25" fmla="*/ 3185587 h 3414000"/>
+              <a:gd name="connsiteX26" fmla="*/ 1160924 w 12192000"/>
+              <a:gd name="connsiteY26" fmla="*/ 3219675 h 3414000"/>
+              <a:gd name="connsiteX27" fmla="*/ 909691 w 12192000"/>
+              <a:gd name="connsiteY27" fmla="*/ 3216917 h 3414000"/>
+              <a:gd name="connsiteX28" fmla="*/ 764022 w 12192000"/>
+              <a:gd name="connsiteY28" fmla="*/ 3235844 h 3414000"/>
+              <a:gd name="connsiteX29" fmla="*/ 701916 w 12192000"/>
+              <a:gd name="connsiteY29" fmla="*/ 3250221 h 3414000"/>
+              <a:gd name="connsiteX30" fmla="*/ 408703 w 12192000"/>
+              <a:gd name="connsiteY30" fmla="*/ 3323459 h 3414000"/>
+              <a:gd name="connsiteX31" fmla="*/ 369867 w 12192000"/>
+              <a:gd name="connsiteY31" fmla="*/ 3339093 h 3414000"/>
+              <a:gd name="connsiteX32" fmla="*/ 318912 w 12192000"/>
+              <a:gd name="connsiteY32" fmla="*/ 3367911 h 3414000"/>
+              <a:gd name="connsiteX33" fmla="*/ 119549 w 12192000"/>
+              <a:gd name="connsiteY33" fmla="*/ 3404650 h 3414000"/>
+              <a:gd name="connsiteX34" fmla="*/ 0 w 12192000"/>
+              <a:gd name="connsiteY34" fmla="*/ 3414000 h 3414000"/>
+              <a:gd name="connsiteX35" fmla="*/ 0 w 12192000"/>
+              <a:gd name="connsiteY35" fmla="*/ 0 h 3414000"/>
+              <a:gd name="connsiteX0" fmla="*/ 0 w 12192000"/>
+              <a:gd name="connsiteY0" fmla="*/ 0 h 3414000"/>
+              <a:gd name="connsiteX1" fmla="*/ 12192000 w 12192000"/>
+              <a:gd name="connsiteY1" fmla="*/ 0 h 3414000"/>
+              <a:gd name="connsiteX2" fmla="*/ 12192000 w 12192000"/>
+              <a:gd name="connsiteY2" fmla="*/ 3363677 h 3414000"/>
+              <a:gd name="connsiteX3" fmla="*/ 12141171 w 12192000"/>
+              <a:gd name="connsiteY3" fmla="*/ 3348643 h 3414000"/>
+              <a:gd name="connsiteX4" fmla="*/ 12096804 w 12192000"/>
+              <a:gd name="connsiteY4" fmla="*/ 3337419 h 3414000"/>
+              <a:gd name="connsiteX5" fmla="*/ 12001172 w 12192000"/>
+              <a:gd name="connsiteY5" fmla="*/ 3319906 h 3414000"/>
+              <a:gd name="connsiteX6" fmla="*/ 11929171 w 12192000"/>
+              <a:gd name="connsiteY6" fmla="*/ 3326226 h 3414000"/>
+              <a:gd name="connsiteX7" fmla="*/ 11820782 w 12192000"/>
+              <a:gd name="connsiteY7" fmla="*/ 3289139 h 3414000"/>
+              <a:gd name="connsiteX8" fmla="*/ 11760586 w 12192000"/>
+              <a:gd name="connsiteY8" fmla="*/ 3251827 h 3414000"/>
+              <a:gd name="connsiteX9" fmla="*/ 11653933 w 12192000"/>
+              <a:gd name="connsiteY9" fmla="*/ 3237073 h 3414000"/>
+              <a:gd name="connsiteX10" fmla="*/ 11577355 w 12192000"/>
+              <a:gd name="connsiteY10" fmla="*/ 3211512 h 3414000"/>
+              <a:gd name="connsiteX11" fmla="*/ 11462173 w 12192000"/>
+              <a:gd name="connsiteY11" fmla="*/ 3157413 h 3414000"/>
+              <a:gd name="connsiteX12" fmla="*/ 11336983 w 12192000"/>
+              <a:gd name="connsiteY12" fmla="*/ 3096805 h 3414000"/>
+              <a:gd name="connsiteX13" fmla="*/ 11200090 w 12192000"/>
+              <a:gd name="connsiteY13" fmla="*/ 3038291 h 3414000"/>
+              <a:gd name="connsiteX14" fmla="*/ 10939288 w 12192000"/>
+              <a:gd name="connsiteY14" fmla="*/ 2855023 h 3414000"/>
+              <a:gd name="connsiteX15" fmla="*/ 10782550 w 12192000"/>
+              <a:gd name="connsiteY15" fmla="*/ 2820710 h 3414000"/>
+              <a:gd name="connsiteX16" fmla="*/ 10343114 w 12192000"/>
+              <a:gd name="connsiteY16" fmla="*/ 2798726 h 3414000"/>
+              <a:gd name="connsiteX17" fmla="*/ 9724642 w 12192000"/>
+              <a:gd name="connsiteY17" fmla="*/ 2837965 h 3414000"/>
+              <a:gd name="connsiteX18" fmla="*/ 7709717 w 12192000"/>
+              <a:gd name="connsiteY18" fmla="*/ 2795955 h 3414000"/>
+              <a:gd name="connsiteX19" fmla="*/ 6923165 w 12192000"/>
+              <a:gd name="connsiteY19" fmla="*/ 2920979 h 3414000"/>
+              <a:gd name="connsiteX20" fmla="*/ 3308916 w 12192000"/>
+              <a:gd name="connsiteY20" fmla="*/ 3049911 h 3414000"/>
+              <a:gd name="connsiteX21" fmla="*/ 2279650 w 12192000"/>
+              <a:gd name="connsiteY21" fmla="*/ 3187700 h 3414000"/>
+              <a:gd name="connsiteX22" fmla="*/ 2046142 w 12192000"/>
+              <a:gd name="connsiteY22" fmla="*/ 3203263 h 3414000"/>
+              <a:gd name="connsiteX23" fmla="*/ 1835150 w 12192000"/>
+              <a:gd name="connsiteY23" fmla="*/ 3200400 h 3414000"/>
+              <a:gd name="connsiteX24" fmla="*/ 1560312 w 12192000"/>
+              <a:gd name="connsiteY24" fmla="*/ 3212173 h 3414000"/>
+              <a:gd name="connsiteX25" fmla="*/ 1304604 w 12192000"/>
+              <a:gd name="connsiteY25" fmla="*/ 3185587 h 3414000"/>
+              <a:gd name="connsiteX26" fmla="*/ 1160924 w 12192000"/>
+              <a:gd name="connsiteY26" fmla="*/ 3219675 h 3414000"/>
+              <a:gd name="connsiteX27" fmla="*/ 909691 w 12192000"/>
+              <a:gd name="connsiteY27" fmla="*/ 3216917 h 3414000"/>
+              <a:gd name="connsiteX28" fmla="*/ 764022 w 12192000"/>
+              <a:gd name="connsiteY28" fmla="*/ 3235844 h 3414000"/>
+              <a:gd name="connsiteX29" fmla="*/ 701916 w 12192000"/>
+              <a:gd name="connsiteY29" fmla="*/ 3250221 h 3414000"/>
+              <a:gd name="connsiteX30" fmla="*/ 408703 w 12192000"/>
+              <a:gd name="connsiteY30" fmla="*/ 3323459 h 3414000"/>
+              <a:gd name="connsiteX31" fmla="*/ 369867 w 12192000"/>
+              <a:gd name="connsiteY31" fmla="*/ 3339093 h 3414000"/>
+              <a:gd name="connsiteX32" fmla="*/ 318912 w 12192000"/>
+              <a:gd name="connsiteY32" fmla="*/ 3367911 h 3414000"/>
+              <a:gd name="connsiteX33" fmla="*/ 119549 w 12192000"/>
+              <a:gd name="connsiteY33" fmla="*/ 3404650 h 3414000"/>
+              <a:gd name="connsiteX34" fmla="*/ 0 w 12192000"/>
+              <a:gd name="connsiteY34" fmla="*/ 3414000 h 3414000"/>
+              <a:gd name="connsiteX35" fmla="*/ 0 w 12192000"/>
+              <a:gd name="connsiteY35" fmla="*/ 0 h 3414000"/>
+              <a:gd name="connsiteX0" fmla="*/ 0 w 12192000"/>
+              <a:gd name="connsiteY0" fmla="*/ 0 h 3414000"/>
+              <a:gd name="connsiteX1" fmla="*/ 12192000 w 12192000"/>
+              <a:gd name="connsiteY1" fmla="*/ 0 h 3414000"/>
+              <a:gd name="connsiteX2" fmla="*/ 12192000 w 12192000"/>
+              <a:gd name="connsiteY2" fmla="*/ 3363677 h 3414000"/>
+              <a:gd name="connsiteX3" fmla="*/ 12141171 w 12192000"/>
+              <a:gd name="connsiteY3" fmla="*/ 3348643 h 3414000"/>
+              <a:gd name="connsiteX4" fmla="*/ 12096804 w 12192000"/>
+              <a:gd name="connsiteY4" fmla="*/ 3337419 h 3414000"/>
+              <a:gd name="connsiteX5" fmla="*/ 12001172 w 12192000"/>
+              <a:gd name="connsiteY5" fmla="*/ 3319906 h 3414000"/>
+              <a:gd name="connsiteX6" fmla="*/ 11929171 w 12192000"/>
+              <a:gd name="connsiteY6" fmla="*/ 3326226 h 3414000"/>
+              <a:gd name="connsiteX7" fmla="*/ 11820782 w 12192000"/>
+              <a:gd name="connsiteY7" fmla="*/ 3289139 h 3414000"/>
+              <a:gd name="connsiteX8" fmla="*/ 11760586 w 12192000"/>
+              <a:gd name="connsiteY8" fmla="*/ 3251827 h 3414000"/>
+              <a:gd name="connsiteX9" fmla="*/ 11653933 w 12192000"/>
+              <a:gd name="connsiteY9" fmla="*/ 3237073 h 3414000"/>
+              <a:gd name="connsiteX10" fmla="*/ 11577355 w 12192000"/>
+              <a:gd name="connsiteY10" fmla="*/ 3211512 h 3414000"/>
+              <a:gd name="connsiteX11" fmla="*/ 11462173 w 12192000"/>
+              <a:gd name="connsiteY11" fmla="*/ 3157413 h 3414000"/>
+              <a:gd name="connsiteX12" fmla="*/ 11336983 w 12192000"/>
+              <a:gd name="connsiteY12" fmla="*/ 3096805 h 3414000"/>
+              <a:gd name="connsiteX13" fmla="*/ 11200090 w 12192000"/>
+              <a:gd name="connsiteY13" fmla="*/ 3038291 h 3414000"/>
+              <a:gd name="connsiteX14" fmla="*/ 10939288 w 12192000"/>
+              <a:gd name="connsiteY14" fmla="*/ 2855023 h 3414000"/>
+              <a:gd name="connsiteX15" fmla="*/ 10744450 w 12192000"/>
+              <a:gd name="connsiteY15" fmla="*/ 2833410 h 3414000"/>
+              <a:gd name="connsiteX16" fmla="*/ 10343114 w 12192000"/>
+              <a:gd name="connsiteY16" fmla="*/ 2798726 h 3414000"/>
+              <a:gd name="connsiteX17" fmla="*/ 9724642 w 12192000"/>
+              <a:gd name="connsiteY17" fmla="*/ 2837965 h 3414000"/>
+              <a:gd name="connsiteX18" fmla="*/ 7709717 w 12192000"/>
+              <a:gd name="connsiteY18" fmla="*/ 2795955 h 3414000"/>
+              <a:gd name="connsiteX19" fmla="*/ 6923165 w 12192000"/>
+              <a:gd name="connsiteY19" fmla="*/ 2920979 h 3414000"/>
+              <a:gd name="connsiteX20" fmla="*/ 3308916 w 12192000"/>
+              <a:gd name="connsiteY20" fmla="*/ 3049911 h 3414000"/>
+              <a:gd name="connsiteX21" fmla="*/ 2279650 w 12192000"/>
+              <a:gd name="connsiteY21" fmla="*/ 3187700 h 3414000"/>
+              <a:gd name="connsiteX22" fmla="*/ 2046142 w 12192000"/>
+              <a:gd name="connsiteY22" fmla="*/ 3203263 h 3414000"/>
+              <a:gd name="connsiteX23" fmla="*/ 1835150 w 12192000"/>
+              <a:gd name="connsiteY23" fmla="*/ 3200400 h 3414000"/>
+              <a:gd name="connsiteX24" fmla="*/ 1560312 w 12192000"/>
+              <a:gd name="connsiteY24" fmla="*/ 3212173 h 3414000"/>
+              <a:gd name="connsiteX25" fmla="*/ 1304604 w 12192000"/>
+              <a:gd name="connsiteY25" fmla="*/ 3185587 h 3414000"/>
+              <a:gd name="connsiteX26" fmla="*/ 1160924 w 12192000"/>
+              <a:gd name="connsiteY26" fmla="*/ 3219675 h 3414000"/>
+              <a:gd name="connsiteX27" fmla="*/ 909691 w 12192000"/>
+              <a:gd name="connsiteY27" fmla="*/ 3216917 h 3414000"/>
+              <a:gd name="connsiteX28" fmla="*/ 764022 w 12192000"/>
+              <a:gd name="connsiteY28" fmla="*/ 3235844 h 3414000"/>
+              <a:gd name="connsiteX29" fmla="*/ 701916 w 12192000"/>
+              <a:gd name="connsiteY29" fmla="*/ 3250221 h 3414000"/>
+              <a:gd name="connsiteX30" fmla="*/ 408703 w 12192000"/>
+              <a:gd name="connsiteY30" fmla="*/ 3323459 h 3414000"/>
+              <a:gd name="connsiteX31" fmla="*/ 369867 w 12192000"/>
+              <a:gd name="connsiteY31" fmla="*/ 3339093 h 3414000"/>
+              <a:gd name="connsiteX32" fmla="*/ 318912 w 12192000"/>
+              <a:gd name="connsiteY32" fmla="*/ 3367911 h 3414000"/>
+              <a:gd name="connsiteX33" fmla="*/ 119549 w 12192000"/>
+              <a:gd name="connsiteY33" fmla="*/ 3404650 h 3414000"/>
+              <a:gd name="connsiteX34" fmla="*/ 0 w 12192000"/>
+              <a:gd name="connsiteY34" fmla="*/ 3414000 h 3414000"/>
+              <a:gd name="connsiteX35" fmla="*/ 0 w 12192000"/>
+              <a:gd name="connsiteY35" fmla="*/ 0 h 3414000"/>
+              <a:gd name="connsiteX0" fmla="*/ 0 w 12192000"/>
+              <a:gd name="connsiteY0" fmla="*/ 0 h 3414000"/>
+              <a:gd name="connsiteX1" fmla="*/ 12192000 w 12192000"/>
+              <a:gd name="connsiteY1" fmla="*/ 0 h 3414000"/>
+              <a:gd name="connsiteX2" fmla="*/ 12192000 w 12192000"/>
+              <a:gd name="connsiteY2" fmla="*/ 3363677 h 3414000"/>
+              <a:gd name="connsiteX3" fmla="*/ 12141171 w 12192000"/>
+              <a:gd name="connsiteY3" fmla="*/ 3348643 h 3414000"/>
+              <a:gd name="connsiteX4" fmla="*/ 12096804 w 12192000"/>
+              <a:gd name="connsiteY4" fmla="*/ 3337419 h 3414000"/>
+              <a:gd name="connsiteX5" fmla="*/ 12001172 w 12192000"/>
+              <a:gd name="connsiteY5" fmla="*/ 3319906 h 3414000"/>
+              <a:gd name="connsiteX6" fmla="*/ 11929171 w 12192000"/>
+              <a:gd name="connsiteY6" fmla="*/ 3326226 h 3414000"/>
+              <a:gd name="connsiteX7" fmla="*/ 11820782 w 12192000"/>
+              <a:gd name="connsiteY7" fmla="*/ 3289139 h 3414000"/>
+              <a:gd name="connsiteX8" fmla="*/ 11760586 w 12192000"/>
+              <a:gd name="connsiteY8" fmla="*/ 3251827 h 3414000"/>
+              <a:gd name="connsiteX9" fmla="*/ 11653933 w 12192000"/>
+              <a:gd name="connsiteY9" fmla="*/ 3237073 h 3414000"/>
+              <a:gd name="connsiteX10" fmla="*/ 11577355 w 12192000"/>
+              <a:gd name="connsiteY10" fmla="*/ 3211512 h 3414000"/>
+              <a:gd name="connsiteX11" fmla="*/ 11462173 w 12192000"/>
+              <a:gd name="connsiteY11" fmla="*/ 3157413 h 3414000"/>
+              <a:gd name="connsiteX12" fmla="*/ 11336983 w 12192000"/>
+              <a:gd name="connsiteY12" fmla="*/ 3096805 h 3414000"/>
+              <a:gd name="connsiteX13" fmla="*/ 11200090 w 12192000"/>
+              <a:gd name="connsiteY13" fmla="*/ 3038291 h 3414000"/>
+              <a:gd name="connsiteX14" fmla="*/ 10939288 w 12192000"/>
+              <a:gd name="connsiteY14" fmla="*/ 2855023 h 3414000"/>
+              <a:gd name="connsiteX15" fmla="*/ 10744450 w 12192000"/>
+              <a:gd name="connsiteY15" fmla="*/ 2833410 h 3414000"/>
+              <a:gd name="connsiteX16" fmla="*/ 10343114 w 12192000"/>
+              <a:gd name="connsiteY16" fmla="*/ 2798726 h 3414000"/>
+              <a:gd name="connsiteX17" fmla="*/ 9724642 w 12192000"/>
+              <a:gd name="connsiteY17" fmla="*/ 2837965 h 3414000"/>
+              <a:gd name="connsiteX18" fmla="*/ 8039917 w 12192000"/>
+              <a:gd name="connsiteY18" fmla="*/ 2834055 h 3414000"/>
+              <a:gd name="connsiteX19" fmla="*/ 6923165 w 12192000"/>
+              <a:gd name="connsiteY19" fmla="*/ 2920979 h 3414000"/>
+              <a:gd name="connsiteX20" fmla="*/ 3308916 w 12192000"/>
+              <a:gd name="connsiteY20" fmla="*/ 3049911 h 3414000"/>
+              <a:gd name="connsiteX21" fmla="*/ 2279650 w 12192000"/>
+              <a:gd name="connsiteY21" fmla="*/ 3187700 h 3414000"/>
+              <a:gd name="connsiteX22" fmla="*/ 2046142 w 12192000"/>
+              <a:gd name="connsiteY22" fmla="*/ 3203263 h 3414000"/>
+              <a:gd name="connsiteX23" fmla="*/ 1835150 w 12192000"/>
+              <a:gd name="connsiteY23" fmla="*/ 3200400 h 3414000"/>
+              <a:gd name="connsiteX24" fmla="*/ 1560312 w 12192000"/>
+              <a:gd name="connsiteY24" fmla="*/ 3212173 h 3414000"/>
+              <a:gd name="connsiteX25" fmla="*/ 1304604 w 12192000"/>
+              <a:gd name="connsiteY25" fmla="*/ 3185587 h 3414000"/>
+              <a:gd name="connsiteX26" fmla="*/ 1160924 w 12192000"/>
+              <a:gd name="connsiteY26" fmla="*/ 3219675 h 3414000"/>
+              <a:gd name="connsiteX27" fmla="*/ 909691 w 12192000"/>
+              <a:gd name="connsiteY27" fmla="*/ 3216917 h 3414000"/>
+              <a:gd name="connsiteX28" fmla="*/ 764022 w 12192000"/>
+              <a:gd name="connsiteY28" fmla="*/ 3235844 h 3414000"/>
+              <a:gd name="connsiteX29" fmla="*/ 701916 w 12192000"/>
+              <a:gd name="connsiteY29" fmla="*/ 3250221 h 3414000"/>
+              <a:gd name="connsiteX30" fmla="*/ 408703 w 12192000"/>
+              <a:gd name="connsiteY30" fmla="*/ 3323459 h 3414000"/>
+              <a:gd name="connsiteX31" fmla="*/ 369867 w 12192000"/>
+              <a:gd name="connsiteY31" fmla="*/ 3339093 h 3414000"/>
+              <a:gd name="connsiteX32" fmla="*/ 318912 w 12192000"/>
+              <a:gd name="connsiteY32" fmla="*/ 3367911 h 3414000"/>
+              <a:gd name="connsiteX33" fmla="*/ 119549 w 12192000"/>
+              <a:gd name="connsiteY33" fmla="*/ 3404650 h 3414000"/>
+              <a:gd name="connsiteX34" fmla="*/ 0 w 12192000"/>
+              <a:gd name="connsiteY34" fmla="*/ 3414000 h 3414000"/>
+              <a:gd name="connsiteX35" fmla="*/ 0 w 12192000"/>
+              <a:gd name="connsiteY35" fmla="*/ 0 h 3414000"/>
+              <a:gd name="connsiteX0" fmla="*/ 0 w 12192000"/>
+              <a:gd name="connsiteY0" fmla="*/ 0 h 3414000"/>
+              <a:gd name="connsiteX1" fmla="*/ 12192000 w 12192000"/>
+              <a:gd name="connsiteY1" fmla="*/ 0 h 3414000"/>
+              <a:gd name="connsiteX2" fmla="*/ 12192000 w 12192000"/>
+              <a:gd name="connsiteY2" fmla="*/ 3363677 h 3414000"/>
+              <a:gd name="connsiteX3" fmla="*/ 12141171 w 12192000"/>
+              <a:gd name="connsiteY3" fmla="*/ 3348643 h 3414000"/>
+              <a:gd name="connsiteX4" fmla="*/ 12096804 w 12192000"/>
+              <a:gd name="connsiteY4" fmla="*/ 3337419 h 3414000"/>
+              <a:gd name="connsiteX5" fmla="*/ 12001172 w 12192000"/>
+              <a:gd name="connsiteY5" fmla="*/ 3319906 h 3414000"/>
+              <a:gd name="connsiteX6" fmla="*/ 11929171 w 12192000"/>
+              <a:gd name="connsiteY6" fmla="*/ 3326226 h 3414000"/>
+              <a:gd name="connsiteX7" fmla="*/ 11820782 w 12192000"/>
+              <a:gd name="connsiteY7" fmla="*/ 3289139 h 3414000"/>
+              <a:gd name="connsiteX8" fmla="*/ 11760586 w 12192000"/>
+              <a:gd name="connsiteY8" fmla="*/ 3251827 h 3414000"/>
+              <a:gd name="connsiteX9" fmla="*/ 11653933 w 12192000"/>
+              <a:gd name="connsiteY9" fmla="*/ 3237073 h 3414000"/>
+              <a:gd name="connsiteX10" fmla="*/ 11577355 w 12192000"/>
+              <a:gd name="connsiteY10" fmla="*/ 3211512 h 3414000"/>
+              <a:gd name="connsiteX11" fmla="*/ 11462173 w 12192000"/>
+              <a:gd name="connsiteY11" fmla="*/ 3157413 h 3414000"/>
+              <a:gd name="connsiteX12" fmla="*/ 11336983 w 12192000"/>
+              <a:gd name="connsiteY12" fmla="*/ 3096805 h 3414000"/>
+              <a:gd name="connsiteX13" fmla="*/ 11200090 w 12192000"/>
+              <a:gd name="connsiteY13" fmla="*/ 3038291 h 3414000"/>
+              <a:gd name="connsiteX14" fmla="*/ 10939288 w 12192000"/>
+              <a:gd name="connsiteY14" fmla="*/ 2855023 h 3414000"/>
+              <a:gd name="connsiteX15" fmla="*/ 10744450 w 12192000"/>
+              <a:gd name="connsiteY15" fmla="*/ 2833410 h 3414000"/>
+              <a:gd name="connsiteX16" fmla="*/ 10343114 w 12192000"/>
+              <a:gd name="connsiteY16" fmla="*/ 2798726 h 3414000"/>
+              <a:gd name="connsiteX17" fmla="*/ 9724642 w 12192000"/>
+              <a:gd name="connsiteY17" fmla="*/ 2837965 h 3414000"/>
+              <a:gd name="connsiteX18" fmla="*/ 8039917 w 12192000"/>
+              <a:gd name="connsiteY18" fmla="*/ 2834055 h 3414000"/>
+              <a:gd name="connsiteX19" fmla="*/ 6923165 w 12192000"/>
+              <a:gd name="connsiteY19" fmla="*/ 2920979 h 3414000"/>
+              <a:gd name="connsiteX20" fmla="*/ 3308916 w 12192000"/>
+              <a:gd name="connsiteY20" fmla="*/ 3049911 h 3414000"/>
+              <a:gd name="connsiteX21" fmla="*/ 2279650 w 12192000"/>
+              <a:gd name="connsiteY21" fmla="*/ 3187700 h 3414000"/>
+              <a:gd name="connsiteX22" fmla="*/ 2046142 w 12192000"/>
+              <a:gd name="connsiteY22" fmla="*/ 3203263 h 3414000"/>
+              <a:gd name="connsiteX23" fmla="*/ 1835150 w 12192000"/>
+              <a:gd name="connsiteY23" fmla="*/ 3200400 h 3414000"/>
+              <a:gd name="connsiteX24" fmla="*/ 1560312 w 12192000"/>
+              <a:gd name="connsiteY24" fmla="*/ 3212173 h 3414000"/>
+              <a:gd name="connsiteX25" fmla="*/ 1304604 w 12192000"/>
+              <a:gd name="connsiteY25" fmla="*/ 3185587 h 3414000"/>
+              <a:gd name="connsiteX26" fmla="*/ 1160924 w 12192000"/>
+              <a:gd name="connsiteY26" fmla="*/ 3219675 h 3414000"/>
+              <a:gd name="connsiteX27" fmla="*/ 909691 w 12192000"/>
+              <a:gd name="connsiteY27" fmla="*/ 3216917 h 3414000"/>
+              <a:gd name="connsiteX28" fmla="*/ 764022 w 12192000"/>
+              <a:gd name="connsiteY28" fmla="*/ 3235844 h 3414000"/>
+              <a:gd name="connsiteX29" fmla="*/ 701916 w 12192000"/>
+              <a:gd name="connsiteY29" fmla="*/ 3250221 h 3414000"/>
+              <a:gd name="connsiteX30" fmla="*/ 408703 w 12192000"/>
+              <a:gd name="connsiteY30" fmla="*/ 3323459 h 3414000"/>
+              <a:gd name="connsiteX31" fmla="*/ 369867 w 12192000"/>
+              <a:gd name="connsiteY31" fmla="*/ 3339093 h 3414000"/>
+              <a:gd name="connsiteX32" fmla="*/ 318912 w 12192000"/>
+              <a:gd name="connsiteY32" fmla="*/ 3367911 h 3414000"/>
+              <a:gd name="connsiteX33" fmla="*/ 119549 w 12192000"/>
+              <a:gd name="connsiteY33" fmla="*/ 3404650 h 3414000"/>
+              <a:gd name="connsiteX34" fmla="*/ 0 w 12192000"/>
+              <a:gd name="connsiteY34" fmla="*/ 3414000 h 3414000"/>
+              <a:gd name="connsiteX35" fmla="*/ 0 w 12192000"/>
+              <a:gd name="connsiteY35" fmla="*/ 0 h 3414000"/>
+              <a:gd name="connsiteX0" fmla="*/ 0 w 12192000"/>
+              <a:gd name="connsiteY0" fmla="*/ 0 h 3414000"/>
+              <a:gd name="connsiteX1" fmla="*/ 12192000 w 12192000"/>
+              <a:gd name="connsiteY1" fmla="*/ 0 h 3414000"/>
+              <a:gd name="connsiteX2" fmla="*/ 12192000 w 12192000"/>
+              <a:gd name="connsiteY2" fmla="*/ 3363677 h 3414000"/>
+              <a:gd name="connsiteX3" fmla="*/ 12141171 w 12192000"/>
+              <a:gd name="connsiteY3" fmla="*/ 3348643 h 3414000"/>
+              <a:gd name="connsiteX4" fmla="*/ 12096804 w 12192000"/>
+              <a:gd name="connsiteY4" fmla="*/ 3337419 h 3414000"/>
+              <a:gd name="connsiteX5" fmla="*/ 12001172 w 12192000"/>
+              <a:gd name="connsiteY5" fmla="*/ 3319906 h 3414000"/>
+              <a:gd name="connsiteX6" fmla="*/ 11929171 w 12192000"/>
+              <a:gd name="connsiteY6" fmla="*/ 3326226 h 3414000"/>
+              <a:gd name="connsiteX7" fmla="*/ 11820782 w 12192000"/>
+              <a:gd name="connsiteY7" fmla="*/ 3289139 h 3414000"/>
+              <a:gd name="connsiteX8" fmla="*/ 11760586 w 12192000"/>
+              <a:gd name="connsiteY8" fmla="*/ 3251827 h 3414000"/>
+              <a:gd name="connsiteX9" fmla="*/ 11653933 w 12192000"/>
+              <a:gd name="connsiteY9" fmla="*/ 3237073 h 3414000"/>
+              <a:gd name="connsiteX10" fmla="*/ 11577355 w 12192000"/>
+              <a:gd name="connsiteY10" fmla="*/ 3211512 h 3414000"/>
+              <a:gd name="connsiteX11" fmla="*/ 11462173 w 12192000"/>
+              <a:gd name="connsiteY11" fmla="*/ 3157413 h 3414000"/>
+              <a:gd name="connsiteX12" fmla="*/ 11336983 w 12192000"/>
+              <a:gd name="connsiteY12" fmla="*/ 3096805 h 3414000"/>
+              <a:gd name="connsiteX13" fmla="*/ 11200090 w 12192000"/>
+              <a:gd name="connsiteY13" fmla="*/ 3038291 h 3414000"/>
+              <a:gd name="connsiteX14" fmla="*/ 11059177 w 12192000"/>
+              <a:gd name="connsiteY14" fmla="*/ 2907018 h 3414000"/>
+              <a:gd name="connsiteX15" fmla="*/ 10939288 w 12192000"/>
+              <a:gd name="connsiteY15" fmla="*/ 2855023 h 3414000"/>
+              <a:gd name="connsiteX16" fmla="*/ 10744450 w 12192000"/>
+              <a:gd name="connsiteY16" fmla="*/ 2833410 h 3414000"/>
+              <a:gd name="connsiteX17" fmla="*/ 10343114 w 12192000"/>
+              <a:gd name="connsiteY17" fmla="*/ 2798726 h 3414000"/>
+              <a:gd name="connsiteX18" fmla="*/ 9724642 w 12192000"/>
+              <a:gd name="connsiteY18" fmla="*/ 2837965 h 3414000"/>
+              <a:gd name="connsiteX19" fmla="*/ 8039917 w 12192000"/>
+              <a:gd name="connsiteY19" fmla="*/ 2834055 h 3414000"/>
+              <a:gd name="connsiteX20" fmla="*/ 6923165 w 12192000"/>
+              <a:gd name="connsiteY20" fmla="*/ 2920979 h 3414000"/>
+              <a:gd name="connsiteX21" fmla="*/ 3308916 w 12192000"/>
+              <a:gd name="connsiteY21" fmla="*/ 3049911 h 3414000"/>
+              <a:gd name="connsiteX22" fmla="*/ 2279650 w 12192000"/>
+              <a:gd name="connsiteY22" fmla="*/ 3187700 h 3414000"/>
+              <a:gd name="connsiteX23" fmla="*/ 2046142 w 12192000"/>
+              <a:gd name="connsiteY23" fmla="*/ 3203263 h 3414000"/>
+              <a:gd name="connsiteX24" fmla="*/ 1835150 w 12192000"/>
+              <a:gd name="connsiteY24" fmla="*/ 3200400 h 3414000"/>
+              <a:gd name="connsiteX25" fmla="*/ 1560312 w 12192000"/>
+              <a:gd name="connsiteY25" fmla="*/ 3212173 h 3414000"/>
+              <a:gd name="connsiteX26" fmla="*/ 1304604 w 12192000"/>
+              <a:gd name="connsiteY26" fmla="*/ 3185587 h 3414000"/>
+              <a:gd name="connsiteX27" fmla="*/ 1160924 w 12192000"/>
+              <a:gd name="connsiteY27" fmla="*/ 3219675 h 3414000"/>
+              <a:gd name="connsiteX28" fmla="*/ 909691 w 12192000"/>
+              <a:gd name="connsiteY28" fmla="*/ 3216917 h 3414000"/>
+              <a:gd name="connsiteX29" fmla="*/ 764022 w 12192000"/>
+              <a:gd name="connsiteY29" fmla="*/ 3235844 h 3414000"/>
+              <a:gd name="connsiteX30" fmla="*/ 701916 w 12192000"/>
+              <a:gd name="connsiteY30" fmla="*/ 3250221 h 3414000"/>
+              <a:gd name="connsiteX31" fmla="*/ 408703 w 12192000"/>
+              <a:gd name="connsiteY31" fmla="*/ 3323459 h 3414000"/>
+              <a:gd name="connsiteX32" fmla="*/ 369867 w 12192000"/>
+              <a:gd name="connsiteY32" fmla="*/ 3339093 h 3414000"/>
+              <a:gd name="connsiteX33" fmla="*/ 318912 w 12192000"/>
+              <a:gd name="connsiteY33" fmla="*/ 3367911 h 3414000"/>
+              <a:gd name="connsiteX34" fmla="*/ 119549 w 12192000"/>
+              <a:gd name="connsiteY34" fmla="*/ 3404650 h 3414000"/>
+              <a:gd name="connsiteX35" fmla="*/ 0 w 12192000"/>
+              <a:gd name="connsiteY35" fmla="*/ 3414000 h 3414000"/>
+              <a:gd name="connsiteX36" fmla="*/ 0 w 12192000"/>
+              <a:gd name="connsiteY36" fmla="*/ 0 h 3414000"/>
+              <a:gd name="connsiteX0" fmla="*/ 0 w 12192000"/>
+              <a:gd name="connsiteY0" fmla="*/ 0 h 3414000"/>
+              <a:gd name="connsiteX1" fmla="*/ 12192000 w 12192000"/>
+              <a:gd name="connsiteY1" fmla="*/ 0 h 3414000"/>
+              <a:gd name="connsiteX2" fmla="*/ 12192000 w 12192000"/>
+              <a:gd name="connsiteY2" fmla="*/ 3363677 h 3414000"/>
+              <a:gd name="connsiteX3" fmla="*/ 12141171 w 12192000"/>
+              <a:gd name="connsiteY3" fmla="*/ 3348643 h 3414000"/>
+              <a:gd name="connsiteX4" fmla="*/ 12096804 w 12192000"/>
+              <a:gd name="connsiteY4" fmla="*/ 3337419 h 3414000"/>
+              <a:gd name="connsiteX5" fmla="*/ 12001172 w 12192000"/>
+              <a:gd name="connsiteY5" fmla="*/ 3319906 h 3414000"/>
+              <a:gd name="connsiteX6" fmla="*/ 11929171 w 12192000"/>
+              <a:gd name="connsiteY6" fmla="*/ 3326226 h 3414000"/>
+              <a:gd name="connsiteX7" fmla="*/ 11820782 w 12192000"/>
+              <a:gd name="connsiteY7" fmla="*/ 3289139 h 3414000"/>
+              <a:gd name="connsiteX8" fmla="*/ 11760586 w 12192000"/>
+              <a:gd name="connsiteY8" fmla="*/ 3251827 h 3414000"/>
+              <a:gd name="connsiteX9" fmla="*/ 11653933 w 12192000"/>
+              <a:gd name="connsiteY9" fmla="*/ 3237073 h 3414000"/>
+              <a:gd name="connsiteX10" fmla="*/ 11577355 w 12192000"/>
+              <a:gd name="connsiteY10" fmla="*/ 3211512 h 3414000"/>
+              <a:gd name="connsiteX11" fmla="*/ 11462173 w 12192000"/>
+              <a:gd name="connsiteY11" fmla="*/ 3157413 h 3414000"/>
+              <a:gd name="connsiteX12" fmla="*/ 11336983 w 12192000"/>
+              <a:gd name="connsiteY12" fmla="*/ 3096805 h 3414000"/>
+              <a:gd name="connsiteX13" fmla="*/ 11200090 w 12192000"/>
+              <a:gd name="connsiteY13" fmla="*/ 3038291 h 3414000"/>
+              <a:gd name="connsiteX14" fmla="*/ 11053220 w 12192000"/>
+              <a:gd name="connsiteY14" fmla="*/ 2918932 h 3414000"/>
+              <a:gd name="connsiteX15" fmla="*/ 10939288 w 12192000"/>
+              <a:gd name="connsiteY15" fmla="*/ 2855023 h 3414000"/>
+              <a:gd name="connsiteX16" fmla="*/ 10744450 w 12192000"/>
+              <a:gd name="connsiteY16" fmla="*/ 2833410 h 3414000"/>
+              <a:gd name="connsiteX17" fmla="*/ 10343114 w 12192000"/>
+              <a:gd name="connsiteY17" fmla="*/ 2798726 h 3414000"/>
+              <a:gd name="connsiteX18" fmla="*/ 9724642 w 12192000"/>
+              <a:gd name="connsiteY18" fmla="*/ 2837965 h 3414000"/>
+              <a:gd name="connsiteX19" fmla="*/ 8039917 w 12192000"/>
+              <a:gd name="connsiteY19" fmla="*/ 2834055 h 3414000"/>
+              <a:gd name="connsiteX20" fmla="*/ 6923165 w 12192000"/>
+              <a:gd name="connsiteY20" fmla="*/ 2920979 h 3414000"/>
+              <a:gd name="connsiteX21" fmla="*/ 3308916 w 12192000"/>
+              <a:gd name="connsiteY21" fmla="*/ 3049911 h 3414000"/>
+              <a:gd name="connsiteX22" fmla="*/ 2279650 w 12192000"/>
+              <a:gd name="connsiteY22" fmla="*/ 3187700 h 3414000"/>
+              <a:gd name="connsiteX23" fmla="*/ 2046142 w 12192000"/>
+              <a:gd name="connsiteY23" fmla="*/ 3203263 h 3414000"/>
+              <a:gd name="connsiteX24" fmla="*/ 1835150 w 12192000"/>
+              <a:gd name="connsiteY24" fmla="*/ 3200400 h 3414000"/>
+              <a:gd name="connsiteX25" fmla="*/ 1560312 w 12192000"/>
+              <a:gd name="connsiteY25" fmla="*/ 3212173 h 3414000"/>
+              <a:gd name="connsiteX26" fmla="*/ 1304604 w 12192000"/>
+              <a:gd name="connsiteY26" fmla="*/ 3185587 h 3414000"/>
+              <a:gd name="connsiteX27" fmla="*/ 1160924 w 12192000"/>
+              <a:gd name="connsiteY27" fmla="*/ 3219675 h 3414000"/>
+              <a:gd name="connsiteX28" fmla="*/ 909691 w 12192000"/>
+              <a:gd name="connsiteY28" fmla="*/ 3216917 h 3414000"/>
+              <a:gd name="connsiteX29" fmla="*/ 764022 w 12192000"/>
+              <a:gd name="connsiteY29" fmla="*/ 3235844 h 3414000"/>
+              <a:gd name="connsiteX30" fmla="*/ 701916 w 12192000"/>
+              <a:gd name="connsiteY30" fmla="*/ 3250221 h 3414000"/>
+              <a:gd name="connsiteX31" fmla="*/ 408703 w 12192000"/>
+              <a:gd name="connsiteY31" fmla="*/ 3323459 h 3414000"/>
+              <a:gd name="connsiteX32" fmla="*/ 369867 w 12192000"/>
+              <a:gd name="connsiteY32" fmla="*/ 3339093 h 3414000"/>
+              <a:gd name="connsiteX33" fmla="*/ 318912 w 12192000"/>
+              <a:gd name="connsiteY33" fmla="*/ 3367911 h 3414000"/>
+              <a:gd name="connsiteX34" fmla="*/ 119549 w 12192000"/>
+              <a:gd name="connsiteY34" fmla="*/ 3404650 h 3414000"/>
+              <a:gd name="connsiteX35" fmla="*/ 0 w 12192000"/>
+              <a:gd name="connsiteY35" fmla="*/ 3414000 h 3414000"/>
+              <a:gd name="connsiteX36" fmla="*/ 0 w 12192000"/>
+              <a:gd name="connsiteY36" fmla="*/ 0 h 3414000"/>
+              <a:gd name="connsiteX0" fmla="*/ 0 w 12192000"/>
+              <a:gd name="connsiteY0" fmla="*/ 0 h 3414000"/>
+              <a:gd name="connsiteX1" fmla="*/ 12192000 w 12192000"/>
+              <a:gd name="connsiteY1" fmla="*/ 0 h 3414000"/>
+              <a:gd name="connsiteX2" fmla="*/ 12192000 w 12192000"/>
+              <a:gd name="connsiteY2" fmla="*/ 3363677 h 3414000"/>
+              <a:gd name="connsiteX3" fmla="*/ 12141171 w 12192000"/>
+              <a:gd name="connsiteY3" fmla="*/ 3348643 h 3414000"/>
+              <a:gd name="connsiteX4" fmla="*/ 12096804 w 12192000"/>
+              <a:gd name="connsiteY4" fmla="*/ 3337419 h 3414000"/>
+              <a:gd name="connsiteX5" fmla="*/ 12001172 w 12192000"/>
+              <a:gd name="connsiteY5" fmla="*/ 3319906 h 3414000"/>
+              <a:gd name="connsiteX6" fmla="*/ 11929171 w 12192000"/>
+              <a:gd name="connsiteY6" fmla="*/ 3326226 h 3414000"/>
+              <a:gd name="connsiteX7" fmla="*/ 11820782 w 12192000"/>
+              <a:gd name="connsiteY7" fmla="*/ 3289139 h 3414000"/>
+              <a:gd name="connsiteX8" fmla="*/ 11760586 w 12192000"/>
+              <a:gd name="connsiteY8" fmla="*/ 3251827 h 3414000"/>
+              <a:gd name="connsiteX9" fmla="*/ 11653933 w 12192000"/>
+              <a:gd name="connsiteY9" fmla="*/ 3237073 h 3414000"/>
+              <a:gd name="connsiteX10" fmla="*/ 11577355 w 12192000"/>
+              <a:gd name="connsiteY10" fmla="*/ 3211512 h 3414000"/>
+              <a:gd name="connsiteX11" fmla="*/ 11462173 w 12192000"/>
+              <a:gd name="connsiteY11" fmla="*/ 3157413 h 3414000"/>
+              <a:gd name="connsiteX12" fmla="*/ 11336983 w 12192000"/>
+              <a:gd name="connsiteY12" fmla="*/ 3096805 h 3414000"/>
+              <a:gd name="connsiteX13" fmla="*/ 11200090 w 12192000"/>
+              <a:gd name="connsiteY13" fmla="*/ 3038291 h 3414000"/>
+              <a:gd name="connsiteX14" fmla="*/ 11053220 w 12192000"/>
+              <a:gd name="connsiteY14" fmla="*/ 2918932 h 3414000"/>
+              <a:gd name="connsiteX15" fmla="*/ 10939288 w 12192000"/>
+              <a:gd name="connsiteY15" fmla="*/ 2855023 h 3414000"/>
+              <a:gd name="connsiteX16" fmla="*/ 10744450 w 12192000"/>
+              <a:gd name="connsiteY16" fmla="*/ 2833410 h 3414000"/>
+              <a:gd name="connsiteX17" fmla="*/ 10343114 w 12192000"/>
+              <a:gd name="connsiteY17" fmla="*/ 2798726 h 3414000"/>
+              <a:gd name="connsiteX18" fmla="*/ 9724642 w 12192000"/>
+              <a:gd name="connsiteY18" fmla="*/ 2837965 h 3414000"/>
+              <a:gd name="connsiteX19" fmla="*/ 8039917 w 12192000"/>
+              <a:gd name="connsiteY19" fmla="*/ 2834055 h 3414000"/>
+              <a:gd name="connsiteX20" fmla="*/ 6923165 w 12192000"/>
+              <a:gd name="connsiteY20" fmla="*/ 2920979 h 3414000"/>
+              <a:gd name="connsiteX21" fmla="*/ 3308916 w 12192000"/>
+              <a:gd name="connsiteY21" fmla="*/ 3049911 h 3414000"/>
+              <a:gd name="connsiteX22" fmla="*/ 2279650 w 12192000"/>
+              <a:gd name="connsiteY22" fmla="*/ 3187700 h 3414000"/>
+              <a:gd name="connsiteX23" fmla="*/ 2046142 w 12192000"/>
+              <a:gd name="connsiteY23" fmla="*/ 3203263 h 3414000"/>
+              <a:gd name="connsiteX24" fmla="*/ 1835150 w 12192000"/>
+              <a:gd name="connsiteY24" fmla="*/ 3200400 h 3414000"/>
+              <a:gd name="connsiteX25" fmla="*/ 1560312 w 12192000"/>
+              <a:gd name="connsiteY25" fmla="*/ 3212173 h 3414000"/>
+              <a:gd name="connsiteX26" fmla="*/ 1304604 w 12192000"/>
+              <a:gd name="connsiteY26" fmla="*/ 3185587 h 3414000"/>
+              <a:gd name="connsiteX27" fmla="*/ 1160924 w 12192000"/>
+              <a:gd name="connsiteY27" fmla="*/ 3219675 h 3414000"/>
+              <a:gd name="connsiteX28" fmla="*/ 909691 w 12192000"/>
+              <a:gd name="connsiteY28" fmla="*/ 3216917 h 3414000"/>
+              <a:gd name="connsiteX29" fmla="*/ 764022 w 12192000"/>
+              <a:gd name="connsiteY29" fmla="*/ 3235844 h 3414000"/>
+              <a:gd name="connsiteX30" fmla="*/ 701916 w 12192000"/>
+              <a:gd name="connsiteY30" fmla="*/ 3250221 h 3414000"/>
+              <a:gd name="connsiteX31" fmla="*/ 408703 w 12192000"/>
+              <a:gd name="connsiteY31" fmla="*/ 3323459 h 3414000"/>
+              <a:gd name="connsiteX32" fmla="*/ 369867 w 12192000"/>
+              <a:gd name="connsiteY32" fmla="*/ 3339093 h 3414000"/>
+              <a:gd name="connsiteX33" fmla="*/ 318912 w 12192000"/>
+              <a:gd name="connsiteY33" fmla="*/ 3367911 h 3414000"/>
+              <a:gd name="connsiteX34" fmla="*/ 119549 w 12192000"/>
+              <a:gd name="connsiteY34" fmla="*/ 3404650 h 3414000"/>
+              <a:gd name="connsiteX35" fmla="*/ 0 w 12192000"/>
+              <a:gd name="connsiteY35" fmla="*/ 3414000 h 3414000"/>
+              <a:gd name="connsiteX36" fmla="*/ 0 w 12192000"/>
+              <a:gd name="connsiteY36" fmla="*/ 0 h 3414000"/>
+              <a:gd name="connsiteX0" fmla="*/ 0 w 12192000"/>
+              <a:gd name="connsiteY0" fmla="*/ 0 h 3414000"/>
+              <a:gd name="connsiteX1" fmla="*/ 12192000 w 12192000"/>
+              <a:gd name="connsiteY1" fmla="*/ 0 h 3414000"/>
+              <a:gd name="connsiteX2" fmla="*/ 12192000 w 12192000"/>
+              <a:gd name="connsiteY2" fmla="*/ 3363677 h 3414000"/>
+              <a:gd name="connsiteX3" fmla="*/ 12141171 w 12192000"/>
+              <a:gd name="connsiteY3" fmla="*/ 3348643 h 3414000"/>
+              <a:gd name="connsiteX4" fmla="*/ 12096804 w 12192000"/>
+              <a:gd name="connsiteY4" fmla="*/ 3337419 h 3414000"/>
+              <a:gd name="connsiteX5" fmla="*/ 12001172 w 12192000"/>
+              <a:gd name="connsiteY5" fmla="*/ 3319906 h 3414000"/>
+              <a:gd name="connsiteX6" fmla="*/ 11929171 w 12192000"/>
+              <a:gd name="connsiteY6" fmla="*/ 3326226 h 3414000"/>
+              <a:gd name="connsiteX7" fmla="*/ 11820782 w 12192000"/>
+              <a:gd name="connsiteY7" fmla="*/ 3289139 h 3414000"/>
+              <a:gd name="connsiteX8" fmla="*/ 11760586 w 12192000"/>
+              <a:gd name="connsiteY8" fmla="*/ 3251827 h 3414000"/>
+              <a:gd name="connsiteX9" fmla="*/ 11653933 w 12192000"/>
+              <a:gd name="connsiteY9" fmla="*/ 3237073 h 3414000"/>
+              <a:gd name="connsiteX10" fmla="*/ 11577355 w 12192000"/>
+              <a:gd name="connsiteY10" fmla="*/ 3211512 h 3414000"/>
+              <a:gd name="connsiteX11" fmla="*/ 11462173 w 12192000"/>
+              <a:gd name="connsiteY11" fmla="*/ 3157413 h 3414000"/>
+              <a:gd name="connsiteX12" fmla="*/ 11336983 w 12192000"/>
+              <a:gd name="connsiteY12" fmla="*/ 3096805 h 3414000"/>
+              <a:gd name="connsiteX13" fmla="*/ 11285543 w 12192000"/>
+              <a:gd name="connsiteY13" fmla="*/ 3085728 h 3414000"/>
+              <a:gd name="connsiteX14" fmla="*/ 11200090 w 12192000"/>
+              <a:gd name="connsiteY14" fmla="*/ 3038291 h 3414000"/>
+              <a:gd name="connsiteX15" fmla="*/ 11053220 w 12192000"/>
+              <a:gd name="connsiteY15" fmla="*/ 2918932 h 3414000"/>
+              <a:gd name="connsiteX16" fmla="*/ 10939288 w 12192000"/>
+              <a:gd name="connsiteY16" fmla="*/ 2855023 h 3414000"/>
+              <a:gd name="connsiteX17" fmla="*/ 10744450 w 12192000"/>
+              <a:gd name="connsiteY17" fmla="*/ 2833410 h 3414000"/>
+              <a:gd name="connsiteX18" fmla="*/ 10343114 w 12192000"/>
+              <a:gd name="connsiteY18" fmla="*/ 2798726 h 3414000"/>
+              <a:gd name="connsiteX19" fmla="*/ 9724642 w 12192000"/>
+              <a:gd name="connsiteY19" fmla="*/ 2837965 h 3414000"/>
+              <a:gd name="connsiteX20" fmla="*/ 8039917 w 12192000"/>
+              <a:gd name="connsiteY20" fmla="*/ 2834055 h 3414000"/>
+              <a:gd name="connsiteX21" fmla="*/ 6923165 w 12192000"/>
+              <a:gd name="connsiteY21" fmla="*/ 2920979 h 3414000"/>
+              <a:gd name="connsiteX22" fmla="*/ 3308916 w 12192000"/>
+              <a:gd name="connsiteY22" fmla="*/ 3049911 h 3414000"/>
+              <a:gd name="connsiteX23" fmla="*/ 2279650 w 12192000"/>
+              <a:gd name="connsiteY23" fmla="*/ 3187700 h 3414000"/>
+              <a:gd name="connsiteX24" fmla="*/ 2046142 w 12192000"/>
+              <a:gd name="connsiteY24" fmla="*/ 3203263 h 3414000"/>
+              <a:gd name="connsiteX25" fmla="*/ 1835150 w 12192000"/>
+              <a:gd name="connsiteY25" fmla="*/ 3200400 h 3414000"/>
+              <a:gd name="connsiteX26" fmla="*/ 1560312 w 12192000"/>
+              <a:gd name="connsiteY26" fmla="*/ 3212173 h 3414000"/>
+              <a:gd name="connsiteX27" fmla="*/ 1304604 w 12192000"/>
+              <a:gd name="connsiteY27" fmla="*/ 3185587 h 3414000"/>
+              <a:gd name="connsiteX28" fmla="*/ 1160924 w 12192000"/>
+              <a:gd name="connsiteY28" fmla="*/ 3219675 h 3414000"/>
+              <a:gd name="connsiteX29" fmla="*/ 909691 w 12192000"/>
+              <a:gd name="connsiteY29" fmla="*/ 3216917 h 3414000"/>
+              <a:gd name="connsiteX30" fmla="*/ 764022 w 12192000"/>
+              <a:gd name="connsiteY30" fmla="*/ 3235844 h 3414000"/>
+              <a:gd name="connsiteX31" fmla="*/ 701916 w 12192000"/>
+              <a:gd name="connsiteY31" fmla="*/ 3250221 h 3414000"/>
+              <a:gd name="connsiteX32" fmla="*/ 408703 w 12192000"/>
+              <a:gd name="connsiteY32" fmla="*/ 3323459 h 3414000"/>
+              <a:gd name="connsiteX33" fmla="*/ 369867 w 12192000"/>
+              <a:gd name="connsiteY33" fmla="*/ 3339093 h 3414000"/>
+              <a:gd name="connsiteX34" fmla="*/ 318912 w 12192000"/>
+              <a:gd name="connsiteY34" fmla="*/ 3367911 h 3414000"/>
+              <a:gd name="connsiteX35" fmla="*/ 119549 w 12192000"/>
+              <a:gd name="connsiteY35" fmla="*/ 3404650 h 3414000"/>
+              <a:gd name="connsiteX36" fmla="*/ 0 w 12192000"/>
+              <a:gd name="connsiteY36" fmla="*/ 3414000 h 3414000"/>
+              <a:gd name="connsiteX37" fmla="*/ 0 w 12192000"/>
+              <a:gd name="connsiteY37" fmla="*/ 0 h 3414000"/>
+              <a:gd name="connsiteX0" fmla="*/ 0 w 12192000"/>
+              <a:gd name="connsiteY0" fmla="*/ 0 h 3414000"/>
+              <a:gd name="connsiteX1" fmla="*/ 12192000 w 12192000"/>
+              <a:gd name="connsiteY1" fmla="*/ 0 h 3414000"/>
+              <a:gd name="connsiteX2" fmla="*/ 12192000 w 12192000"/>
+              <a:gd name="connsiteY2" fmla="*/ 3363677 h 3414000"/>
+              <a:gd name="connsiteX3" fmla="*/ 12141171 w 12192000"/>
+              <a:gd name="connsiteY3" fmla="*/ 3348643 h 3414000"/>
+              <a:gd name="connsiteX4" fmla="*/ 12096804 w 12192000"/>
+              <a:gd name="connsiteY4" fmla="*/ 3337419 h 3414000"/>
+              <a:gd name="connsiteX5" fmla="*/ 12001172 w 12192000"/>
+              <a:gd name="connsiteY5" fmla="*/ 3319906 h 3414000"/>
+              <a:gd name="connsiteX6" fmla="*/ 11929171 w 12192000"/>
+              <a:gd name="connsiteY6" fmla="*/ 3326226 h 3414000"/>
+              <a:gd name="connsiteX7" fmla="*/ 11820782 w 12192000"/>
+              <a:gd name="connsiteY7" fmla="*/ 3289139 h 3414000"/>
+              <a:gd name="connsiteX8" fmla="*/ 11760586 w 12192000"/>
+              <a:gd name="connsiteY8" fmla="*/ 3251827 h 3414000"/>
+              <a:gd name="connsiteX9" fmla="*/ 11653933 w 12192000"/>
+              <a:gd name="connsiteY9" fmla="*/ 3237073 h 3414000"/>
+              <a:gd name="connsiteX10" fmla="*/ 11577355 w 12192000"/>
+              <a:gd name="connsiteY10" fmla="*/ 3211512 h 3414000"/>
+              <a:gd name="connsiteX11" fmla="*/ 11462173 w 12192000"/>
+              <a:gd name="connsiteY11" fmla="*/ 3157413 h 3414000"/>
+              <a:gd name="connsiteX12" fmla="*/ 11336983 w 12192000"/>
+              <a:gd name="connsiteY12" fmla="*/ 3096805 h 3414000"/>
+              <a:gd name="connsiteX13" fmla="*/ 11255758 w 12192000"/>
+              <a:gd name="connsiteY13" fmla="*/ 3091685 h 3414000"/>
+              <a:gd name="connsiteX14" fmla="*/ 11200090 w 12192000"/>
+              <a:gd name="connsiteY14" fmla="*/ 3038291 h 3414000"/>
+              <a:gd name="connsiteX15" fmla="*/ 11053220 w 12192000"/>
+              <a:gd name="connsiteY15" fmla="*/ 2918932 h 3414000"/>
+              <a:gd name="connsiteX16" fmla="*/ 10939288 w 12192000"/>
+              <a:gd name="connsiteY16" fmla="*/ 2855023 h 3414000"/>
+              <a:gd name="connsiteX17" fmla="*/ 10744450 w 12192000"/>
+              <a:gd name="connsiteY17" fmla="*/ 2833410 h 3414000"/>
+              <a:gd name="connsiteX18" fmla="*/ 10343114 w 12192000"/>
+              <a:gd name="connsiteY18" fmla="*/ 2798726 h 3414000"/>
+              <a:gd name="connsiteX19" fmla="*/ 9724642 w 12192000"/>
+              <a:gd name="connsiteY19" fmla="*/ 2837965 h 3414000"/>
+              <a:gd name="connsiteX20" fmla="*/ 8039917 w 12192000"/>
+              <a:gd name="connsiteY20" fmla="*/ 2834055 h 3414000"/>
+              <a:gd name="connsiteX21" fmla="*/ 6923165 w 12192000"/>
+              <a:gd name="connsiteY21" fmla="*/ 2920979 h 3414000"/>
+              <a:gd name="connsiteX22" fmla="*/ 3308916 w 12192000"/>
+              <a:gd name="connsiteY22" fmla="*/ 3049911 h 3414000"/>
+              <a:gd name="connsiteX23" fmla="*/ 2279650 w 12192000"/>
+              <a:gd name="connsiteY23" fmla="*/ 3187700 h 3414000"/>
+              <a:gd name="connsiteX24" fmla="*/ 2046142 w 12192000"/>
+              <a:gd name="connsiteY24" fmla="*/ 3203263 h 3414000"/>
+              <a:gd name="connsiteX25" fmla="*/ 1835150 w 12192000"/>
+              <a:gd name="connsiteY25" fmla="*/ 3200400 h 3414000"/>
+              <a:gd name="connsiteX26" fmla="*/ 1560312 w 12192000"/>
+              <a:gd name="connsiteY26" fmla="*/ 3212173 h 3414000"/>
+              <a:gd name="connsiteX27" fmla="*/ 1304604 w 12192000"/>
+              <a:gd name="connsiteY27" fmla="*/ 3185587 h 3414000"/>
+              <a:gd name="connsiteX28" fmla="*/ 1160924 w 12192000"/>
+              <a:gd name="connsiteY28" fmla="*/ 3219675 h 3414000"/>
+              <a:gd name="connsiteX29" fmla="*/ 909691 w 12192000"/>
+              <a:gd name="connsiteY29" fmla="*/ 3216917 h 3414000"/>
+              <a:gd name="connsiteX30" fmla="*/ 764022 w 12192000"/>
+              <a:gd name="connsiteY30" fmla="*/ 3235844 h 3414000"/>
+              <a:gd name="connsiteX31" fmla="*/ 701916 w 12192000"/>
+              <a:gd name="connsiteY31" fmla="*/ 3250221 h 3414000"/>
+              <a:gd name="connsiteX32" fmla="*/ 408703 w 12192000"/>
+              <a:gd name="connsiteY32" fmla="*/ 3323459 h 3414000"/>
+              <a:gd name="connsiteX33" fmla="*/ 369867 w 12192000"/>
+              <a:gd name="connsiteY33" fmla="*/ 3339093 h 3414000"/>
+              <a:gd name="connsiteX34" fmla="*/ 318912 w 12192000"/>
+              <a:gd name="connsiteY34" fmla="*/ 3367911 h 3414000"/>
+              <a:gd name="connsiteX35" fmla="*/ 119549 w 12192000"/>
+              <a:gd name="connsiteY35" fmla="*/ 3404650 h 3414000"/>
+              <a:gd name="connsiteX36" fmla="*/ 0 w 12192000"/>
+              <a:gd name="connsiteY36" fmla="*/ 3414000 h 3414000"/>
+              <a:gd name="connsiteX37" fmla="*/ 0 w 12192000"/>
+              <a:gd name="connsiteY37" fmla="*/ 0 h 3414000"/>
+              <a:gd name="connsiteX0" fmla="*/ 0 w 12192000"/>
+              <a:gd name="connsiteY0" fmla="*/ 0 h 3414000"/>
+              <a:gd name="connsiteX1" fmla="*/ 12192000 w 12192000"/>
+              <a:gd name="connsiteY1" fmla="*/ 0 h 3414000"/>
+              <a:gd name="connsiteX2" fmla="*/ 12192000 w 12192000"/>
+              <a:gd name="connsiteY2" fmla="*/ 3363677 h 3414000"/>
+              <a:gd name="connsiteX3" fmla="*/ 12141171 w 12192000"/>
+              <a:gd name="connsiteY3" fmla="*/ 3348643 h 3414000"/>
+              <a:gd name="connsiteX4" fmla="*/ 12096804 w 12192000"/>
+              <a:gd name="connsiteY4" fmla="*/ 3337419 h 3414000"/>
+              <a:gd name="connsiteX5" fmla="*/ 12001172 w 12192000"/>
+              <a:gd name="connsiteY5" fmla="*/ 3319906 h 3414000"/>
+              <a:gd name="connsiteX6" fmla="*/ 11929171 w 12192000"/>
+              <a:gd name="connsiteY6" fmla="*/ 3326226 h 3414000"/>
+              <a:gd name="connsiteX7" fmla="*/ 11820782 w 12192000"/>
+              <a:gd name="connsiteY7" fmla="*/ 3289139 h 3414000"/>
+              <a:gd name="connsiteX8" fmla="*/ 11760586 w 12192000"/>
+              <a:gd name="connsiteY8" fmla="*/ 3251827 h 3414000"/>
+              <a:gd name="connsiteX9" fmla="*/ 11653933 w 12192000"/>
+              <a:gd name="connsiteY9" fmla="*/ 3237073 h 3414000"/>
+              <a:gd name="connsiteX10" fmla="*/ 11577355 w 12192000"/>
+              <a:gd name="connsiteY10" fmla="*/ 3211512 h 3414000"/>
+              <a:gd name="connsiteX11" fmla="*/ 11462173 w 12192000"/>
+              <a:gd name="connsiteY11" fmla="*/ 3157413 h 3414000"/>
+              <a:gd name="connsiteX12" fmla="*/ 11336983 w 12192000"/>
+              <a:gd name="connsiteY12" fmla="*/ 3096805 h 3414000"/>
+              <a:gd name="connsiteX13" fmla="*/ 11255758 w 12192000"/>
+              <a:gd name="connsiteY13" fmla="*/ 3091685 h 3414000"/>
+              <a:gd name="connsiteX14" fmla="*/ 11200090 w 12192000"/>
+              <a:gd name="connsiteY14" fmla="*/ 3038291 h 3414000"/>
+              <a:gd name="connsiteX15" fmla="*/ 11053220 w 12192000"/>
+              <a:gd name="connsiteY15" fmla="*/ 2918932 h 3414000"/>
+              <a:gd name="connsiteX16" fmla="*/ 10939288 w 12192000"/>
+              <a:gd name="connsiteY16" fmla="*/ 2855023 h 3414000"/>
+              <a:gd name="connsiteX17" fmla="*/ 10744450 w 12192000"/>
+              <a:gd name="connsiteY17" fmla="*/ 2833410 h 3414000"/>
+              <a:gd name="connsiteX18" fmla="*/ 10343114 w 12192000"/>
+              <a:gd name="connsiteY18" fmla="*/ 2798726 h 3414000"/>
+              <a:gd name="connsiteX19" fmla="*/ 10112013 w 12192000"/>
+              <a:gd name="connsiteY19" fmla="*/ 2847448 h 3414000"/>
+              <a:gd name="connsiteX20" fmla="*/ 9724642 w 12192000"/>
+              <a:gd name="connsiteY20" fmla="*/ 2837965 h 3414000"/>
+              <a:gd name="connsiteX21" fmla="*/ 8039917 w 12192000"/>
+              <a:gd name="connsiteY21" fmla="*/ 2834055 h 3414000"/>
+              <a:gd name="connsiteX22" fmla="*/ 6923165 w 12192000"/>
+              <a:gd name="connsiteY22" fmla="*/ 2920979 h 3414000"/>
+              <a:gd name="connsiteX23" fmla="*/ 3308916 w 12192000"/>
+              <a:gd name="connsiteY23" fmla="*/ 3049911 h 3414000"/>
+              <a:gd name="connsiteX24" fmla="*/ 2279650 w 12192000"/>
+              <a:gd name="connsiteY24" fmla="*/ 3187700 h 3414000"/>
+              <a:gd name="connsiteX25" fmla="*/ 2046142 w 12192000"/>
+              <a:gd name="connsiteY25" fmla="*/ 3203263 h 3414000"/>
+              <a:gd name="connsiteX26" fmla="*/ 1835150 w 12192000"/>
+              <a:gd name="connsiteY26" fmla="*/ 3200400 h 3414000"/>
+              <a:gd name="connsiteX27" fmla="*/ 1560312 w 12192000"/>
+              <a:gd name="connsiteY27" fmla="*/ 3212173 h 3414000"/>
+              <a:gd name="connsiteX28" fmla="*/ 1304604 w 12192000"/>
+              <a:gd name="connsiteY28" fmla="*/ 3185587 h 3414000"/>
+              <a:gd name="connsiteX29" fmla="*/ 1160924 w 12192000"/>
+              <a:gd name="connsiteY29" fmla="*/ 3219675 h 3414000"/>
+              <a:gd name="connsiteX30" fmla="*/ 909691 w 12192000"/>
+              <a:gd name="connsiteY30" fmla="*/ 3216917 h 3414000"/>
+              <a:gd name="connsiteX31" fmla="*/ 764022 w 12192000"/>
+              <a:gd name="connsiteY31" fmla="*/ 3235844 h 3414000"/>
+              <a:gd name="connsiteX32" fmla="*/ 701916 w 12192000"/>
+              <a:gd name="connsiteY32" fmla="*/ 3250221 h 3414000"/>
+              <a:gd name="connsiteX33" fmla="*/ 408703 w 12192000"/>
+              <a:gd name="connsiteY33" fmla="*/ 3323459 h 3414000"/>
+              <a:gd name="connsiteX34" fmla="*/ 369867 w 12192000"/>
+              <a:gd name="connsiteY34" fmla="*/ 3339093 h 3414000"/>
+              <a:gd name="connsiteX35" fmla="*/ 318912 w 12192000"/>
+              <a:gd name="connsiteY35" fmla="*/ 3367911 h 3414000"/>
+              <a:gd name="connsiteX36" fmla="*/ 119549 w 12192000"/>
+              <a:gd name="connsiteY36" fmla="*/ 3404650 h 3414000"/>
+              <a:gd name="connsiteX37" fmla="*/ 0 w 12192000"/>
+              <a:gd name="connsiteY37" fmla="*/ 3414000 h 3414000"/>
+              <a:gd name="connsiteX38" fmla="*/ 0 w 12192000"/>
+              <a:gd name="connsiteY38" fmla="*/ 0 h 3414000"/>
+              <a:gd name="connsiteX0" fmla="*/ 0 w 12192000"/>
+              <a:gd name="connsiteY0" fmla="*/ 0 h 3414000"/>
+              <a:gd name="connsiteX1" fmla="*/ 12192000 w 12192000"/>
+              <a:gd name="connsiteY1" fmla="*/ 0 h 3414000"/>
+              <a:gd name="connsiteX2" fmla="*/ 12192000 w 12192000"/>
+              <a:gd name="connsiteY2" fmla="*/ 3363677 h 3414000"/>
+              <a:gd name="connsiteX3" fmla="*/ 12141171 w 12192000"/>
+              <a:gd name="connsiteY3" fmla="*/ 3348643 h 3414000"/>
+              <a:gd name="connsiteX4" fmla="*/ 12096804 w 12192000"/>
+              <a:gd name="connsiteY4" fmla="*/ 3337419 h 3414000"/>
+              <a:gd name="connsiteX5" fmla="*/ 12001172 w 12192000"/>
+              <a:gd name="connsiteY5" fmla="*/ 3319906 h 3414000"/>
+              <a:gd name="connsiteX6" fmla="*/ 11929171 w 12192000"/>
+              <a:gd name="connsiteY6" fmla="*/ 3326226 h 3414000"/>
+              <a:gd name="connsiteX7" fmla="*/ 11820782 w 12192000"/>
+              <a:gd name="connsiteY7" fmla="*/ 3289139 h 3414000"/>
+              <a:gd name="connsiteX8" fmla="*/ 11760586 w 12192000"/>
+              <a:gd name="connsiteY8" fmla="*/ 3251827 h 3414000"/>
+              <a:gd name="connsiteX9" fmla="*/ 11653933 w 12192000"/>
+              <a:gd name="connsiteY9" fmla="*/ 3237073 h 3414000"/>
+              <a:gd name="connsiteX10" fmla="*/ 11577355 w 12192000"/>
+              <a:gd name="connsiteY10" fmla="*/ 3211512 h 3414000"/>
+              <a:gd name="connsiteX11" fmla="*/ 11462173 w 12192000"/>
+              <a:gd name="connsiteY11" fmla="*/ 3157413 h 3414000"/>
+              <a:gd name="connsiteX12" fmla="*/ 11336983 w 12192000"/>
+              <a:gd name="connsiteY12" fmla="*/ 3096805 h 3414000"/>
+              <a:gd name="connsiteX13" fmla="*/ 11255758 w 12192000"/>
+              <a:gd name="connsiteY13" fmla="*/ 3091685 h 3414000"/>
+              <a:gd name="connsiteX14" fmla="*/ 11200090 w 12192000"/>
+              <a:gd name="connsiteY14" fmla="*/ 3038291 h 3414000"/>
+              <a:gd name="connsiteX15" fmla="*/ 11053220 w 12192000"/>
+              <a:gd name="connsiteY15" fmla="*/ 2918932 h 3414000"/>
+              <a:gd name="connsiteX16" fmla="*/ 10939288 w 12192000"/>
+              <a:gd name="connsiteY16" fmla="*/ 2855023 h 3414000"/>
+              <a:gd name="connsiteX17" fmla="*/ 10744450 w 12192000"/>
+              <a:gd name="connsiteY17" fmla="*/ 2833410 h 3414000"/>
+              <a:gd name="connsiteX18" fmla="*/ 10343114 w 12192000"/>
+              <a:gd name="connsiteY18" fmla="*/ 2798726 h 3414000"/>
+              <a:gd name="connsiteX19" fmla="*/ 10094142 w 12192000"/>
+              <a:gd name="connsiteY19" fmla="*/ 2817663 h 3414000"/>
+              <a:gd name="connsiteX20" fmla="*/ 9724642 w 12192000"/>
+              <a:gd name="connsiteY20" fmla="*/ 2837965 h 3414000"/>
+              <a:gd name="connsiteX21" fmla="*/ 8039917 w 12192000"/>
+              <a:gd name="connsiteY21" fmla="*/ 2834055 h 3414000"/>
+              <a:gd name="connsiteX22" fmla="*/ 6923165 w 12192000"/>
+              <a:gd name="connsiteY22" fmla="*/ 2920979 h 3414000"/>
+              <a:gd name="connsiteX23" fmla="*/ 3308916 w 12192000"/>
+              <a:gd name="connsiteY23" fmla="*/ 3049911 h 3414000"/>
+              <a:gd name="connsiteX24" fmla="*/ 2279650 w 12192000"/>
+              <a:gd name="connsiteY24" fmla="*/ 3187700 h 3414000"/>
+              <a:gd name="connsiteX25" fmla="*/ 2046142 w 12192000"/>
+              <a:gd name="connsiteY25" fmla="*/ 3203263 h 3414000"/>
+              <a:gd name="connsiteX26" fmla="*/ 1835150 w 12192000"/>
+              <a:gd name="connsiteY26" fmla="*/ 3200400 h 3414000"/>
+              <a:gd name="connsiteX27" fmla="*/ 1560312 w 12192000"/>
+              <a:gd name="connsiteY27" fmla="*/ 3212173 h 3414000"/>
+              <a:gd name="connsiteX28" fmla="*/ 1304604 w 12192000"/>
+              <a:gd name="connsiteY28" fmla="*/ 3185587 h 3414000"/>
+              <a:gd name="connsiteX29" fmla="*/ 1160924 w 12192000"/>
+              <a:gd name="connsiteY29" fmla="*/ 3219675 h 3414000"/>
+              <a:gd name="connsiteX30" fmla="*/ 909691 w 12192000"/>
+              <a:gd name="connsiteY30" fmla="*/ 3216917 h 3414000"/>
+              <a:gd name="connsiteX31" fmla="*/ 764022 w 12192000"/>
+              <a:gd name="connsiteY31" fmla="*/ 3235844 h 3414000"/>
+              <a:gd name="connsiteX32" fmla="*/ 701916 w 12192000"/>
+              <a:gd name="connsiteY32" fmla="*/ 3250221 h 3414000"/>
+              <a:gd name="connsiteX33" fmla="*/ 408703 w 12192000"/>
+              <a:gd name="connsiteY33" fmla="*/ 3323459 h 3414000"/>
+              <a:gd name="connsiteX34" fmla="*/ 369867 w 12192000"/>
+              <a:gd name="connsiteY34" fmla="*/ 3339093 h 3414000"/>
+              <a:gd name="connsiteX35" fmla="*/ 318912 w 12192000"/>
+              <a:gd name="connsiteY35" fmla="*/ 3367911 h 3414000"/>
+              <a:gd name="connsiteX36" fmla="*/ 119549 w 12192000"/>
+              <a:gd name="connsiteY36" fmla="*/ 3404650 h 3414000"/>
+              <a:gd name="connsiteX37" fmla="*/ 0 w 12192000"/>
+              <a:gd name="connsiteY37" fmla="*/ 3414000 h 3414000"/>
+              <a:gd name="connsiteX38" fmla="*/ 0 w 12192000"/>
+              <a:gd name="connsiteY38" fmla="*/ 0 h 3414000"/>
+              <a:gd name="connsiteX0" fmla="*/ 0 w 12192000"/>
+              <a:gd name="connsiteY0" fmla="*/ 0 h 3414000"/>
+              <a:gd name="connsiteX1" fmla="*/ 12192000 w 12192000"/>
+              <a:gd name="connsiteY1" fmla="*/ 0 h 3414000"/>
+              <a:gd name="connsiteX2" fmla="*/ 12192000 w 12192000"/>
+              <a:gd name="connsiteY2" fmla="*/ 3363677 h 3414000"/>
+              <a:gd name="connsiteX3" fmla="*/ 12141171 w 12192000"/>
+              <a:gd name="connsiteY3" fmla="*/ 3348643 h 3414000"/>
+              <a:gd name="connsiteX4" fmla="*/ 12096804 w 12192000"/>
+              <a:gd name="connsiteY4" fmla="*/ 3337419 h 3414000"/>
+              <a:gd name="connsiteX5" fmla="*/ 12001172 w 12192000"/>
+              <a:gd name="connsiteY5" fmla="*/ 3319906 h 3414000"/>
+              <a:gd name="connsiteX6" fmla="*/ 11929171 w 12192000"/>
+              <a:gd name="connsiteY6" fmla="*/ 3326226 h 3414000"/>
+              <a:gd name="connsiteX7" fmla="*/ 11820782 w 12192000"/>
+              <a:gd name="connsiteY7" fmla="*/ 3289139 h 3414000"/>
+              <a:gd name="connsiteX8" fmla="*/ 11760586 w 12192000"/>
+              <a:gd name="connsiteY8" fmla="*/ 3251827 h 3414000"/>
+              <a:gd name="connsiteX9" fmla="*/ 11653933 w 12192000"/>
+              <a:gd name="connsiteY9" fmla="*/ 3237073 h 3414000"/>
+              <a:gd name="connsiteX10" fmla="*/ 11577355 w 12192000"/>
+              <a:gd name="connsiteY10" fmla="*/ 3211512 h 3414000"/>
+              <a:gd name="connsiteX11" fmla="*/ 11462173 w 12192000"/>
+              <a:gd name="connsiteY11" fmla="*/ 3157413 h 3414000"/>
+              <a:gd name="connsiteX12" fmla="*/ 11336983 w 12192000"/>
+              <a:gd name="connsiteY12" fmla="*/ 3096805 h 3414000"/>
+              <a:gd name="connsiteX13" fmla="*/ 11255758 w 12192000"/>
+              <a:gd name="connsiteY13" fmla="*/ 3091685 h 3414000"/>
+              <a:gd name="connsiteX14" fmla="*/ 11200090 w 12192000"/>
+              <a:gd name="connsiteY14" fmla="*/ 3038291 h 3414000"/>
+              <a:gd name="connsiteX15" fmla="*/ 11053220 w 12192000"/>
+              <a:gd name="connsiteY15" fmla="*/ 2918932 h 3414000"/>
+              <a:gd name="connsiteX16" fmla="*/ 10939288 w 12192000"/>
+              <a:gd name="connsiteY16" fmla="*/ 2855023 h 3414000"/>
+              <a:gd name="connsiteX17" fmla="*/ 10744450 w 12192000"/>
+              <a:gd name="connsiteY17" fmla="*/ 2833410 h 3414000"/>
+              <a:gd name="connsiteX18" fmla="*/ 10343114 w 12192000"/>
+              <a:gd name="connsiteY18" fmla="*/ 2798726 h 3414000"/>
+              <a:gd name="connsiteX19" fmla="*/ 10094142 w 12192000"/>
+              <a:gd name="connsiteY19" fmla="*/ 2817663 h 3414000"/>
+              <a:gd name="connsiteX20" fmla="*/ 9724642 w 12192000"/>
+              <a:gd name="connsiteY20" fmla="*/ 2837965 h 3414000"/>
+              <a:gd name="connsiteX21" fmla="*/ 8039917 w 12192000"/>
+              <a:gd name="connsiteY21" fmla="*/ 2834055 h 3414000"/>
+              <a:gd name="connsiteX22" fmla="*/ 6923165 w 12192000"/>
+              <a:gd name="connsiteY22" fmla="*/ 2920979 h 3414000"/>
+              <a:gd name="connsiteX23" fmla="*/ 3308916 w 12192000"/>
+              <a:gd name="connsiteY23" fmla="*/ 3049911 h 3414000"/>
+              <a:gd name="connsiteX24" fmla="*/ 2279650 w 12192000"/>
+              <a:gd name="connsiteY24" fmla="*/ 3187700 h 3414000"/>
+              <a:gd name="connsiteX25" fmla="*/ 2046142 w 12192000"/>
+              <a:gd name="connsiteY25" fmla="*/ 3203263 h 3414000"/>
+              <a:gd name="connsiteX26" fmla="*/ 1835150 w 12192000"/>
+              <a:gd name="connsiteY26" fmla="*/ 3200400 h 3414000"/>
+              <a:gd name="connsiteX27" fmla="*/ 1560312 w 12192000"/>
+              <a:gd name="connsiteY27" fmla="*/ 3212173 h 3414000"/>
+              <a:gd name="connsiteX28" fmla="*/ 1304604 w 12192000"/>
+              <a:gd name="connsiteY28" fmla="*/ 3185587 h 3414000"/>
+              <a:gd name="connsiteX29" fmla="*/ 1160924 w 12192000"/>
+              <a:gd name="connsiteY29" fmla="*/ 3219675 h 3414000"/>
+              <a:gd name="connsiteX30" fmla="*/ 909691 w 12192000"/>
+              <a:gd name="connsiteY30" fmla="*/ 3216917 h 3414000"/>
+              <a:gd name="connsiteX31" fmla="*/ 764022 w 12192000"/>
+              <a:gd name="connsiteY31" fmla="*/ 3235844 h 3414000"/>
+              <a:gd name="connsiteX32" fmla="*/ 701916 w 12192000"/>
+              <a:gd name="connsiteY32" fmla="*/ 3250221 h 3414000"/>
+              <a:gd name="connsiteX33" fmla="*/ 408703 w 12192000"/>
+              <a:gd name="connsiteY33" fmla="*/ 3323459 h 3414000"/>
+              <a:gd name="connsiteX34" fmla="*/ 369867 w 12192000"/>
+              <a:gd name="connsiteY34" fmla="*/ 3339093 h 3414000"/>
+              <a:gd name="connsiteX35" fmla="*/ 318912 w 12192000"/>
+              <a:gd name="connsiteY35" fmla="*/ 3367911 h 3414000"/>
+              <a:gd name="connsiteX36" fmla="*/ 119549 w 12192000"/>
+              <a:gd name="connsiteY36" fmla="*/ 3404650 h 3414000"/>
+              <a:gd name="connsiteX37" fmla="*/ 0 w 12192000"/>
+              <a:gd name="connsiteY37" fmla="*/ 3414000 h 3414000"/>
+              <a:gd name="connsiteX38" fmla="*/ 0 w 12192000"/>
+              <a:gd name="connsiteY38" fmla="*/ 0 h 3414000"/>
+              <a:gd name="connsiteX0" fmla="*/ 0 w 12192000"/>
+              <a:gd name="connsiteY0" fmla="*/ 0 h 3414000"/>
+              <a:gd name="connsiteX1" fmla="*/ 12192000 w 12192000"/>
+              <a:gd name="connsiteY1" fmla="*/ 0 h 3414000"/>
+              <a:gd name="connsiteX2" fmla="*/ 12192000 w 12192000"/>
+              <a:gd name="connsiteY2" fmla="*/ 3363677 h 3414000"/>
+              <a:gd name="connsiteX3" fmla="*/ 12141171 w 12192000"/>
+              <a:gd name="connsiteY3" fmla="*/ 3348643 h 3414000"/>
+              <a:gd name="connsiteX4" fmla="*/ 12096804 w 12192000"/>
+              <a:gd name="connsiteY4" fmla="*/ 3337419 h 3414000"/>
+              <a:gd name="connsiteX5" fmla="*/ 12001172 w 12192000"/>
+              <a:gd name="connsiteY5" fmla="*/ 3319906 h 3414000"/>
+              <a:gd name="connsiteX6" fmla="*/ 11929171 w 12192000"/>
+              <a:gd name="connsiteY6" fmla="*/ 3326226 h 3414000"/>
+              <a:gd name="connsiteX7" fmla="*/ 11820782 w 12192000"/>
+              <a:gd name="connsiteY7" fmla="*/ 3289139 h 3414000"/>
+              <a:gd name="connsiteX8" fmla="*/ 11760586 w 12192000"/>
+              <a:gd name="connsiteY8" fmla="*/ 3251827 h 3414000"/>
+              <a:gd name="connsiteX9" fmla="*/ 11653933 w 12192000"/>
+              <a:gd name="connsiteY9" fmla="*/ 3237073 h 3414000"/>
+              <a:gd name="connsiteX10" fmla="*/ 11577355 w 12192000"/>
+              <a:gd name="connsiteY10" fmla="*/ 3211512 h 3414000"/>
+              <a:gd name="connsiteX11" fmla="*/ 11462173 w 12192000"/>
+              <a:gd name="connsiteY11" fmla="*/ 3157413 h 3414000"/>
+              <a:gd name="connsiteX12" fmla="*/ 11336983 w 12192000"/>
+              <a:gd name="connsiteY12" fmla="*/ 3096805 h 3414000"/>
+              <a:gd name="connsiteX13" fmla="*/ 11255758 w 12192000"/>
+              <a:gd name="connsiteY13" fmla="*/ 3091685 h 3414000"/>
+              <a:gd name="connsiteX14" fmla="*/ 11200090 w 12192000"/>
+              <a:gd name="connsiteY14" fmla="*/ 3038291 h 3414000"/>
+              <a:gd name="connsiteX15" fmla="*/ 11053220 w 12192000"/>
+              <a:gd name="connsiteY15" fmla="*/ 2918932 h 3414000"/>
+              <a:gd name="connsiteX16" fmla="*/ 10939288 w 12192000"/>
+              <a:gd name="connsiteY16" fmla="*/ 2855023 h 3414000"/>
+              <a:gd name="connsiteX17" fmla="*/ 10744450 w 12192000"/>
+              <a:gd name="connsiteY17" fmla="*/ 2833410 h 3414000"/>
+              <a:gd name="connsiteX18" fmla="*/ 10343114 w 12192000"/>
+              <a:gd name="connsiteY18" fmla="*/ 2798726 h 3414000"/>
+              <a:gd name="connsiteX19" fmla="*/ 10082228 w 12192000"/>
+              <a:gd name="connsiteY19" fmla="*/ 2811706 h 3414000"/>
+              <a:gd name="connsiteX20" fmla="*/ 9724642 w 12192000"/>
+              <a:gd name="connsiteY20" fmla="*/ 2837965 h 3414000"/>
+              <a:gd name="connsiteX21" fmla="*/ 8039917 w 12192000"/>
+              <a:gd name="connsiteY21" fmla="*/ 2834055 h 3414000"/>
+              <a:gd name="connsiteX22" fmla="*/ 6923165 w 12192000"/>
+              <a:gd name="connsiteY22" fmla="*/ 2920979 h 3414000"/>
+              <a:gd name="connsiteX23" fmla="*/ 3308916 w 12192000"/>
+              <a:gd name="connsiteY23" fmla="*/ 3049911 h 3414000"/>
+              <a:gd name="connsiteX24" fmla="*/ 2279650 w 12192000"/>
+              <a:gd name="connsiteY24" fmla="*/ 3187700 h 3414000"/>
+              <a:gd name="connsiteX25" fmla="*/ 2046142 w 12192000"/>
+              <a:gd name="connsiteY25" fmla="*/ 3203263 h 3414000"/>
+              <a:gd name="connsiteX26" fmla="*/ 1835150 w 12192000"/>
+              <a:gd name="connsiteY26" fmla="*/ 3200400 h 3414000"/>
+              <a:gd name="connsiteX27" fmla="*/ 1560312 w 12192000"/>
+              <a:gd name="connsiteY27" fmla="*/ 3212173 h 3414000"/>
+              <a:gd name="connsiteX28" fmla="*/ 1304604 w 12192000"/>
+              <a:gd name="connsiteY28" fmla="*/ 3185587 h 3414000"/>
+              <a:gd name="connsiteX29" fmla="*/ 1160924 w 12192000"/>
+              <a:gd name="connsiteY29" fmla="*/ 3219675 h 3414000"/>
+              <a:gd name="connsiteX30" fmla="*/ 909691 w 12192000"/>
+              <a:gd name="connsiteY30" fmla="*/ 3216917 h 3414000"/>
+              <a:gd name="connsiteX31" fmla="*/ 764022 w 12192000"/>
+              <a:gd name="connsiteY31" fmla="*/ 3235844 h 3414000"/>
+              <a:gd name="connsiteX32" fmla="*/ 701916 w 12192000"/>
+              <a:gd name="connsiteY32" fmla="*/ 3250221 h 3414000"/>
+              <a:gd name="connsiteX33" fmla="*/ 408703 w 12192000"/>
+              <a:gd name="connsiteY33" fmla="*/ 3323459 h 3414000"/>
+              <a:gd name="connsiteX34" fmla="*/ 369867 w 12192000"/>
+              <a:gd name="connsiteY34" fmla="*/ 3339093 h 3414000"/>
+              <a:gd name="connsiteX35" fmla="*/ 318912 w 12192000"/>
+              <a:gd name="connsiteY35" fmla="*/ 3367911 h 3414000"/>
+              <a:gd name="connsiteX36" fmla="*/ 119549 w 12192000"/>
+              <a:gd name="connsiteY36" fmla="*/ 3404650 h 3414000"/>
+              <a:gd name="connsiteX37" fmla="*/ 0 w 12192000"/>
+              <a:gd name="connsiteY37" fmla="*/ 3414000 h 3414000"/>
+              <a:gd name="connsiteX38" fmla="*/ 0 w 12192000"/>
+              <a:gd name="connsiteY38" fmla="*/ 0 h 3414000"/>
+              <a:gd name="connsiteX0" fmla="*/ 0 w 12192000"/>
+              <a:gd name="connsiteY0" fmla="*/ 0 h 3414000"/>
+              <a:gd name="connsiteX1" fmla="*/ 12192000 w 12192000"/>
+              <a:gd name="connsiteY1" fmla="*/ 0 h 3414000"/>
+              <a:gd name="connsiteX2" fmla="*/ 12192000 w 12192000"/>
+              <a:gd name="connsiteY2" fmla="*/ 3363677 h 3414000"/>
+              <a:gd name="connsiteX3" fmla="*/ 12141171 w 12192000"/>
+              <a:gd name="connsiteY3" fmla="*/ 3348643 h 3414000"/>
+              <a:gd name="connsiteX4" fmla="*/ 12096804 w 12192000"/>
+              <a:gd name="connsiteY4" fmla="*/ 3337419 h 3414000"/>
+              <a:gd name="connsiteX5" fmla="*/ 12001172 w 12192000"/>
+              <a:gd name="connsiteY5" fmla="*/ 3319906 h 3414000"/>
+              <a:gd name="connsiteX6" fmla="*/ 11929171 w 12192000"/>
+              <a:gd name="connsiteY6" fmla="*/ 3326226 h 3414000"/>
+              <a:gd name="connsiteX7" fmla="*/ 11820782 w 12192000"/>
+              <a:gd name="connsiteY7" fmla="*/ 3289139 h 3414000"/>
+              <a:gd name="connsiteX8" fmla="*/ 11760586 w 12192000"/>
+              <a:gd name="connsiteY8" fmla="*/ 3251827 h 3414000"/>
+              <a:gd name="connsiteX9" fmla="*/ 11653933 w 12192000"/>
+              <a:gd name="connsiteY9" fmla="*/ 3237073 h 3414000"/>
+              <a:gd name="connsiteX10" fmla="*/ 11577355 w 12192000"/>
+              <a:gd name="connsiteY10" fmla="*/ 3211512 h 3414000"/>
+              <a:gd name="connsiteX11" fmla="*/ 11462173 w 12192000"/>
+              <a:gd name="connsiteY11" fmla="*/ 3157413 h 3414000"/>
+              <a:gd name="connsiteX12" fmla="*/ 11336983 w 12192000"/>
+              <a:gd name="connsiteY12" fmla="*/ 3096805 h 3414000"/>
+              <a:gd name="connsiteX13" fmla="*/ 11255758 w 12192000"/>
+              <a:gd name="connsiteY13" fmla="*/ 3091685 h 3414000"/>
+              <a:gd name="connsiteX14" fmla="*/ 11200090 w 12192000"/>
+              <a:gd name="connsiteY14" fmla="*/ 3038291 h 3414000"/>
+              <a:gd name="connsiteX15" fmla="*/ 11053220 w 12192000"/>
+              <a:gd name="connsiteY15" fmla="*/ 2918932 h 3414000"/>
+              <a:gd name="connsiteX16" fmla="*/ 10939288 w 12192000"/>
+              <a:gd name="connsiteY16" fmla="*/ 2855023 h 3414000"/>
+              <a:gd name="connsiteX17" fmla="*/ 10744450 w 12192000"/>
+              <a:gd name="connsiteY17" fmla="*/ 2833410 h 3414000"/>
+              <a:gd name="connsiteX18" fmla="*/ 10343114 w 12192000"/>
+              <a:gd name="connsiteY18" fmla="*/ 2798726 h 3414000"/>
+              <a:gd name="connsiteX19" fmla="*/ 10082228 w 12192000"/>
+              <a:gd name="connsiteY19" fmla="*/ 2811706 h 3414000"/>
+              <a:gd name="connsiteX20" fmla="*/ 9724642 w 12192000"/>
+              <a:gd name="connsiteY20" fmla="*/ 2837965 h 3414000"/>
+              <a:gd name="connsiteX21" fmla="*/ 8039917 w 12192000"/>
+              <a:gd name="connsiteY21" fmla="*/ 2834055 h 3414000"/>
+              <a:gd name="connsiteX22" fmla="*/ 6923165 w 12192000"/>
+              <a:gd name="connsiteY22" fmla="*/ 2920979 h 3414000"/>
+              <a:gd name="connsiteX23" fmla="*/ 3308916 w 12192000"/>
+              <a:gd name="connsiteY23" fmla="*/ 3049911 h 3414000"/>
+              <a:gd name="connsiteX24" fmla="*/ 2279650 w 12192000"/>
+              <a:gd name="connsiteY24" fmla="*/ 3187700 h 3414000"/>
+              <a:gd name="connsiteX25" fmla="*/ 2046142 w 12192000"/>
+              <a:gd name="connsiteY25" fmla="*/ 3203263 h 3414000"/>
+              <a:gd name="connsiteX26" fmla="*/ 1835150 w 12192000"/>
+              <a:gd name="connsiteY26" fmla="*/ 3200400 h 3414000"/>
+              <a:gd name="connsiteX27" fmla="*/ 1560312 w 12192000"/>
+              <a:gd name="connsiteY27" fmla="*/ 3212173 h 3414000"/>
+              <a:gd name="connsiteX28" fmla="*/ 1304604 w 12192000"/>
+              <a:gd name="connsiteY28" fmla="*/ 3185587 h 3414000"/>
+              <a:gd name="connsiteX29" fmla="*/ 1160924 w 12192000"/>
+              <a:gd name="connsiteY29" fmla="*/ 3219675 h 3414000"/>
+              <a:gd name="connsiteX30" fmla="*/ 909691 w 12192000"/>
+              <a:gd name="connsiteY30" fmla="*/ 3216917 h 3414000"/>
+              <a:gd name="connsiteX31" fmla="*/ 764022 w 12192000"/>
+              <a:gd name="connsiteY31" fmla="*/ 3235844 h 3414000"/>
+              <a:gd name="connsiteX32" fmla="*/ 701916 w 12192000"/>
+              <a:gd name="connsiteY32" fmla="*/ 3250221 h 3414000"/>
+              <a:gd name="connsiteX33" fmla="*/ 408703 w 12192000"/>
+              <a:gd name="connsiteY33" fmla="*/ 3323459 h 3414000"/>
+              <a:gd name="connsiteX34" fmla="*/ 369867 w 12192000"/>
+              <a:gd name="connsiteY34" fmla="*/ 3339093 h 3414000"/>
+              <a:gd name="connsiteX35" fmla="*/ 318912 w 12192000"/>
+              <a:gd name="connsiteY35" fmla="*/ 3367911 h 3414000"/>
+              <a:gd name="connsiteX36" fmla="*/ 119549 w 12192000"/>
+              <a:gd name="connsiteY36" fmla="*/ 3404650 h 3414000"/>
+              <a:gd name="connsiteX37" fmla="*/ 0 w 12192000"/>
+              <a:gd name="connsiteY37" fmla="*/ 3414000 h 3414000"/>
+              <a:gd name="connsiteX38" fmla="*/ 0 w 12192000"/>
+              <a:gd name="connsiteY38" fmla="*/ 0 h 3414000"/>
+              <a:gd name="connsiteX0" fmla="*/ 0 w 12192000"/>
+              <a:gd name="connsiteY0" fmla="*/ 0 h 3414000"/>
+              <a:gd name="connsiteX1" fmla="*/ 12192000 w 12192000"/>
+              <a:gd name="connsiteY1" fmla="*/ 0 h 3414000"/>
+              <a:gd name="connsiteX2" fmla="*/ 12192000 w 12192000"/>
+              <a:gd name="connsiteY2" fmla="*/ 3363677 h 3414000"/>
+              <a:gd name="connsiteX3" fmla="*/ 12141171 w 12192000"/>
+              <a:gd name="connsiteY3" fmla="*/ 3348643 h 3414000"/>
+              <a:gd name="connsiteX4" fmla="*/ 12096804 w 12192000"/>
+              <a:gd name="connsiteY4" fmla="*/ 3337419 h 3414000"/>
+              <a:gd name="connsiteX5" fmla="*/ 12001172 w 12192000"/>
+              <a:gd name="connsiteY5" fmla="*/ 3319906 h 3414000"/>
+              <a:gd name="connsiteX6" fmla="*/ 11929171 w 12192000"/>
+              <a:gd name="connsiteY6" fmla="*/ 3326226 h 3414000"/>
+              <a:gd name="connsiteX7" fmla="*/ 11820782 w 12192000"/>
+              <a:gd name="connsiteY7" fmla="*/ 3289139 h 3414000"/>
+              <a:gd name="connsiteX8" fmla="*/ 11760586 w 12192000"/>
+              <a:gd name="connsiteY8" fmla="*/ 3251827 h 3414000"/>
+              <a:gd name="connsiteX9" fmla="*/ 11653933 w 12192000"/>
+              <a:gd name="connsiteY9" fmla="*/ 3237073 h 3414000"/>
+              <a:gd name="connsiteX10" fmla="*/ 11577355 w 12192000"/>
+              <a:gd name="connsiteY10" fmla="*/ 3211512 h 3414000"/>
+              <a:gd name="connsiteX11" fmla="*/ 11462173 w 12192000"/>
+              <a:gd name="connsiteY11" fmla="*/ 3157413 h 3414000"/>
+              <a:gd name="connsiteX12" fmla="*/ 11336983 w 12192000"/>
+              <a:gd name="connsiteY12" fmla="*/ 3096805 h 3414000"/>
+              <a:gd name="connsiteX13" fmla="*/ 11255758 w 12192000"/>
+              <a:gd name="connsiteY13" fmla="*/ 3091685 h 3414000"/>
+              <a:gd name="connsiteX14" fmla="*/ 11200090 w 12192000"/>
+              <a:gd name="connsiteY14" fmla="*/ 3038291 h 3414000"/>
+              <a:gd name="connsiteX15" fmla="*/ 11053220 w 12192000"/>
+              <a:gd name="connsiteY15" fmla="*/ 2918932 h 3414000"/>
+              <a:gd name="connsiteX16" fmla="*/ 10939288 w 12192000"/>
+              <a:gd name="connsiteY16" fmla="*/ 2855023 h 3414000"/>
+              <a:gd name="connsiteX17" fmla="*/ 10744450 w 12192000"/>
+              <a:gd name="connsiteY17" fmla="*/ 2833410 h 3414000"/>
+              <a:gd name="connsiteX18" fmla="*/ 10343114 w 12192000"/>
+              <a:gd name="connsiteY18" fmla="*/ 2798726 h 3414000"/>
+              <a:gd name="connsiteX19" fmla="*/ 10082228 w 12192000"/>
+              <a:gd name="connsiteY19" fmla="*/ 2811706 h 3414000"/>
+              <a:gd name="connsiteX20" fmla="*/ 9724642 w 12192000"/>
+              <a:gd name="connsiteY20" fmla="*/ 2837965 h 3414000"/>
+              <a:gd name="connsiteX21" fmla="*/ 8039917 w 12192000"/>
+              <a:gd name="connsiteY21" fmla="*/ 2834055 h 3414000"/>
+              <a:gd name="connsiteX22" fmla="*/ 6923165 w 12192000"/>
+              <a:gd name="connsiteY22" fmla="*/ 2920979 h 3414000"/>
+              <a:gd name="connsiteX23" fmla="*/ 3308916 w 12192000"/>
+              <a:gd name="connsiteY23" fmla="*/ 3049911 h 3414000"/>
+              <a:gd name="connsiteX24" fmla="*/ 2279650 w 12192000"/>
+              <a:gd name="connsiteY24" fmla="*/ 3187700 h 3414000"/>
+              <a:gd name="connsiteX25" fmla="*/ 2046142 w 12192000"/>
+              <a:gd name="connsiteY25" fmla="*/ 3203263 h 3414000"/>
+              <a:gd name="connsiteX26" fmla="*/ 1835150 w 12192000"/>
+              <a:gd name="connsiteY26" fmla="*/ 3200400 h 3414000"/>
+              <a:gd name="connsiteX27" fmla="*/ 1560312 w 12192000"/>
+              <a:gd name="connsiteY27" fmla="*/ 3212173 h 3414000"/>
+              <a:gd name="connsiteX28" fmla="*/ 1304604 w 12192000"/>
+              <a:gd name="connsiteY28" fmla="*/ 3185587 h 3414000"/>
+              <a:gd name="connsiteX29" fmla="*/ 1160924 w 12192000"/>
+              <a:gd name="connsiteY29" fmla="*/ 3219675 h 3414000"/>
+              <a:gd name="connsiteX30" fmla="*/ 909691 w 12192000"/>
+              <a:gd name="connsiteY30" fmla="*/ 3216917 h 3414000"/>
+              <a:gd name="connsiteX31" fmla="*/ 764022 w 12192000"/>
+              <a:gd name="connsiteY31" fmla="*/ 3235844 h 3414000"/>
+              <a:gd name="connsiteX32" fmla="*/ 701916 w 12192000"/>
+              <a:gd name="connsiteY32" fmla="*/ 3250221 h 3414000"/>
+              <a:gd name="connsiteX33" fmla="*/ 408703 w 12192000"/>
+              <a:gd name="connsiteY33" fmla="*/ 3323459 h 3414000"/>
+              <a:gd name="connsiteX34" fmla="*/ 369867 w 12192000"/>
+              <a:gd name="connsiteY34" fmla="*/ 3339093 h 3414000"/>
+              <a:gd name="connsiteX35" fmla="*/ 318912 w 12192000"/>
+              <a:gd name="connsiteY35" fmla="*/ 3367911 h 3414000"/>
+              <a:gd name="connsiteX36" fmla="*/ 119549 w 12192000"/>
+              <a:gd name="connsiteY36" fmla="*/ 3404650 h 3414000"/>
+              <a:gd name="connsiteX37" fmla="*/ 0 w 12192000"/>
+              <a:gd name="connsiteY37" fmla="*/ 3414000 h 3414000"/>
+              <a:gd name="connsiteX38" fmla="*/ 0 w 12192000"/>
+              <a:gd name="connsiteY38" fmla="*/ 0 h 3414000"/>
+              <a:gd name="connsiteX0" fmla="*/ 0 w 12192000"/>
+              <a:gd name="connsiteY0" fmla="*/ 0 h 3414000"/>
+              <a:gd name="connsiteX1" fmla="*/ 12192000 w 12192000"/>
+              <a:gd name="connsiteY1" fmla="*/ 0 h 3414000"/>
+              <a:gd name="connsiteX2" fmla="*/ 12192000 w 12192000"/>
+              <a:gd name="connsiteY2" fmla="*/ 3363677 h 3414000"/>
+              <a:gd name="connsiteX3" fmla="*/ 12141171 w 12192000"/>
+              <a:gd name="connsiteY3" fmla="*/ 3348643 h 3414000"/>
+              <a:gd name="connsiteX4" fmla="*/ 12096804 w 12192000"/>
+              <a:gd name="connsiteY4" fmla="*/ 3337419 h 3414000"/>
+              <a:gd name="connsiteX5" fmla="*/ 12001172 w 12192000"/>
+              <a:gd name="connsiteY5" fmla="*/ 3319906 h 3414000"/>
+              <a:gd name="connsiteX6" fmla="*/ 11929171 w 12192000"/>
+              <a:gd name="connsiteY6" fmla="*/ 3326226 h 3414000"/>
+              <a:gd name="connsiteX7" fmla="*/ 11820782 w 12192000"/>
+              <a:gd name="connsiteY7" fmla="*/ 3289139 h 3414000"/>
+              <a:gd name="connsiteX8" fmla="*/ 11760586 w 12192000"/>
+              <a:gd name="connsiteY8" fmla="*/ 3251827 h 3414000"/>
+              <a:gd name="connsiteX9" fmla="*/ 11653933 w 12192000"/>
+              <a:gd name="connsiteY9" fmla="*/ 3237073 h 3414000"/>
+              <a:gd name="connsiteX10" fmla="*/ 11577355 w 12192000"/>
+              <a:gd name="connsiteY10" fmla="*/ 3211512 h 3414000"/>
+              <a:gd name="connsiteX11" fmla="*/ 11462173 w 12192000"/>
+              <a:gd name="connsiteY11" fmla="*/ 3157413 h 3414000"/>
+              <a:gd name="connsiteX12" fmla="*/ 11336983 w 12192000"/>
+              <a:gd name="connsiteY12" fmla="*/ 3096805 h 3414000"/>
+              <a:gd name="connsiteX13" fmla="*/ 11255758 w 12192000"/>
+              <a:gd name="connsiteY13" fmla="*/ 3091685 h 3414000"/>
+              <a:gd name="connsiteX14" fmla="*/ 11200090 w 12192000"/>
+              <a:gd name="connsiteY14" fmla="*/ 3038291 h 3414000"/>
+              <a:gd name="connsiteX15" fmla="*/ 11053220 w 12192000"/>
+              <a:gd name="connsiteY15" fmla="*/ 2918932 h 3414000"/>
+              <a:gd name="connsiteX16" fmla="*/ 10939288 w 12192000"/>
+              <a:gd name="connsiteY16" fmla="*/ 2855023 h 3414000"/>
+              <a:gd name="connsiteX17" fmla="*/ 10744450 w 12192000"/>
+              <a:gd name="connsiteY17" fmla="*/ 2833410 h 3414000"/>
+              <a:gd name="connsiteX18" fmla="*/ 10343114 w 12192000"/>
+              <a:gd name="connsiteY18" fmla="*/ 2798726 h 3414000"/>
+              <a:gd name="connsiteX19" fmla="*/ 10082228 w 12192000"/>
+              <a:gd name="connsiteY19" fmla="*/ 2811706 h 3414000"/>
+              <a:gd name="connsiteX20" fmla="*/ 9724642 w 12192000"/>
+              <a:gd name="connsiteY20" fmla="*/ 2837965 h 3414000"/>
+              <a:gd name="connsiteX21" fmla="*/ 8039917 w 12192000"/>
+              <a:gd name="connsiteY21" fmla="*/ 2834055 h 3414000"/>
+              <a:gd name="connsiteX22" fmla="*/ 6923165 w 12192000"/>
+              <a:gd name="connsiteY22" fmla="*/ 2920979 h 3414000"/>
+              <a:gd name="connsiteX23" fmla="*/ 3308916 w 12192000"/>
+              <a:gd name="connsiteY23" fmla="*/ 3049911 h 3414000"/>
+              <a:gd name="connsiteX24" fmla="*/ 2279650 w 12192000"/>
+              <a:gd name="connsiteY24" fmla="*/ 3187700 h 3414000"/>
+              <a:gd name="connsiteX25" fmla="*/ 2046142 w 12192000"/>
+              <a:gd name="connsiteY25" fmla="*/ 3203263 h 3414000"/>
+              <a:gd name="connsiteX26" fmla="*/ 1835150 w 12192000"/>
+              <a:gd name="connsiteY26" fmla="*/ 3200400 h 3414000"/>
+              <a:gd name="connsiteX27" fmla="*/ 1560312 w 12192000"/>
+              <a:gd name="connsiteY27" fmla="*/ 3212173 h 3414000"/>
+              <a:gd name="connsiteX28" fmla="*/ 1304604 w 12192000"/>
+              <a:gd name="connsiteY28" fmla="*/ 3185587 h 3414000"/>
+              <a:gd name="connsiteX29" fmla="*/ 1160924 w 12192000"/>
+              <a:gd name="connsiteY29" fmla="*/ 3219675 h 3414000"/>
+              <a:gd name="connsiteX30" fmla="*/ 909691 w 12192000"/>
+              <a:gd name="connsiteY30" fmla="*/ 3216917 h 3414000"/>
+              <a:gd name="connsiteX31" fmla="*/ 764022 w 12192000"/>
+              <a:gd name="connsiteY31" fmla="*/ 3235844 h 3414000"/>
+              <a:gd name="connsiteX32" fmla="*/ 701916 w 12192000"/>
+              <a:gd name="connsiteY32" fmla="*/ 3250221 h 3414000"/>
+              <a:gd name="connsiteX33" fmla="*/ 408703 w 12192000"/>
+              <a:gd name="connsiteY33" fmla="*/ 3323459 h 3414000"/>
+              <a:gd name="connsiteX34" fmla="*/ 369867 w 12192000"/>
+              <a:gd name="connsiteY34" fmla="*/ 3339093 h 3414000"/>
+              <a:gd name="connsiteX35" fmla="*/ 318912 w 12192000"/>
+              <a:gd name="connsiteY35" fmla="*/ 3367911 h 3414000"/>
+              <a:gd name="connsiteX36" fmla="*/ 119549 w 12192000"/>
+              <a:gd name="connsiteY36" fmla="*/ 3404650 h 3414000"/>
+              <a:gd name="connsiteX37" fmla="*/ 0 w 12192000"/>
+              <a:gd name="connsiteY37" fmla="*/ 3414000 h 3414000"/>
+              <a:gd name="connsiteX38" fmla="*/ 0 w 12192000"/>
+              <a:gd name="connsiteY38" fmla="*/ 0 h 3414000"/>
             </a:gdLst>
             <a:ahLst/>
             <a:cxnLst>
@@ -8661,224 +11327,266 @@
               <a:cxn ang="0">
                 <a:pos x="connsiteX18" y="connsiteY18"/>
               </a:cxn>
+              <a:cxn ang="0">
+                <a:pos x="connsiteX19" y="connsiteY19"/>
+              </a:cxn>
+              <a:cxn ang="0">
+                <a:pos x="connsiteX20" y="connsiteY20"/>
+              </a:cxn>
+              <a:cxn ang="0">
+                <a:pos x="connsiteX21" y="connsiteY21"/>
+              </a:cxn>
+              <a:cxn ang="0">
+                <a:pos x="connsiteX22" y="connsiteY22"/>
+              </a:cxn>
+              <a:cxn ang="0">
+                <a:pos x="connsiteX23" y="connsiteY23"/>
+              </a:cxn>
+              <a:cxn ang="0">
+                <a:pos x="connsiteX24" y="connsiteY24"/>
+              </a:cxn>
+              <a:cxn ang="0">
+                <a:pos x="connsiteX25" y="connsiteY25"/>
+              </a:cxn>
+              <a:cxn ang="0">
+                <a:pos x="connsiteX26" y="connsiteY26"/>
+              </a:cxn>
+              <a:cxn ang="0">
+                <a:pos x="connsiteX27" y="connsiteY27"/>
+              </a:cxn>
+              <a:cxn ang="0">
+                <a:pos x="connsiteX28" y="connsiteY28"/>
+              </a:cxn>
+              <a:cxn ang="0">
+                <a:pos x="connsiteX29" y="connsiteY29"/>
+              </a:cxn>
+              <a:cxn ang="0">
+                <a:pos x="connsiteX30" y="connsiteY30"/>
+              </a:cxn>
+              <a:cxn ang="0">
+                <a:pos x="connsiteX31" y="connsiteY31"/>
+              </a:cxn>
+              <a:cxn ang="0">
+                <a:pos x="connsiteX32" y="connsiteY32"/>
+              </a:cxn>
+              <a:cxn ang="0">
+                <a:pos x="connsiteX33" y="connsiteY33"/>
+              </a:cxn>
+              <a:cxn ang="0">
+                <a:pos x="connsiteX34" y="connsiteY34"/>
+              </a:cxn>
+              <a:cxn ang="0">
+                <a:pos x="connsiteX35" y="connsiteY35"/>
+              </a:cxn>
+              <a:cxn ang="0">
+                <a:pos x="connsiteX36" y="connsiteY36"/>
+              </a:cxn>
+              <a:cxn ang="0">
+                <a:pos x="connsiteX37" y="connsiteY37"/>
+              </a:cxn>
+              <a:cxn ang="0">
+                <a:pos x="connsiteX38" y="connsiteY38"/>
+              </a:cxn>
             </a:cxnLst>
             <a:rect l="l" t="t" r="r" b="b"/>
             <a:pathLst>
-              <a:path w="5410200" h="18288" fill="none" extrusionOk="0">
+              <a:path w="12192000" h="3414000">
                 <a:moveTo>
                   <a:pt x="0" y="0"/>
                 </a:moveTo>
+                <a:lnTo>
+                  <a:pt x="12192000" y="0"/>
+                </a:lnTo>
+                <a:lnTo>
+                  <a:pt x="12192000" y="3363677"/>
+                </a:lnTo>
+                <a:lnTo>
+                  <a:pt x="12141171" y="3348643"/>
+                </a:lnTo>
                 <a:cubicBezTo>
-                  <a:pt x="163050" y="-18707"/>
-                  <a:pt x="319321" y="-16364"/>
-                  <a:pt x="568071" y="0"/>
+                  <a:pt x="12130340" y="3352656"/>
+                  <a:pt x="12120137" y="3342208"/>
+                  <a:pt x="12096804" y="3337419"/>
                 </a:cubicBezTo>
                 <a:cubicBezTo>
-                  <a:pt x="816821" y="16364"/>
-                  <a:pt x="1013224" y="-7268"/>
-                  <a:pt x="1298448" y="0"/>
+                  <a:pt x="12073471" y="3332630"/>
+                  <a:pt x="12025984" y="3353421"/>
+                  <a:pt x="12001172" y="3319906"/>
                 </a:cubicBezTo>
                 <a:cubicBezTo>
-                  <a:pt x="1583672" y="7268"/>
-                  <a:pt x="1631711" y="-3367"/>
-                  <a:pt x="1920621" y="0"/>
+                  <a:pt x="11931984" y="3317322"/>
+                  <a:pt x="11987030" y="3316977"/>
+                  <a:pt x="11929171" y="3326226"/>
                 </a:cubicBezTo>
                 <a:cubicBezTo>
-                  <a:pt x="2209531" y="3367"/>
-                  <a:pt x="2364420" y="-19184"/>
-                  <a:pt x="2488692" y="0"/>
+                  <a:pt x="11931062" y="3332410"/>
+                  <a:pt x="11821861" y="3285262"/>
+                  <a:pt x="11820782" y="3289139"/>
+                </a:cubicBezTo>
+                <a:lnTo>
+                  <a:pt x="11760586" y="3251827"/>
+                </a:lnTo>
+                <a:cubicBezTo>
+                  <a:pt x="11725035" y="3246909"/>
+                  <a:pt x="11677570" y="3253905"/>
+                  <a:pt x="11653933" y="3237073"/>
                 </a:cubicBezTo>
                 <a:cubicBezTo>
-                  <a:pt x="2612964" y="19184"/>
-                  <a:pt x="3023298" y="-34627"/>
-                  <a:pt x="3219069" y="0"/>
+                  <a:pt x="11648284" y="3237361"/>
+                  <a:pt x="11597503" y="3198993"/>
+                  <a:pt x="11577355" y="3211512"/>
                 </a:cubicBezTo>
                 <a:cubicBezTo>
-                  <a:pt x="3414840" y="34627"/>
-                  <a:pt x="3656810" y="24043"/>
-                  <a:pt x="3895344" y="0"/>
+                  <a:pt x="11529762" y="3203503"/>
+                  <a:pt x="11537361" y="3169633"/>
+                  <a:pt x="11462173" y="3157413"/>
                 </a:cubicBezTo>
                 <a:cubicBezTo>
-                  <a:pt x="4133879" y="-24043"/>
-                  <a:pt x="4393984" y="-19577"/>
-                  <a:pt x="4571619" y="0"/>
+                  <a:pt x="11410782" y="3145332"/>
+                  <a:pt x="11394963" y="3124923"/>
+                  <a:pt x="11336983" y="3096805"/>
                 </a:cubicBezTo>
                 <a:cubicBezTo>
-                  <a:pt x="4749255" y="19577"/>
-                  <a:pt x="5179928" y="-6281"/>
-                  <a:pt x="5410200" y="0"/>
+                  <a:pt x="11307545" y="3084857"/>
+                  <a:pt x="11278574" y="3101437"/>
+                  <a:pt x="11255758" y="3091685"/>
                 </a:cubicBezTo>
                 <a:cubicBezTo>
-                  <a:pt x="5410730" y="6954"/>
-                  <a:pt x="5410934" y="12839"/>
-                  <a:pt x="5410200" y="18288"/>
+                  <a:pt x="11232943" y="3081933"/>
+                  <a:pt x="11238810" y="3066090"/>
+                  <a:pt x="11200090" y="3038291"/>
                 </a:cubicBezTo>
                 <a:cubicBezTo>
-                  <a:pt x="5139060" y="6751"/>
-                  <a:pt x="5121593" y="31035"/>
-                  <a:pt x="4842129" y="18288"/>
+                  <a:pt x="11153789" y="3006660"/>
+                  <a:pt x="11084773" y="2967348"/>
+                  <a:pt x="11053220" y="2918932"/>
                 </a:cubicBezTo>
                 <a:cubicBezTo>
-                  <a:pt x="4562665" y="5541"/>
-                  <a:pt x="4448273" y="9487"/>
-                  <a:pt x="4328160" y="18288"/>
+                  <a:pt x="11009753" y="2888387"/>
+                  <a:pt x="10991742" y="2867291"/>
+                  <a:pt x="10939288" y="2855023"/>
                 </a:cubicBezTo>
                 <a:cubicBezTo>
-                  <a:pt x="4208047" y="27089"/>
-                  <a:pt x="3760936" y="22567"/>
-                  <a:pt x="3597783" y="18288"/>
+                  <a:pt x="10775958" y="2834655"/>
+                  <a:pt x="10755286" y="2847290"/>
+                  <a:pt x="10744450" y="2833410"/>
                 </a:cubicBezTo>
                 <a:cubicBezTo>
-                  <a:pt x="3434630" y="14009"/>
-                  <a:pt x="3299718" y="33213"/>
-                  <a:pt x="3029712" y="18288"/>
+                  <a:pt x="10732967" y="2835610"/>
+                  <a:pt x="10488076" y="2783584"/>
+                  <a:pt x="10343114" y="2798726"/>
                 </a:cubicBezTo>
                 <a:cubicBezTo>
-                  <a:pt x="2759706" y="3363"/>
-                  <a:pt x="2640159" y="27394"/>
-                  <a:pt x="2299335" y="18288"/>
+                  <a:pt x="10237708" y="2801066"/>
+                  <a:pt x="10137651" y="2840908"/>
+                  <a:pt x="10082228" y="2811706"/>
                 </a:cubicBezTo>
                 <a:cubicBezTo>
-                  <a:pt x="1958511" y="9182"/>
-                  <a:pt x="1801186" y="28985"/>
-                  <a:pt x="1514856" y="18288"/>
+                  <a:pt x="10002977" y="2836117"/>
+                  <a:pt x="10065027" y="2834240"/>
+                  <a:pt x="9724642" y="2837965"/>
                 </a:cubicBezTo>
                 <a:cubicBezTo>
-                  <a:pt x="1228526" y="7591"/>
-                  <a:pt x="1063509" y="-5305"/>
-                  <a:pt x="892683" y="18288"/>
+                  <a:pt x="9384257" y="2841690"/>
+                  <a:pt x="8208254" y="2743821"/>
+                  <a:pt x="8039917" y="2834055"/>
                 </a:cubicBezTo>
                 <a:cubicBezTo>
-                  <a:pt x="721857" y="41881"/>
-                  <a:pt x="186945" y="-20897"/>
-                  <a:pt x="0" y="18288"/>
+                  <a:pt x="7683020" y="2867979"/>
+                  <a:pt x="7380768" y="2943417"/>
+                  <a:pt x="6923165" y="2920979"/>
                 </a:cubicBezTo>
                 <a:cubicBezTo>
-                  <a:pt x="-570" y="9279"/>
-                  <a:pt x="132" y="5100"/>
-                  <a:pt x="0" y="0"/>
-                </a:cubicBezTo>
-                <a:close/>
-              </a:path>
-              <a:path w="5410200" h="18288" stroke="0" extrusionOk="0">
-                <a:moveTo>
-                  <a:pt x="0" y="0"/>
-                </a:moveTo>
-                <a:cubicBezTo>
-                  <a:pt x="285096" y="-4925"/>
-                  <a:pt x="376456" y="22268"/>
-                  <a:pt x="622173" y="0"/>
+                  <a:pt x="5970797" y="2826377"/>
+                  <a:pt x="4381148" y="3024063"/>
+                  <a:pt x="3308916" y="3049911"/>
                 </a:cubicBezTo>
                 <a:cubicBezTo>
-                  <a:pt x="867890" y="-22268"/>
-                  <a:pt x="1031392" y="7228"/>
-                  <a:pt x="1136142" y="0"/>
+                  <a:pt x="2539230" y="3090131"/>
+                  <a:pt x="2490112" y="3162141"/>
+                  <a:pt x="2279650" y="3187700"/>
                 </a:cubicBezTo>
                 <a:cubicBezTo>
-                  <a:pt x="1240892" y="-7228"/>
-                  <a:pt x="1561853" y="9877"/>
-                  <a:pt x="1920621" y="0"/>
+                  <a:pt x="2069188" y="3213259"/>
+                  <a:pt x="2113875" y="3207496"/>
+                  <a:pt x="2046142" y="3203263"/>
                 </a:cubicBezTo>
                 <a:cubicBezTo>
-                  <a:pt x="2279389" y="-9877"/>
-                  <a:pt x="2367255" y="19546"/>
-                  <a:pt x="2542794" y="0"/>
+                  <a:pt x="1978409" y="3199030"/>
+                  <a:pt x="1916122" y="3198915"/>
+                  <a:pt x="1835150" y="3200400"/>
                 </a:cubicBezTo>
                 <a:cubicBezTo>
-                  <a:pt x="2718333" y="-19546"/>
-                  <a:pt x="2866732" y="-22226"/>
-                  <a:pt x="3164967" y="0"/>
+                  <a:pt x="1728778" y="3151085"/>
+                  <a:pt x="1655086" y="3208292"/>
+                  <a:pt x="1560312" y="3212173"/>
                 </a:cubicBezTo>
                 <a:cubicBezTo>
-                  <a:pt x="3463202" y="22226"/>
-                  <a:pt x="3568055" y="-2765"/>
-                  <a:pt x="3949446" y="0"/>
+                  <a:pt x="1488788" y="3201117"/>
+                  <a:pt x="1381396" y="3228826"/>
+                  <a:pt x="1304604" y="3185587"/>
                 </a:cubicBezTo>
                 <a:cubicBezTo>
-                  <a:pt x="4330837" y="2765"/>
-                  <a:pt x="4287895" y="10557"/>
-                  <a:pt x="4517517" y="0"/>
+                  <a:pt x="1214758" y="3240983"/>
+                  <a:pt x="1240861" y="3204815"/>
+                  <a:pt x="1160924" y="3219675"/>
                 </a:cubicBezTo>
                 <a:cubicBezTo>
-                  <a:pt x="4747139" y="-10557"/>
-                  <a:pt x="5149588" y="8716"/>
-                  <a:pt x="5410200" y="0"/>
+                  <a:pt x="1120940" y="3215838"/>
+                  <a:pt x="1029088" y="3185515"/>
+                  <a:pt x="909691" y="3216917"/>
                 </a:cubicBezTo>
                 <a:cubicBezTo>
-                  <a:pt x="5409517" y="5414"/>
-                  <a:pt x="5409480" y="12510"/>
-                  <a:pt x="5410200" y="18288"/>
+                  <a:pt x="894584" y="3261614"/>
+                  <a:pt x="794971" y="3221232"/>
+                  <a:pt x="764022" y="3235844"/>
                 </a:cubicBezTo>
                 <a:cubicBezTo>
-                  <a:pt x="5163327" y="41494"/>
-                  <a:pt x="5008749" y="10693"/>
-                  <a:pt x="4842129" y="18288"/>
+                  <a:pt x="713144" y="3261930"/>
+                  <a:pt x="769147" y="3237497"/>
+                  <a:pt x="701916" y="3250221"/>
                 </a:cubicBezTo>
                 <a:cubicBezTo>
-                  <a:pt x="4675509" y="25883"/>
-                  <a:pt x="4433401" y="-615"/>
-                  <a:pt x="4165854" y="18288"/>
+                  <a:pt x="644189" y="3215026"/>
+                  <a:pt x="469866" y="3373155"/>
+                  <a:pt x="408703" y="3323459"/>
                 </a:cubicBezTo>
                 <a:cubicBezTo>
-                  <a:pt x="3898308" y="37191"/>
-                  <a:pt x="3809032" y="-8710"/>
-                  <a:pt x="3543681" y="18288"/>
+                  <a:pt x="401506" y="3343302"/>
+                  <a:pt x="389128" y="3337529"/>
+                  <a:pt x="369867" y="3339093"/>
                 </a:cubicBezTo>
                 <a:cubicBezTo>
-                  <a:pt x="3278330" y="45286"/>
-                  <a:pt x="3073876" y="-15917"/>
-                  <a:pt x="2759202" y="18288"/>
+                  <a:pt x="365490" y="3372373"/>
+                  <a:pt x="330308" y="3346613"/>
+                  <a:pt x="318912" y="3367911"/>
                 </a:cubicBezTo>
                 <a:cubicBezTo>
-                  <a:pt x="2444528" y="52493"/>
-                  <a:pt x="2204144" y="3372"/>
-                  <a:pt x="1974723" y="18288"/>
+                  <a:pt x="256532" y="3381125"/>
+                  <a:pt x="186613" y="3396059"/>
+                  <a:pt x="119549" y="3404650"/>
                 </a:cubicBezTo>
-                <a:cubicBezTo>
-                  <a:pt x="1745302" y="33204"/>
-                  <a:pt x="1602335" y="31490"/>
-                  <a:pt x="1406652" y="18288"/>
-                </a:cubicBezTo>
-                <a:cubicBezTo>
-                  <a:pt x="1210969" y="5086"/>
-                  <a:pt x="923948" y="3161"/>
-                  <a:pt x="730377" y="18288"/>
-                </a:cubicBezTo>
-                <a:cubicBezTo>
-                  <a:pt x="536806" y="33415"/>
-                  <a:pt x="336496" y="-141"/>
-                  <a:pt x="0" y="18288"/>
-                </a:cubicBezTo>
-                <a:cubicBezTo>
-                  <a:pt x="-306" y="11061"/>
-                  <a:pt x="-655" y="7751"/>
+                <a:lnTo>
+                  <a:pt x="0" y="3414000"/>
+                </a:lnTo>
+                <a:lnTo>
                   <a:pt x="0" y="0"/>
-                </a:cubicBezTo>
+                </a:lnTo>
                 <a:close/>
               </a:path>
             </a:pathLst>
           </a:custGeom>
           <a:solidFill>
-            <a:schemeClr val="accent2"/>
+            <a:srgbClr val="82766A">
+              <a:alpha val="15000"/>
+            </a:srgbClr>
           </a:solidFill>
-          <a:ln w="41275" cap="rnd">
-            <a:solidFill>
-              <a:schemeClr val="accent2"/>
-            </a:solidFill>
-            <a:round/>
-            <a:extLst>
-              <a:ext uri="{C807C97D-BFC1-408E-A445-0C87EB9F89A2}">
-                <ask:lineSketchStyleProps xmlns:ask="http://schemas.microsoft.com/office/drawing/2018/sketchyshapes" sd="1219033472">
-                  <a:prstGeom prst="rect">
-                    <a:avLst/>
-                  </a:prstGeom>
-                  <ask:type>
-                    <ask:lineSketchFreehand/>
-                  </ask:type>
-                </ask:lineSketchStyleProps>
-              </a:ext>
-            </a:extLst>
+          <a:ln w="12700" cap="flat" cmpd="sng" algn="ctr">
+            <a:noFill/>
+            <a:prstDash val="solid"/>
+            <a:miter lim="800000"/>
           </a:ln>
+          <a:effectLst/>
         </p:spPr>
         <p:style>
           <a:lnRef idx="2">
@@ -8897,7 +11605,9 @@
           </a:fontRef>
         </p:style>
         <p:txBody>
-          <a:bodyPr rtlCol="0" anchor="ctr"/>
+          <a:bodyPr wrap="square" rtlCol="0" anchor="ctr">
+            <a:noAutofit/>
+          </a:bodyPr>
           <a:lstStyle/>
           <a:p>
             <a:pPr algn="ctr"/>
@@ -8905,12 +11615,165 @@
           </a:p>
         </p:txBody>
       </p:sp>
+      <p:sp>
+        <p:nvSpPr>
+          <p:cNvPr id="2" name="Title 1">
+            <a:extLst>
+              <a:ext uri="{FF2B5EF4-FFF2-40B4-BE49-F238E27FC236}">
+                <a16:creationId xmlns:a16="http://schemas.microsoft.com/office/drawing/2014/main" id="{626F29E3-4806-7D83-F4DF-005654D6EDB1}"/>
+              </a:ext>
+            </a:extLst>
+          </p:cNvPr>
+          <p:cNvSpPr>
+            <a:spLocks noGrp="1"/>
+          </p:cNvSpPr>
+          <p:nvPr>
+            <p:ph type="title"/>
+          </p:nvPr>
+        </p:nvSpPr>
+        <p:spPr>
+          <a:xfrm>
+            <a:off x="1344707" y="496608"/>
+            <a:ext cx="9484658" cy="811838"/>
+          </a:xfrm>
+        </p:spPr>
+        <p:txBody>
+          <a:bodyPr vert="horz" lIns="91440" tIns="45720" rIns="91440" bIns="45720" rtlCol="0" anchor="ctr">
+            <a:normAutofit/>
+          </a:bodyPr>
+          <a:lstStyle/>
+          <a:p>
+            <a:pPr algn="ctr"/>
+            <a:r>
+              <a:rPr lang="en-US" sz="4000" b="1" i="0">
+                <a:effectLst/>
+              </a:rPr>
+              <a:t>Game play Images</a:t>
+            </a:r>
+          </a:p>
+        </p:txBody>
+      </p:sp>
+      <p:sp>
+        <p:nvSpPr>
+          <p:cNvPr id="42" name="Freeform: Shape 35">
+            <a:extLst>
+              <a:ext uri="{FF2B5EF4-FFF2-40B4-BE49-F238E27FC236}">
+                <a16:creationId xmlns:a16="http://schemas.microsoft.com/office/drawing/2014/main" id="{B0E1A1AC-EF07-4431-B59B-BD97DC04858D}"/>
+              </a:ext>
+              <a:ext uri="{C183D7F6-B498-43B3-948B-1728B52AA6E4}">
+                <adec:decorative xmlns:adec="http://schemas.microsoft.com/office/drawing/2017/decorative" val="1"/>
+              </a:ext>
+            </a:extLst>
+          </p:cNvPr>
+          <p:cNvSpPr>
+            <a:spLocks noGrp="1" noRot="1" noChangeAspect="1" noMove="1" noResize="1" noEditPoints="1" noAdjustHandles="1" noChangeArrowheads="1" noChangeShapeType="1" noTextEdit="1"/>
+          </p:cNvSpPr>
+          <p:nvPr>
+            <p:extLst>
+              <p:ext uri="{386F3935-93C4-4BCD-93E2-E3B085C9AB24}">
+                <p16:designElem xmlns:p16="http://schemas.microsoft.com/office/powerpoint/2015/main" val="1"/>
+              </p:ext>
+            </p:extLst>
+          </p:nvPr>
+        </p:nvSpPr>
+        <p:spPr>
+          <a:xfrm>
+            <a:off x="1931158" y="1598654"/>
+            <a:ext cx="8352430" cy="2547852"/>
+          </a:xfrm>
+          <a:custGeom>
+            <a:avLst/>
+            <a:gdLst>
+              <a:gd name="connsiteX0" fmla="*/ 0 w 2400300"/>
+              <a:gd name="connsiteY0" fmla="*/ 0 h 2400300"/>
+              <a:gd name="connsiteX1" fmla="*/ 2400300 w 2400300"/>
+              <a:gd name="connsiteY1" fmla="*/ 0 h 2400300"/>
+              <a:gd name="connsiteX2" fmla="*/ 2400300 w 2400300"/>
+              <a:gd name="connsiteY2" fmla="*/ 2400300 h 2400300"/>
+              <a:gd name="connsiteX3" fmla="*/ 0 w 2400300"/>
+              <a:gd name="connsiteY3" fmla="*/ 2400300 h 2400300"/>
+            </a:gdLst>
+            <a:ahLst/>
+            <a:cxnLst>
+              <a:cxn ang="0">
+                <a:pos x="connsiteX0" y="connsiteY0"/>
+              </a:cxn>
+              <a:cxn ang="0">
+                <a:pos x="connsiteX1" y="connsiteY1"/>
+              </a:cxn>
+              <a:cxn ang="0">
+                <a:pos x="connsiteX2" y="connsiteY2"/>
+              </a:cxn>
+              <a:cxn ang="0">
+                <a:pos x="connsiteX3" y="connsiteY3"/>
+              </a:cxn>
+            </a:cxnLst>
+            <a:rect l="l" t="t" r="r" b="b"/>
+            <a:pathLst>
+              <a:path w="2400300" h="2400300">
+                <a:moveTo>
+                  <a:pt x="0" y="0"/>
+                </a:moveTo>
+                <a:lnTo>
+                  <a:pt x="2400300" y="0"/>
+                </a:lnTo>
+                <a:lnTo>
+                  <a:pt x="2400300" y="2400300"/>
+                </a:lnTo>
+                <a:lnTo>
+                  <a:pt x="0" y="2400300"/>
+                </a:lnTo>
+                <a:close/>
+              </a:path>
+            </a:pathLst>
+          </a:custGeom>
+          <a:solidFill>
+            <a:srgbClr val="FFFFFF"/>
+          </a:solidFill>
+          <a:ln>
+            <a:noFill/>
+          </a:ln>
+          <a:effectLst>
+            <a:outerShdw blurRad="50800" dist="12700" dir="3000000" algn="tl" rotWithShape="0">
+              <a:prstClr val="black">
+                <a:alpha val="27000"/>
+              </a:prstClr>
+            </a:outerShdw>
+          </a:effectLst>
+        </p:spPr>
+        <p:style>
+          <a:lnRef idx="2">
+            <a:schemeClr val="accent1">
+              <a:shade val="50000"/>
+            </a:schemeClr>
+          </a:lnRef>
+          <a:fillRef idx="1">
+            <a:schemeClr val="accent1"/>
+          </a:fillRef>
+          <a:effectRef idx="0">
+            <a:schemeClr val="accent1"/>
+          </a:effectRef>
+          <a:fontRef idx="minor">
+            <a:schemeClr val="lt1"/>
+          </a:fontRef>
+        </p:style>
+        <p:txBody>
+          <a:bodyPr wrap="square" rtlCol="0" anchor="ctr">
+            <a:noAutofit/>
+          </a:bodyPr>
+          <a:lstStyle/>
+          <a:p>
+            <a:pPr algn="ctr"/>
+            <a:endParaRPr lang="en-US" dirty="0"/>
+          </a:p>
+        </p:txBody>
+      </p:sp>
       <p:pic>
         <p:nvPicPr>
-          <p:cNvPr id="9" name="Picture 8">
+          <p:cNvPr id="7" name="Picture 6" descr="A screen shot of a game&#10;&#10;Description automatically generated with low confidence">
             <a:extLst>
               <a:ext uri="{FF2B5EF4-FFF2-40B4-BE49-F238E27FC236}">
-                <a16:creationId xmlns:a16="http://schemas.microsoft.com/office/drawing/2014/main" id="{95C6E43E-FCBD-1245-47EB-018D525D212A}"/>
+                <a16:creationId xmlns:a16="http://schemas.microsoft.com/office/drawing/2014/main" id="{DADBE76A-8650-0E7F-CBC9-5D1B860FE644}"/>
               </a:ext>
             </a:extLst>
           </p:cNvPr>
@@ -8919,16 +11782,15 @@
           </p:cNvPicPr>
           <p:nvPr/>
         </p:nvPicPr>
-        <p:blipFill>
+        <p:blipFill rotWithShape="1">
           <a:blip r:embed="rId2"/>
-          <a:stretch>
-            <a:fillRect/>
-          </a:stretch>
+          <a:srcRect r="3538"/>
+          <a:stretch/>
         </p:blipFill>
         <p:spPr>
           <a:xfrm>
-            <a:off x="8261600" y="2619784"/>
-            <a:ext cx="3609391" cy="3600041"/>
+            <a:off x="2292443" y="1768799"/>
+            <a:ext cx="2201594" cy="2195892"/>
           </a:xfrm>
           <a:prstGeom prst="rect">
             <a:avLst/>
@@ -8937,7 +11799,7 @@
       </p:pic>
       <p:pic>
         <p:nvPicPr>
-          <p:cNvPr id="11" name="Picture 10">
+          <p:cNvPr id="11" name="Picture 10" descr="A screenshot of a video game&#10;&#10;Description automatically generated with medium confidence">
             <a:extLst>
               <a:ext uri="{FF2B5EF4-FFF2-40B4-BE49-F238E27FC236}">
                 <a16:creationId xmlns:a16="http://schemas.microsoft.com/office/drawing/2014/main" id="{CC2929A9-67EF-6430-0745-5416DC586FCE}"/>
@@ -8957,8 +11819,8 @@
         </p:blipFill>
         <p:spPr>
           <a:xfrm>
-            <a:off x="4248360" y="2619784"/>
-            <a:ext cx="3695280" cy="3600041"/>
+            <a:off x="4992970" y="1768791"/>
+            <a:ext cx="2253984" cy="2195892"/>
           </a:xfrm>
           <a:prstGeom prst="rect">
             <a:avLst/>
@@ -8967,10 +11829,10 @@
       </p:pic>
       <p:pic>
         <p:nvPicPr>
-          <p:cNvPr id="7" name="Picture 6">
+          <p:cNvPr id="9" name="Picture 8" descr="A screen shot of a game&#10;&#10;Description automatically generated with medium confidence">
             <a:extLst>
               <a:ext uri="{FF2B5EF4-FFF2-40B4-BE49-F238E27FC236}">
-                <a16:creationId xmlns:a16="http://schemas.microsoft.com/office/drawing/2014/main" id="{DADBE76A-8650-0E7F-CBC9-5D1B860FE644}"/>
+                <a16:creationId xmlns:a16="http://schemas.microsoft.com/office/drawing/2014/main" id="{95C6E43E-FCBD-1245-47EB-018D525D212A}"/>
               </a:ext>
             </a:extLst>
           </p:cNvPr>
@@ -8979,21 +11841,99 @@
           </p:cNvPicPr>
           <p:nvPr/>
         </p:nvPicPr>
-        <p:blipFill rotWithShape="1">
+        <p:blipFill>
           <a:blip r:embed="rId4"/>
-          <a:srcRect r="3538"/>
-          <a:stretch/>
+          <a:stretch>
+            <a:fillRect/>
+          </a:stretch>
         </p:blipFill>
         <p:spPr>
           <a:xfrm>
-            <a:off x="321008" y="2638060"/>
-            <a:ext cx="3609391" cy="3600041"/>
+            <a:off x="7724142" y="1768782"/>
+            <a:ext cx="2201596" cy="2195893"/>
           </a:xfrm>
           <a:prstGeom prst="rect">
             <a:avLst/>
           </a:prstGeom>
         </p:spPr>
       </p:pic>
+      <p:sp>
+        <p:nvSpPr>
+          <p:cNvPr id="4" name="TextBox 3">
+            <a:extLst>
+              <a:ext uri="{FF2B5EF4-FFF2-40B4-BE49-F238E27FC236}">
+                <a16:creationId xmlns:a16="http://schemas.microsoft.com/office/drawing/2014/main" id="{6C87930E-AF59-01C9-768C-00E47FF0D784}"/>
+              </a:ext>
+            </a:extLst>
+          </p:cNvPr>
+          <p:cNvSpPr txBox="1"/>
+          <p:nvPr/>
+        </p:nvSpPr>
+        <p:spPr>
+          <a:xfrm>
+            <a:off x="1362635" y="4316634"/>
+            <a:ext cx="9466730" cy="1935445"/>
+          </a:xfrm>
+          <a:prstGeom prst="rect">
+            <a:avLst/>
+          </a:prstGeom>
+        </p:spPr>
+        <p:txBody>
+          <a:bodyPr vert="horz" lIns="91440" tIns="45720" rIns="91440" bIns="45720" rtlCol="0" anchor="ctr">
+            <a:normAutofit/>
+          </a:bodyPr>
+          <a:lstStyle/>
+          <a:p>
+            <a:pPr marL="342900" indent="-228600" algn="ctr">
+              <a:lnSpc>
+                <a:spcPct val="90000"/>
+              </a:lnSpc>
+              <a:spcAft>
+                <a:spcPts val="600"/>
+              </a:spcAft>
+              <a:buFont typeface="Arial" panose="020B0604020202020204" pitchFamily="34" charset="0"/>
+              <a:buChar char="•"/>
+            </a:pPr>
+            <a:r>
+              <a:rPr lang="en-US" sz="2000" dirty="0"/>
+              <a:t>Link to play snake game online:</a:t>
+            </a:r>
+            <a:endParaRPr lang="en-US" sz="2000" dirty="0">
+              <a:hlinkClick r:id="rId5"/>
+            </a:endParaRPr>
+          </a:p>
+          <a:p>
+            <a:pPr marL="114300" algn="ctr">
+              <a:lnSpc>
+                <a:spcPct val="90000"/>
+              </a:lnSpc>
+              <a:spcAft>
+                <a:spcPts val="600"/>
+              </a:spcAft>
+            </a:pPr>
+            <a:r>
+              <a:rPr lang="en-US" sz="2000" dirty="0">
+                <a:hlinkClick r:id="rId5"/>
+              </a:rPr>
+              <a:t>https://apatel19-stack.github.io/CSC2463/2463_Final_project/index.html</a:t>
+            </a:r>
+            <a:endParaRPr lang="en-US" sz="2000" dirty="0"/>
+          </a:p>
+          <a:p>
+            <a:pPr indent="-228600" algn="ctr">
+              <a:lnSpc>
+                <a:spcPct val="90000"/>
+              </a:lnSpc>
+              <a:spcAft>
+                <a:spcPts val="600"/>
+              </a:spcAft>
+              <a:buFont typeface="Arial" panose="020B0604020202020204" pitchFamily="34" charset="0"/>
+              <a:buChar char="•"/>
+            </a:pPr>
+            <a:endParaRPr lang="en-US" sz="2000" dirty="0"/>
+          </a:p>
+        </p:txBody>
+      </p:sp>
     </p:spTree>
     <p:extLst>
       <p:ext uri="{BB962C8B-B14F-4D97-AF65-F5344CB8AC3E}">
